--- a/Evidencia grupales/Presentación proyecto de titulo.pptx
+++ b/Evidencia grupales/Presentación proyecto de titulo.pptx
@@ -1,6 +1,6 @@
 
 <file path=ppt/presentation.xml><?xml version="1.0" encoding="utf-8"?>
-<p:presentation xmlns:a="http://schemas.openxmlformats.org/drawingml/2006/main" xmlns:r="http://schemas.openxmlformats.org/officeDocument/2006/relationships" xmlns:mc="http://schemas.openxmlformats.org/markup-compatibility/2006" xmlns:mv="urn:schemas-microsoft-com:mac:vml" xmlns:p="http://schemas.openxmlformats.org/presentationml/2006/main" xmlns:c="http://schemas.openxmlformats.org/drawingml/2006/chart" xmlns:dgm="http://schemas.openxmlformats.org/drawingml/2006/diagram" xmlns:o="urn:schemas-microsoft-com:office:office" xmlns:v="urn:schemas-microsoft-com:vml" xmlns:pvml="urn:schemas-microsoft-com:office:powerpoint" xmlns:com="http://schemas.openxmlformats.org/drawingml/2006/compatibility" xmlns:p14="http://schemas.microsoft.com/office/powerpoint/2010/main" xmlns:p15="http://schemas.microsoft.com/office/powerpoint/2012/main" xmlns:ahyp="http://schemas.microsoft.com/office/drawing/2018/hyperlinkcolor" autoCompressPictures="0" strictFirstAndLastChars="0" saveSubsetFonts="1">
+<p:presentation xmlns:a="http://schemas.openxmlformats.org/drawingml/2006/main" xmlns:r="http://schemas.openxmlformats.org/officeDocument/2006/relationships" xmlns:mc="http://schemas.openxmlformats.org/markup-compatibility/2006" xmlns:mv="urn:schemas-microsoft-com:mac:vml" xmlns:p="http://schemas.openxmlformats.org/presentationml/2006/main" xmlns:c="http://schemas.openxmlformats.org/drawingml/2006/chart" xmlns:dgm="http://schemas.openxmlformats.org/drawingml/2006/diagram" xmlns:o="urn:schemas-microsoft-com:office:office" xmlns:v="urn:schemas-microsoft-com:vml" xmlns:pvml="urn:schemas-microsoft-com:office:powerpoint" xmlns:com="http://schemas.openxmlformats.org/drawingml/2006/compatibility" xmlns:p14="http://schemas.microsoft.com/office/powerpoint/2010/main" xmlns:p15="http://schemas.microsoft.com/office/powerpoint/2012/main" xmlns:ahyp="http://schemas.microsoft.com/office/drawing/2018/hyperlinkcolor" autoCompressPictures="0" embedTrueTypeFonts="1" strictFirstAndLastChars="0" saveSubsetFonts="1">
   <p:sldMasterIdLst>
     <p:sldMasterId id="2147483659" r:id="rId4"/>
   </p:sldMasterIdLst>
@@ -9,9 +9,31 @@
   </p:notesMasterIdLst>
   <p:sldIdLst>
     <p:sldId id="256" r:id="rId6"/>
+    <p:sldId id="257" r:id="rId7"/>
+    <p:sldId id="258" r:id="rId8"/>
+    <p:sldId id="259" r:id="rId9"/>
+    <p:sldId id="260" r:id="rId10"/>
+    <p:sldId id="261" r:id="rId11"/>
+    <p:sldId id="262" r:id="rId12"/>
+    <p:sldId id="263" r:id="rId13"/>
+    <p:sldId id="264" r:id="rId14"/>
   </p:sldIdLst>
   <p:sldSz cy="5143500" cx="9144000"/>
   <p:notesSz cx="6858000" cy="9144000"/>
+  <p:embeddedFontLst>
+    <p:embeddedFont>
+      <p:font typeface="Amatic SC"/>
+      <p:regular r:id="rId15"/>
+      <p:bold r:id="rId16"/>
+    </p:embeddedFont>
+    <p:embeddedFont>
+      <p:font typeface="Source Code Pro"/>
+      <p:regular r:id="rId17"/>
+      <p:bold r:id="rId18"/>
+      <p:italic r:id="rId19"/>
+      <p:boldItalic r:id="rId20"/>
+    </p:embeddedFont>
+  </p:embeddedFontLst>
   <p:defaultTextStyle>
     <a:defPPr lvl="0" marR="0" rtl="0" algn="l">
       <a:lnSpc>
@@ -691,7 +713,7 @@
   <p:cSld>
     <p:spTree>
       <p:nvGrpSpPr>
-        <p:cNvPr id="50" name="Shape 50"/>
+        <p:cNvPr id="52" name="Shape 52"/>
         <p:cNvGrpSpPr/>
         <p:nvPr/>
       </p:nvGrpSpPr>
@@ -705,7 +727,7 @@
       </p:grpSpPr>
       <p:sp>
         <p:nvSpPr>
-          <p:cNvPr id="51" name="Google Shape;51;p:notes"/>
+          <p:cNvPr id="53" name="Google Shape;53;p:notes"/>
           <p:cNvSpPr/>
           <p:nvPr>
             <p:ph idx="2" type="sldImg"/>
@@ -740,7 +762,7 @@
       </p:sp>
       <p:sp>
         <p:nvSpPr>
-          <p:cNvPr id="52" name="Google Shape;52;p:notes"/>
+          <p:cNvPr id="54" name="Google Shape;54;p:notes"/>
           <p:cNvSpPr txBox="1"/>
           <p:nvPr>
             <p:ph idx="1" type="body"/>
@@ -785,9 +807,808 @@
 </p:notes>
 </file>
 
+<file path=ppt/notesSlides/notesSlide2.xml><?xml version="1.0" encoding="utf-8"?>
+<p:notes xmlns:a="http://schemas.openxmlformats.org/drawingml/2006/main" xmlns:r="http://schemas.openxmlformats.org/officeDocument/2006/relationships" xmlns:mc="http://schemas.openxmlformats.org/markup-compatibility/2006" xmlns:mv="urn:schemas-microsoft-com:mac:vml" xmlns:p="http://schemas.openxmlformats.org/presentationml/2006/main" xmlns:c="http://schemas.openxmlformats.org/drawingml/2006/chart" xmlns:dgm="http://schemas.openxmlformats.org/drawingml/2006/diagram" xmlns:o="urn:schemas-microsoft-com:office:office" xmlns:v="urn:schemas-microsoft-com:vml" xmlns:pvml="urn:schemas-microsoft-com:office:powerpoint" xmlns:com="http://schemas.openxmlformats.org/drawingml/2006/compatibility" xmlns:p14="http://schemas.microsoft.com/office/powerpoint/2010/main" xmlns:p15="http://schemas.microsoft.com/office/powerpoint/2012/main" xmlns:ahyp="http://schemas.microsoft.com/office/drawing/2018/hyperlinkcolor" showMasterPhAnim="0" showMasterSp="0">
+  <p:cSld>
+    <p:spTree>
+      <p:nvGrpSpPr>
+        <p:cNvPr id="58" name="Shape 58"/>
+        <p:cNvGrpSpPr/>
+        <p:nvPr/>
+      </p:nvGrpSpPr>
+      <p:grpSpPr>
+        <a:xfrm>
+          <a:off x="0" y="0"/>
+          <a:ext cx="0" cy="0"/>
+          <a:chOff x="0" y="0"/>
+          <a:chExt cx="0" cy="0"/>
+        </a:xfrm>
+      </p:grpSpPr>
+      <p:sp>
+        <p:nvSpPr>
+          <p:cNvPr id="59" name="Google Shape;59;g300441da9b1_2_0:notes"/>
+          <p:cNvSpPr/>
+          <p:nvPr>
+            <p:ph idx="2" type="sldImg"/>
+          </p:nvPr>
+        </p:nvSpPr>
+        <p:spPr>
+          <a:xfrm>
+            <a:off x="381300" y="685800"/>
+            <a:ext cx="6096000" cy="3429000"/>
+          </a:xfrm>
+          <a:custGeom>
+            <a:rect b="b" l="l" r="r" t="t"/>
+            <a:pathLst>
+              <a:path extrusionOk="0" h="120000" w="120000">
+                <a:moveTo>
+                  <a:pt x="0" y="0"/>
+                </a:moveTo>
+                <a:lnTo>
+                  <a:pt x="120000" y="0"/>
+                </a:lnTo>
+                <a:lnTo>
+                  <a:pt x="120000" y="120000"/>
+                </a:lnTo>
+                <a:lnTo>
+                  <a:pt x="0" y="120000"/>
+                </a:lnTo>
+                <a:close/>
+              </a:path>
+            </a:pathLst>
+          </a:custGeom>
+        </p:spPr>
+      </p:sp>
+      <p:sp>
+        <p:nvSpPr>
+          <p:cNvPr id="60" name="Google Shape;60;g300441da9b1_2_0:notes"/>
+          <p:cNvSpPr txBox="1"/>
+          <p:nvPr>
+            <p:ph idx="1" type="body"/>
+          </p:nvPr>
+        </p:nvSpPr>
+        <p:spPr>
+          <a:xfrm>
+            <a:off x="685800" y="4343400"/>
+            <a:ext cx="5486400" cy="4114800"/>
+          </a:xfrm>
+          <a:prstGeom prst="rect">
+            <a:avLst/>
+          </a:prstGeom>
+        </p:spPr>
+        <p:txBody>
+          <a:bodyPr anchorCtr="0" anchor="t" bIns="91425" lIns="91425" spcFirstLastPara="1" rIns="91425" wrap="square" tIns="91425">
+            <a:noAutofit/>
+          </a:bodyPr>
+          <a:lstStyle/>
+          <a:p>
+            <a:pPr indent="0" lvl="0" marL="0" rtl="0" algn="l">
+              <a:spcBef>
+                <a:spcPts val="0"/>
+              </a:spcBef>
+              <a:spcAft>
+                <a:spcPts val="0"/>
+              </a:spcAft>
+              <a:buNone/>
+            </a:pPr>
+            <a:r>
+              <a:t/>
+            </a:r>
+            <a:endParaRPr/>
+          </a:p>
+        </p:txBody>
+      </p:sp>
+    </p:spTree>
+  </p:cSld>
+  <p:clrMapOvr>
+    <a:masterClrMapping/>
+  </p:clrMapOvr>
+</p:notes>
+</file>
+
+<file path=ppt/notesSlides/notesSlide3.xml><?xml version="1.0" encoding="utf-8"?>
+<p:notes xmlns:a="http://schemas.openxmlformats.org/drawingml/2006/main" xmlns:r="http://schemas.openxmlformats.org/officeDocument/2006/relationships" xmlns:mc="http://schemas.openxmlformats.org/markup-compatibility/2006" xmlns:mv="urn:schemas-microsoft-com:mac:vml" xmlns:p="http://schemas.openxmlformats.org/presentationml/2006/main" xmlns:c="http://schemas.openxmlformats.org/drawingml/2006/chart" xmlns:dgm="http://schemas.openxmlformats.org/drawingml/2006/diagram" xmlns:o="urn:schemas-microsoft-com:office:office" xmlns:v="urn:schemas-microsoft-com:vml" xmlns:pvml="urn:schemas-microsoft-com:office:powerpoint" xmlns:com="http://schemas.openxmlformats.org/drawingml/2006/compatibility" xmlns:p14="http://schemas.microsoft.com/office/powerpoint/2010/main" xmlns:p15="http://schemas.microsoft.com/office/powerpoint/2012/main" xmlns:ahyp="http://schemas.microsoft.com/office/drawing/2018/hyperlinkcolor" showMasterPhAnim="0" showMasterSp="0">
+  <p:cSld>
+    <p:spTree>
+      <p:nvGrpSpPr>
+        <p:cNvPr id="64" name="Shape 64"/>
+        <p:cNvGrpSpPr/>
+        <p:nvPr/>
+      </p:nvGrpSpPr>
+      <p:grpSpPr>
+        <a:xfrm>
+          <a:off x="0" y="0"/>
+          <a:ext cx="0" cy="0"/>
+          <a:chOff x="0" y="0"/>
+          <a:chExt cx="0" cy="0"/>
+        </a:xfrm>
+      </p:grpSpPr>
+      <p:sp>
+        <p:nvSpPr>
+          <p:cNvPr id="65" name="Google Shape;65;g300441da9b1_2_5:notes"/>
+          <p:cNvSpPr/>
+          <p:nvPr>
+            <p:ph idx="2" type="sldImg"/>
+          </p:nvPr>
+        </p:nvSpPr>
+        <p:spPr>
+          <a:xfrm>
+            <a:off x="381300" y="685800"/>
+            <a:ext cx="6096000" cy="3429000"/>
+          </a:xfrm>
+          <a:custGeom>
+            <a:rect b="b" l="l" r="r" t="t"/>
+            <a:pathLst>
+              <a:path extrusionOk="0" h="120000" w="120000">
+                <a:moveTo>
+                  <a:pt x="0" y="0"/>
+                </a:moveTo>
+                <a:lnTo>
+                  <a:pt x="120000" y="0"/>
+                </a:lnTo>
+                <a:lnTo>
+                  <a:pt x="120000" y="120000"/>
+                </a:lnTo>
+                <a:lnTo>
+                  <a:pt x="0" y="120000"/>
+                </a:lnTo>
+                <a:close/>
+              </a:path>
+            </a:pathLst>
+          </a:custGeom>
+        </p:spPr>
+      </p:sp>
+      <p:sp>
+        <p:nvSpPr>
+          <p:cNvPr id="66" name="Google Shape;66;g300441da9b1_2_5:notes"/>
+          <p:cNvSpPr txBox="1"/>
+          <p:nvPr>
+            <p:ph idx="1" type="body"/>
+          </p:nvPr>
+        </p:nvSpPr>
+        <p:spPr>
+          <a:xfrm>
+            <a:off x="685800" y="4343400"/>
+            <a:ext cx="5486400" cy="4114800"/>
+          </a:xfrm>
+          <a:prstGeom prst="rect">
+            <a:avLst/>
+          </a:prstGeom>
+        </p:spPr>
+        <p:txBody>
+          <a:bodyPr anchorCtr="0" anchor="t" bIns="91425" lIns="91425" spcFirstLastPara="1" rIns="91425" wrap="square" tIns="91425">
+            <a:noAutofit/>
+          </a:bodyPr>
+          <a:lstStyle/>
+          <a:p>
+            <a:pPr indent="0" lvl="0" marL="0" rtl="0" algn="l">
+              <a:spcBef>
+                <a:spcPts val="0"/>
+              </a:spcBef>
+              <a:spcAft>
+                <a:spcPts val="0"/>
+              </a:spcAft>
+              <a:buNone/>
+            </a:pPr>
+            <a:r>
+              <a:t/>
+            </a:r>
+            <a:endParaRPr/>
+          </a:p>
+        </p:txBody>
+      </p:sp>
+    </p:spTree>
+  </p:cSld>
+  <p:clrMapOvr>
+    <a:masterClrMapping/>
+  </p:clrMapOvr>
+</p:notes>
+</file>
+
+<file path=ppt/notesSlides/notesSlide4.xml><?xml version="1.0" encoding="utf-8"?>
+<p:notes xmlns:a="http://schemas.openxmlformats.org/drawingml/2006/main" xmlns:r="http://schemas.openxmlformats.org/officeDocument/2006/relationships" xmlns:mc="http://schemas.openxmlformats.org/markup-compatibility/2006" xmlns:mv="urn:schemas-microsoft-com:mac:vml" xmlns:p="http://schemas.openxmlformats.org/presentationml/2006/main" xmlns:c="http://schemas.openxmlformats.org/drawingml/2006/chart" xmlns:dgm="http://schemas.openxmlformats.org/drawingml/2006/diagram" xmlns:o="urn:schemas-microsoft-com:office:office" xmlns:v="urn:schemas-microsoft-com:vml" xmlns:pvml="urn:schemas-microsoft-com:office:powerpoint" xmlns:com="http://schemas.openxmlformats.org/drawingml/2006/compatibility" xmlns:p14="http://schemas.microsoft.com/office/powerpoint/2010/main" xmlns:p15="http://schemas.microsoft.com/office/powerpoint/2012/main" xmlns:ahyp="http://schemas.microsoft.com/office/drawing/2018/hyperlinkcolor" showMasterPhAnim="0" showMasterSp="0">
+  <p:cSld>
+    <p:spTree>
+      <p:nvGrpSpPr>
+        <p:cNvPr id="70" name="Shape 70"/>
+        <p:cNvGrpSpPr/>
+        <p:nvPr/>
+      </p:nvGrpSpPr>
+      <p:grpSpPr>
+        <a:xfrm>
+          <a:off x="0" y="0"/>
+          <a:ext cx="0" cy="0"/>
+          <a:chOff x="0" y="0"/>
+          <a:chExt cx="0" cy="0"/>
+        </a:xfrm>
+      </p:grpSpPr>
+      <p:sp>
+        <p:nvSpPr>
+          <p:cNvPr id="71" name="Google Shape;71;g300441da9b1_2_10:notes"/>
+          <p:cNvSpPr/>
+          <p:nvPr>
+            <p:ph idx="2" type="sldImg"/>
+          </p:nvPr>
+        </p:nvSpPr>
+        <p:spPr>
+          <a:xfrm>
+            <a:off x="381300" y="685800"/>
+            <a:ext cx="6096000" cy="3429000"/>
+          </a:xfrm>
+          <a:custGeom>
+            <a:rect b="b" l="l" r="r" t="t"/>
+            <a:pathLst>
+              <a:path extrusionOk="0" h="120000" w="120000">
+                <a:moveTo>
+                  <a:pt x="0" y="0"/>
+                </a:moveTo>
+                <a:lnTo>
+                  <a:pt x="120000" y="0"/>
+                </a:lnTo>
+                <a:lnTo>
+                  <a:pt x="120000" y="120000"/>
+                </a:lnTo>
+                <a:lnTo>
+                  <a:pt x="0" y="120000"/>
+                </a:lnTo>
+                <a:close/>
+              </a:path>
+            </a:pathLst>
+          </a:custGeom>
+        </p:spPr>
+      </p:sp>
+      <p:sp>
+        <p:nvSpPr>
+          <p:cNvPr id="72" name="Google Shape;72;g300441da9b1_2_10:notes"/>
+          <p:cNvSpPr txBox="1"/>
+          <p:nvPr>
+            <p:ph idx="1" type="body"/>
+          </p:nvPr>
+        </p:nvSpPr>
+        <p:spPr>
+          <a:xfrm>
+            <a:off x="685800" y="4343400"/>
+            <a:ext cx="5486400" cy="4114800"/>
+          </a:xfrm>
+          <a:prstGeom prst="rect">
+            <a:avLst/>
+          </a:prstGeom>
+        </p:spPr>
+        <p:txBody>
+          <a:bodyPr anchorCtr="0" anchor="t" bIns="91425" lIns="91425" spcFirstLastPara="1" rIns="91425" wrap="square" tIns="91425">
+            <a:noAutofit/>
+          </a:bodyPr>
+          <a:lstStyle/>
+          <a:p>
+            <a:pPr indent="0" lvl="0" marL="0" rtl="0" algn="l">
+              <a:spcBef>
+                <a:spcPts val="0"/>
+              </a:spcBef>
+              <a:spcAft>
+                <a:spcPts val="0"/>
+              </a:spcAft>
+              <a:buNone/>
+            </a:pPr>
+            <a:r>
+              <a:t/>
+            </a:r>
+            <a:endParaRPr/>
+          </a:p>
+        </p:txBody>
+      </p:sp>
+    </p:spTree>
+  </p:cSld>
+  <p:clrMapOvr>
+    <a:masterClrMapping/>
+  </p:clrMapOvr>
+</p:notes>
+</file>
+
+<file path=ppt/notesSlides/notesSlide5.xml><?xml version="1.0" encoding="utf-8"?>
+<p:notes xmlns:a="http://schemas.openxmlformats.org/drawingml/2006/main" xmlns:r="http://schemas.openxmlformats.org/officeDocument/2006/relationships" xmlns:mc="http://schemas.openxmlformats.org/markup-compatibility/2006" xmlns:mv="urn:schemas-microsoft-com:mac:vml" xmlns:p="http://schemas.openxmlformats.org/presentationml/2006/main" xmlns:c="http://schemas.openxmlformats.org/drawingml/2006/chart" xmlns:dgm="http://schemas.openxmlformats.org/drawingml/2006/diagram" xmlns:o="urn:schemas-microsoft-com:office:office" xmlns:v="urn:schemas-microsoft-com:vml" xmlns:pvml="urn:schemas-microsoft-com:office:powerpoint" xmlns:com="http://schemas.openxmlformats.org/drawingml/2006/compatibility" xmlns:p14="http://schemas.microsoft.com/office/powerpoint/2010/main" xmlns:p15="http://schemas.microsoft.com/office/powerpoint/2012/main" xmlns:ahyp="http://schemas.microsoft.com/office/drawing/2018/hyperlinkcolor" showMasterPhAnim="0" showMasterSp="0">
+  <p:cSld>
+    <p:spTree>
+      <p:nvGrpSpPr>
+        <p:cNvPr id="77" name="Shape 77"/>
+        <p:cNvGrpSpPr/>
+        <p:nvPr/>
+      </p:nvGrpSpPr>
+      <p:grpSpPr>
+        <a:xfrm>
+          <a:off x="0" y="0"/>
+          <a:ext cx="0" cy="0"/>
+          <a:chOff x="0" y="0"/>
+          <a:chExt cx="0" cy="0"/>
+        </a:xfrm>
+      </p:grpSpPr>
+      <p:sp>
+        <p:nvSpPr>
+          <p:cNvPr id="78" name="Google Shape;78;g300441da9b1_2_27:notes"/>
+          <p:cNvSpPr/>
+          <p:nvPr>
+            <p:ph idx="2" type="sldImg"/>
+          </p:nvPr>
+        </p:nvSpPr>
+        <p:spPr>
+          <a:xfrm>
+            <a:off x="381300" y="685800"/>
+            <a:ext cx="6096000" cy="3429000"/>
+          </a:xfrm>
+          <a:custGeom>
+            <a:rect b="b" l="l" r="r" t="t"/>
+            <a:pathLst>
+              <a:path extrusionOk="0" h="120000" w="120000">
+                <a:moveTo>
+                  <a:pt x="0" y="0"/>
+                </a:moveTo>
+                <a:lnTo>
+                  <a:pt x="120000" y="0"/>
+                </a:lnTo>
+                <a:lnTo>
+                  <a:pt x="120000" y="120000"/>
+                </a:lnTo>
+                <a:lnTo>
+                  <a:pt x="0" y="120000"/>
+                </a:lnTo>
+                <a:close/>
+              </a:path>
+            </a:pathLst>
+          </a:custGeom>
+        </p:spPr>
+      </p:sp>
+      <p:sp>
+        <p:nvSpPr>
+          <p:cNvPr id="79" name="Google Shape;79;g300441da9b1_2_27:notes"/>
+          <p:cNvSpPr txBox="1"/>
+          <p:nvPr>
+            <p:ph idx="1" type="body"/>
+          </p:nvPr>
+        </p:nvSpPr>
+        <p:spPr>
+          <a:xfrm>
+            <a:off x="685800" y="4343400"/>
+            <a:ext cx="5486400" cy="4114800"/>
+          </a:xfrm>
+          <a:prstGeom prst="rect">
+            <a:avLst/>
+          </a:prstGeom>
+        </p:spPr>
+        <p:txBody>
+          <a:bodyPr anchorCtr="0" anchor="t" bIns="91425" lIns="91425" spcFirstLastPara="1" rIns="91425" wrap="square" tIns="91425">
+            <a:noAutofit/>
+          </a:bodyPr>
+          <a:lstStyle/>
+          <a:p>
+            <a:pPr indent="0" lvl="0" marL="0" rtl="0" algn="l">
+              <a:spcBef>
+                <a:spcPts val="0"/>
+              </a:spcBef>
+              <a:spcAft>
+                <a:spcPts val="0"/>
+              </a:spcAft>
+              <a:buNone/>
+            </a:pPr>
+            <a:r>
+              <a:t/>
+            </a:r>
+            <a:endParaRPr/>
+          </a:p>
+        </p:txBody>
+      </p:sp>
+    </p:spTree>
+  </p:cSld>
+  <p:clrMapOvr>
+    <a:masterClrMapping/>
+  </p:clrMapOvr>
+</p:notes>
+</file>
+
+<file path=ppt/notesSlides/notesSlide6.xml><?xml version="1.0" encoding="utf-8"?>
+<p:notes xmlns:a="http://schemas.openxmlformats.org/drawingml/2006/main" xmlns:r="http://schemas.openxmlformats.org/officeDocument/2006/relationships" xmlns:mc="http://schemas.openxmlformats.org/markup-compatibility/2006" xmlns:mv="urn:schemas-microsoft-com:mac:vml" xmlns:p="http://schemas.openxmlformats.org/presentationml/2006/main" xmlns:c="http://schemas.openxmlformats.org/drawingml/2006/chart" xmlns:dgm="http://schemas.openxmlformats.org/drawingml/2006/diagram" xmlns:o="urn:schemas-microsoft-com:office:office" xmlns:v="urn:schemas-microsoft-com:vml" xmlns:pvml="urn:schemas-microsoft-com:office:powerpoint" xmlns:com="http://schemas.openxmlformats.org/drawingml/2006/compatibility" xmlns:p14="http://schemas.microsoft.com/office/powerpoint/2010/main" xmlns:p15="http://schemas.microsoft.com/office/powerpoint/2012/main" xmlns:ahyp="http://schemas.microsoft.com/office/drawing/2018/hyperlinkcolor" showMasterPhAnim="0" showMasterSp="0">
+  <p:cSld>
+    <p:spTree>
+      <p:nvGrpSpPr>
+        <p:cNvPr id="85" name="Shape 85"/>
+        <p:cNvGrpSpPr/>
+        <p:nvPr/>
+      </p:nvGrpSpPr>
+      <p:grpSpPr>
+        <a:xfrm>
+          <a:off x="0" y="0"/>
+          <a:ext cx="0" cy="0"/>
+          <a:chOff x="0" y="0"/>
+          <a:chExt cx="0" cy="0"/>
+        </a:xfrm>
+      </p:grpSpPr>
+      <p:sp>
+        <p:nvSpPr>
+          <p:cNvPr id="86" name="Google Shape;86;g300441da9b1_2_33:notes"/>
+          <p:cNvSpPr/>
+          <p:nvPr>
+            <p:ph idx="2" type="sldImg"/>
+          </p:nvPr>
+        </p:nvSpPr>
+        <p:spPr>
+          <a:xfrm>
+            <a:off x="381300" y="685800"/>
+            <a:ext cx="6096000" cy="3429000"/>
+          </a:xfrm>
+          <a:custGeom>
+            <a:rect b="b" l="l" r="r" t="t"/>
+            <a:pathLst>
+              <a:path extrusionOk="0" h="120000" w="120000">
+                <a:moveTo>
+                  <a:pt x="0" y="0"/>
+                </a:moveTo>
+                <a:lnTo>
+                  <a:pt x="120000" y="0"/>
+                </a:lnTo>
+                <a:lnTo>
+                  <a:pt x="120000" y="120000"/>
+                </a:lnTo>
+                <a:lnTo>
+                  <a:pt x="0" y="120000"/>
+                </a:lnTo>
+                <a:close/>
+              </a:path>
+            </a:pathLst>
+          </a:custGeom>
+        </p:spPr>
+      </p:sp>
+      <p:sp>
+        <p:nvSpPr>
+          <p:cNvPr id="87" name="Google Shape;87;g300441da9b1_2_33:notes"/>
+          <p:cNvSpPr txBox="1"/>
+          <p:nvPr>
+            <p:ph idx="1" type="body"/>
+          </p:nvPr>
+        </p:nvSpPr>
+        <p:spPr>
+          <a:xfrm>
+            <a:off x="685800" y="4343400"/>
+            <a:ext cx="5486400" cy="4114800"/>
+          </a:xfrm>
+          <a:prstGeom prst="rect">
+            <a:avLst/>
+          </a:prstGeom>
+        </p:spPr>
+        <p:txBody>
+          <a:bodyPr anchorCtr="0" anchor="t" bIns="91425" lIns="91425" spcFirstLastPara="1" rIns="91425" wrap="square" tIns="91425">
+            <a:noAutofit/>
+          </a:bodyPr>
+          <a:lstStyle/>
+          <a:p>
+            <a:pPr indent="0" lvl="0" marL="0" rtl="0" algn="l">
+              <a:spcBef>
+                <a:spcPts val="0"/>
+              </a:spcBef>
+              <a:spcAft>
+                <a:spcPts val="0"/>
+              </a:spcAft>
+              <a:buNone/>
+            </a:pPr>
+            <a:r>
+              <a:t/>
+            </a:r>
+            <a:endParaRPr/>
+          </a:p>
+        </p:txBody>
+      </p:sp>
+    </p:spTree>
+  </p:cSld>
+  <p:clrMapOvr>
+    <a:masterClrMapping/>
+  </p:clrMapOvr>
+</p:notes>
+</file>
+
+<file path=ppt/notesSlides/notesSlide7.xml><?xml version="1.0" encoding="utf-8"?>
+<p:notes xmlns:a="http://schemas.openxmlformats.org/drawingml/2006/main" xmlns:r="http://schemas.openxmlformats.org/officeDocument/2006/relationships" xmlns:mc="http://schemas.openxmlformats.org/markup-compatibility/2006" xmlns:mv="urn:schemas-microsoft-com:mac:vml" xmlns:p="http://schemas.openxmlformats.org/presentationml/2006/main" xmlns:c="http://schemas.openxmlformats.org/drawingml/2006/chart" xmlns:dgm="http://schemas.openxmlformats.org/drawingml/2006/diagram" xmlns:o="urn:schemas-microsoft-com:office:office" xmlns:v="urn:schemas-microsoft-com:vml" xmlns:pvml="urn:schemas-microsoft-com:office:powerpoint" xmlns:com="http://schemas.openxmlformats.org/drawingml/2006/compatibility" xmlns:p14="http://schemas.microsoft.com/office/powerpoint/2010/main" xmlns:p15="http://schemas.microsoft.com/office/powerpoint/2012/main" xmlns:ahyp="http://schemas.microsoft.com/office/drawing/2018/hyperlinkcolor" showMasterPhAnim="0" showMasterSp="0">
+  <p:cSld>
+    <p:spTree>
+      <p:nvGrpSpPr>
+        <p:cNvPr id="91" name="Shape 91"/>
+        <p:cNvGrpSpPr/>
+        <p:nvPr/>
+      </p:nvGrpSpPr>
+      <p:grpSpPr>
+        <a:xfrm>
+          <a:off x="0" y="0"/>
+          <a:ext cx="0" cy="0"/>
+          <a:chOff x="0" y="0"/>
+          <a:chExt cx="0" cy="0"/>
+        </a:xfrm>
+      </p:grpSpPr>
+      <p:sp>
+        <p:nvSpPr>
+          <p:cNvPr id="92" name="Google Shape;92;g300441da9b1_2_42:notes"/>
+          <p:cNvSpPr/>
+          <p:nvPr>
+            <p:ph idx="2" type="sldImg"/>
+          </p:nvPr>
+        </p:nvSpPr>
+        <p:spPr>
+          <a:xfrm>
+            <a:off x="381300" y="685800"/>
+            <a:ext cx="6096000" cy="3429000"/>
+          </a:xfrm>
+          <a:custGeom>
+            <a:rect b="b" l="l" r="r" t="t"/>
+            <a:pathLst>
+              <a:path extrusionOk="0" h="120000" w="120000">
+                <a:moveTo>
+                  <a:pt x="0" y="0"/>
+                </a:moveTo>
+                <a:lnTo>
+                  <a:pt x="120000" y="0"/>
+                </a:lnTo>
+                <a:lnTo>
+                  <a:pt x="120000" y="120000"/>
+                </a:lnTo>
+                <a:lnTo>
+                  <a:pt x="0" y="120000"/>
+                </a:lnTo>
+                <a:close/>
+              </a:path>
+            </a:pathLst>
+          </a:custGeom>
+        </p:spPr>
+      </p:sp>
+      <p:sp>
+        <p:nvSpPr>
+          <p:cNvPr id="93" name="Google Shape;93;g300441da9b1_2_42:notes"/>
+          <p:cNvSpPr txBox="1"/>
+          <p:nvPr>
+            <p:ph idx="1" type="body"/>
+          </p:nvPr>
+        </p:nvSpPr>
+        <p:spPr>
+          <a:xfrm>
+            <a:off x="685800" y="4343400"/>
+            <a:ext cx="5486400" cy="4114800"/>
+          </a:xfrm>
+          <a:prstGeom prst="rect">
+            <a:avLst/>
+          </a:prstGeom>
+        </p:spPr>
+        <p:txBody>
+          <a:bodyPr anchorCtr="0" anchor="t" bIns="91425" lIns="91425" spcFirstLastPara="1" rIns="91425" wrap="square" tIns="91425">
+            <a:noAutofit/>
+          </a:bodyPr>
+          <a:lstStyle/>
+          <a:p>
+            <a:pPr indent="0" lvl="0" marL="0" rtl="0" algn="l">
+              <a:spcBef>
+                <a:spcPts val="0"/>
+              </a:spcBef>
+              <a:spcAft>
+                <a:spcPts val="0"/>
+              </a:spcAft>
+              <a:buNone/>
+            </a:pPr>
+            <a:r>
+              <a:t/>
+            </a:r>
+            <a:endParaRPr/>
+          </a:p>
+        </p:txBody>
+      </p:sp>
+    </p:spTree>
+  </p:cSld>
+  <p:clrMapOvr>
+    <a:masterClrMapping/>
+  </p:clrMapOvr>
+</p:notes>
+</file>
+
+<file path=ppt/notesSlides/notesSlide8.xml><?xml version="1.0" encoding="utf-8"?>
+<p:notes xmlns:a="http://schemas.openxmlformats.org/drawingml/2006/main" xmlns:r="http://schemas.openxmlformats.org/officeDocument/2006/relationships" xmlns:mc="http://schemas.openxmlformats.org/markup-compatibility/2006" xmlns:mv="urn:schemas-microsoft-com:mac:vml" xmlns:p="http://schemas.openxmlformats.org/presentationml/2006/main" xmlns:c="http://schemas.openxmlformats.org/drawingml/2006/chart" xmlns:dgm="http://schemas.openxmlformats.org/drawingml/2006/diagram" xmlns:o="urn:schemas-microsoft-com:office:office" xmlns:v="urn:schemas-microsoft-com:vml" xmlns:pvml="urn:schemas-microsoft-com:office:powerpoint" xmlns:com="http://schemas.openxmlformats.org/drawingml/2006/compatibility" xmlns:p14="http://schemas.microsoft.com/office/powerpoint/2010/main" xmlns:p15="http://schemas.microsoft.com/office/powerpoint/2012/main" xmlns:ahyp="http://schemas.microsoft.com/office/drawing/2018/hyperlinkcolor" showMasterPhAnim="0" showMasterSp="0">
+  <p:cSld>
+    <p:spTree>
+      <p:nvGrpSpPr>
+        <p:cNvPr id="97" name="Shape 97"/>
+        <p:cNvGrpSpPr/>
+        <p:nvPr/>
+      </p:nvGrpSpPr>
+      <p:grpSpPr>
+        <a:xfrm>
+          <a:off x="0" y="0"/>
+          <a:ext cx="0" cy="0"/>
+          <a:chOff x="0" y="0"/>
+          <a:chExt cx="0" cy="0"/>
+        </a:xfrm>
+      </p:grpSpPr>
+      <p:sp>
+        <p:nvSpPr>
+          <p:cNvPr id="98" name="Google Shape;98;g300441da9b1_2_46:notes"/>
+          <p:cNvSpPr/>
+          <p:nvPr>
+            <p:ph idx="2" type="sldImg"/>
+          </p:nvPr>
+        </p:nvSpPr>
+        <p:spPr>
+          <a:xfrm>
+            <a:off x="381300" y="685800"/>
+            <a:ext cx="6096000" cy="3429000"/>
+          </a:xfrm>
+          <a:custGeom>
+            <a:rect b="b" l="l" r="r" t="t"/>
+            <a:pathLst>
+              <a:path extrusionOk="0" h="120000" w="120000">
+                <a:moveTo>
+                  <a:pt x="0" y="0"/>
+                </a:moveTo>
+                <a:lnTo>
+                  <a:pt x="120000" y="0"/>
+                </a:lnTo>
+                <a:lnTo>
+                  <a:pt x="120000" y="120000"/>
+                </a:lnTo>
+                <a:lnTo>
+                  <a:pt x="0" y="120000"/>
+                </a:lnTo>
+                <a:close/>
+              </a:path>
+            </a:pathLst>
+          </a:custGeom>
+        </p:spPr>
+      </p:sp>
+      <p:sp>
+        <p:nvSpPr>
+          <p:cNvPr id="99" name="Google Shape;99;g300441da9b1_2_46:notes"/>
+          <p:cNvSpPr txBox="1"/>
+          <p:nvPr>
+            <p:ph idx="1" type="body"/>
+          </p:nvPr>
+        </p:nvSpPr>
+        <p:spPr>
+          <a:xfrm>
+            <a:off x="685800" y="4343400"/>
+            <a:ext cx="5486400" cy="4114800"/>
+          </a:xfrm>
+          <a:prstGeom prst="rect">
+            <a:avLst/>
+          </a:prstGeom>
+        </p:spPr>
+        <p:txBody>
+          <a:bodyPr anchorCtr="0" anchor="t" bIns="91425" lIns="91425" spcFirstLastPara="1" rIns="91425" wrap="square" tIns="91425">
+            <a:noAutofit/>
+          </a:bodyPr>
+          <a:lstStyle/>
+          <a:p>
+            <a:pPr indent="0" lvl="0" marL="0" rtl="0" algn="l">
+              <a:spcBef>
+                <a:spcPts val="0"/>
+              </a:spcBef>
+              <a:spcAft>
+                <a:spcPts val="0"/>
+              </a:spcAft>
+              <a:buNone/>
+            </a:pPr>
+            <a:r>
+              <a:t/>
+            </a:r>
+            <a:endParaRPr/>
+          </a:p>
+        </p:txBody>
+      </p:sp>
+    </p:spTree>
+  </p:cSld>
+  <p:clrMapOvr>
+    <a:masterClrMapping/>
+  </p:clrMapOvr>
+</p:notes>
+</file>
+
+<file path=ppt/notesSlides/notesSlide9.xml><?xml version="1.0" encoding="utf-8"?>
+<p:notes xmlns:a="http://schemas.openxmlformats.org/drawingml/2006/main" xmlns:r="http://schemas.openxmlformats.org/officeDocument/2006/relationships" xmlns:mc="http://schemas.openxmlformats.org/markup-compatibility/2006" xmlns:mv="urn:schemas-microsoft-com:mac:vml" xmlns:p="http://schemas.openxmlformats.org/presentationml/2006/main" xmlns:c="http://schemas.openxmlformats.org/drawingml/2006/chart" xmlns:dgm="http://schemas.openxmlformats.org/drawingml/2006/diagram" xmlns:o="urn:schemas-microsoft-com:office:office" xmlns:v="urn:schemas-microsoft-com:vml" xmlns:pvml="urn:schemas-microsoft-com:office:powerpoint" xmlns:com="http://schemas.openxmlformats.org/drawingml/2006/compatibility" xmlns:p14="http://schemas.microsoft.com/office/powerpoint/2010/main" xmlns:p15="http://schemas.microsoft.com/office/powerpoint/2012/main" xmlns:ahyp="http://schemas.microsoft.com/office/drawing/2018/hyperlinkcolor" showMasterPhAnim="0" showMasterSp="0">
+  <p:cSld>
+    <p:spTree>
+      <p:nvGrpSpPr>
+        <p:cNvPr id="103" name="Shape 103"/>
+        <p:cNvGrpSpPr/>
+        <p:nvPr/>
+      </p:nvGrpSpPr>
+      <p:grpSpPr>
+        <a:xfrm>
+          <a:off x="0" y="0"/>
+          <a:ext cx="0" cy="0"/>
+          <a:chOff x="0" y="0"/>
+          <a:chExt cx="0" cy="0"/>
+        </a:xfrm>
+      </p:grpSpPr>
+      <p:sp>
+        <p:nvSpPr>
+          <p:cNvPr id="104" name="Google Shape;104;g300441da9b1_2_15:notes"/>
+          <p:cNvSpPr/>
+          <p:nvPr>
+            <p:ph idx="2" type="sldImg"/>
+          </p:nvPr>
+        </p:nvSpPr>
+        <p:spPr>
+          <a:xfrm>
+            <a:off x="381300" y="685800"/>
+            <a:ext cx="6096000" cy="3429000"/>
+          </a:xfrm>
+          <a:custGeom>
+            <a:rect b="b" l="l" r="r" t="t"/>
+            <a:pathLst>
+              <a:path extrusionOk="0" h="120000" w="120000">
+                <a:moveTo>
+                  <a:pt x="0" y="0"/>
+                </a:moveTo>
+                <a:lnTo>
+                  <a:pt x="120000" y="0"/>
+                </a:lnTo>
+                <a:lnTo>
+                  <a:pt x="120000" y="120000"/>
+                </a:lnTo>
+                <a:lnTo>
+                  <a:pt x="0" y="120000"/>
+                </a:lnTo>
+                <a:close/>
+              </a:path>
+            </a:pathLst>
+          </a:custGeom>
+        </p:spPr>
+      </p:sp>
+      <p:sp>
+        <p:nvSpPr>
+          <p:cNvPr id="105" name="Google Shape;105;g300441da9b1_2_15:notes"/>
+          <p:cNvSpPr txBox="1"/>
+          <p:nvPr>
+            <p:ph idx="1" type="body"/>
+          </p:nvPr>
+        </p:nvSpPr>
+        <p:spPr>
+          <a:xfrm>
+            <a:off x="685800" y="4343400"/>
+            <a:ext cx="5486400" cy="4114800"/>
+          </a:xfrm>
+          <a:prstGeom prst="rect">
+            <a:avLst/>
+          </a:prstGeom>
+        </p:spPr>
+        <p:txBody>
+          <a:bodyPr anchorCtr="0" anchor="t" bIns="91425" lIns="91425" spcFirstLastPara="1" rIns="91425" wrap="square" tIns="91425">
+            <a:noAutofit/>
+          </a:bodyPr>
+          <a:lstStyle/>
+          <a:p>
+            <a:pPr indent="0" lvl="0" marL="0" rtl="0" algn="l">
+              <a:spcBef>
+                <a:spcPts val="0"/>
+              </a:spcBef>
+              <a:spcAft>
+                <a:spcPts val="0"/>
+              </a:spcAft>
+              <a:buNone/>
+            </a:pPr>
+            <a:r>
+              <a:t/>
+            </a:r>
+            <a:endParaRPr/>
+          </a:p>
+        </p:txBody>
+      </p:sp>
+    </p:spTree>
+  </p:cSld>
+  <p:clrMapOvr>
+    <a:masterClrMapping/>
+  </p:clrMapOvr>
+</p:notes>
+</file>
+
 <file path=ppt/slideLayouts/slideLayout1.xml><?xml version="1.0" encoding="utf-8"?>
 <p:sldLayout xmlns:a="http://schemas.openxmlformats.org/drawingml/2006/main" xmlns:r="http://schemas.openxmlformats.org/officeDocument/2006/relationships" xmlns:mc="http://schemas.openxmlformats.org/markup-compatibility/2006" xmlns:mv="urn:schemas-microsoft-com:mac:vml" xmlns:p="http://schemas.openxmlformats.org/presentationml/2006/main" xmlns:c="http://schemas.openxmlformats.org/drawingml/2006/chart" xmlns:dgm="http://schemas.openxmlformats.org/drawingml/2006/diagram" xmlns:o="urn:schemas-microsoft-com:office:office" xmlns:v="urn:schemas-microsoft-com:vml" xmlns:pvml="urn:schemas-microsoft-com:office:powerpoint" xmlns:com="http://schemas.openxmlformats.org/drawingml/2006/compatibility" xmlns:p14="http://schemas.microsoft.com/office/powerpoint/2010/main" xmlns:p15="http://schemas.microsoft.com/office/powerpoint/2012/main" xmlns:ahyp="http://schemas.microsoft.com/office/drawing/2018/hyperlinkcolor" matchingName="Title slide" type="title">
   <p:cSld name="TITLE">
+    <p:bg>
+      <p:bgPr>
+        <a:solidFill>
+          <a:schemeClr val="dk1"/>
+        </a:solidFill>
+      </p:bgPr>
+    </p:bg>
     <p:spTree>
       <p:nvGrpSpPr>
         <p:cNvPr id="9" name="Shape 9"/>
@@ -805,6 +1626,49 @@
       <p:sp>
         <p:nvSpPr>
           <p:cNvPr id="10" name="Google Shape;10;p2"/>
+          <p:cNvSpPr/>
+          <p:nvPr/>
+        </p:nvSpPr>
+        <p:spPr>
+          <a:xfrm>
+            <a:off x="0" y="0"/>
+            <a:ext cx="9144000" cy="3429000"/>
+          </a:xfrm>
+          <a:prstGeom prst="rect">
+            <a:avLst/>
+          </a:prstGeom>
+          <a:solidFill>
+            <a:schemeClr val="lt1"/>
+          </a:solidFill>
+          <a:ln>
+            <a:noFill/>
+          </a:ln>
+        </p:spPr>
+        <p:txBody>
+          <a:bodyPr anchorCtr="0" anchor="ctr" bIns="91425" lIns="91425" spcFirstLastPara="1" rIns="91425" wrap="square" tIns="91425">
+            <a:noAutofit/>
+          </a:bodyPr>
+          <a:lstStyle/>
+          <a:p>
+            <a:pPr indent="0" lvl="0" marL="0" rtl="0" algn="l">
+              <a:spcBef>
+                <a:spcPts val="0"/>
+              </a:spcBef>
+              <a:spcAft>
+                <a:spcPts val="0"/>
+              </a:spcAft>
+              <a:buNone/>
+            </a:pPr>
+            <a:r>
+              <a:t/>
+            </a:r>
+            <a:endParaRPr/>
+          </a:p>
+        </p:txBody>
+      </p:sp>
+      <p:sp>
+        <p:nvSpPr>
+          <p:cNvPr id="11" name="Google Shape;11;p2"/>
           <p:cNvSpPr txBox="1"/>
           <p:nvPr>
             <p:ph type="ctrTitle"/>
@@ -812,15 +1676,15 @@
         </p:nvSpPr>
         <p:spPr>
           <a:xfrm>
-            <a:off x="311708" y="744575"/>
-            <a:ext cx="8520600" cy="2052600"/>
+            <a:off x="311700" y="392150"/>
+            <a:ext cx="8520600" cy="2690400"/>
           </a:xfrm>
           <a:prstGeom prst="rect">
             <a:avLst/>
           </a:prstGeom>
         </p:spPr>
         <p:txBody>
-          <a:bodyPr anchorCtr="0" anchor="b" bIns="91425" lIns="91425" spcFirstLastPara="1" rIns="91425" wrap="square" tIns="91425">
+          <a:bodyPr anchorCtr="0" anchor="ctr" bIns="91425" lIns="91425" spcFirstLastPara="1" rIns="91425" wrap="square" tIns="91425">
             <a:normAutofit/>
           </a:bodyPr>
           <a:lstStyle>
@@ -831,9 +1695,9 @@
               <a:spcAft>
                 <a:spcPts val="0"/>
               </a:spcAft>
-              <a:buSzPts val="5200"/>
-              <a:buNone/>
-              <a:defRPr sz="5200"/>
+              <a:buSzPts val="8000"/>
+              <a:buNone/>
+              <a:defRPr sz="8000"/>
             </a:lvl1pPr>
             <a:lvl2pPr lvl="1" algn="ctr">
               <a:spcBef>
@@ -842,9 +1706,9 @@
               <a:spcAft>
                 <a:spcPts val="0"/>
               </a:spcAft>
-              <a:buSzPts val="5200"/>
-              <a:buNone/>
-              <a:defRPr sz="5200"/>
+              <a:buSzPts val="8000"/>
+              <a:buNone/>
+              <a:defRPr sz="8000"/>
             </a:lvl2pPr>
             <a:lvl3pPr lvl="2" algn="ctr">
               <a:spcBef>
@@ -853,9 +1717,9 @@
               <a:spcAft>
                 <a:spcPts val="0"/>
               </a:spcAft>
-              <a:buSzPts val="5200"/>
-              <a:buNone/>
-              <a:defRPr sz="5200"/>
+              <a:buSzPts val="8000"/>
+              <a:buNone/>
+              <a:defRPr sz="8000"/>
             </a:lvl3pPr>
             <a:lvl4pPr lvl="3" algn="ctr">
               <a:spcBef>
@@ -864,9 +1728,9 @@
               <a:spcAft>
                 <a:spcPts val="0"/>
               </a:spcAft>
-              <a:buSzPts val="5200"/>
-              <a:buNone/>
-              <a:defRPr sz="5200"/>
+              <a:buSzPts val="8000"/>
+              <a:buNone/>
+              <a:defRPr sz="8000"/>
             </a:lvl4pPr>
             <a:lvl5pPr lvl="4" algn="ctr">
               <a:spcBef>
@@ -875,9 +1739,9 @@
               <a:spcAft>
                 <a:spcPts val="0"/>
               </a:spcAft>
-              <a:buSzPts val="5200"/>
-              <a:buNone/>
-              <a:defRPr sz="5200"/>
+              <a:buSzPts val="8000"/>
+              <a:buNone/>
+              <a:defRPr sz="8000"/>
             </a:lvl5pPr>
             <a:lvl6pPr lvl="5" algn="ctr">
               <a:spcBef>
@@ -886,9 +1750,9 @@
               <a:spcAft>
                 <a:spcPts val="0"/>
               </a:spcAft>
-              <a:buSzPts val="5200"/>
-              <a:buNone/>
-              <a:defRPr sz="5200"/>
+              <a:buSzPts val="8000"/>
+              <a:buNone/>
+              <a:defRPr sz="8000"/>
             </a:lvl6pPr>
             <a:lvl7pPr lvl="6" algn="ctr">
               <a:spcBef>
@@ -897,9 +1761,9 @@
               <a:spcAft>
                 <a:spcPts val="0"/>
               </a:spcAft>
-              <a:buSzPts val="5200"/>
-              <a:buNone/>
-              <a:defRPr sz="5200"/>
+              <a:buSzPts val="8000"/>
+              <a:buNone/>
+              <a:defRPr sz="8000"/>
             </a:lvl7pPr>
             <a:lvl8pPr lvl="7" algn="ctr">
               <a:spcBef>
@@ -908,9 +1772,9 @@
               <a:spcAft>
                 <a:spcPts val="0"/>
               </a:spcAft>
-              <a:buSzPts val="5200"/>
-              <a:buNone/>
-              <a:defRPr sz="5200"/>
+              <a:buSzPts val="8000"/>
+              <a:buNone/>
+              <a:defRPr sz="8000"/>
             </a:lvl8pPr>
             <a:lvl9pPr lvl="8" algn="ctr">
               <a:spcBef>
@@ -919,161 +1783,9 @@
               <a:spcAft>
                 <a:spcPts val="0"/>
               </a:spcAft>
-              <a:buSzPts val="5200"/>
-              <a:buNone/>
-              <a:defRPr sz="5200"/>
-            </a:lvl9pPr>
-          </a:lstStyle>
-          <a:p/>
-        </p:txBody>
-      </p:sp>
-      <p:sp>
-        <p:nvSpPr>
-          <p:cNvPr id="11" name="Google Shape;11;p2"/>
-          <p:cNvSpPr txBox="1"/>
-          <p:nvPr>
-            <p:ph idx="1" type="subTitle"/>
-          </p:nvPr>
-        </p:nvSpPr>
-        <p:spPr>
-          <a:xfrm>
-            <a:off x="311700" y="2834125"/>
-            <a:ext cx="8520600" cy="792600"/>
-          </a:xfrm>
-          <a:prstGeom prst="rect">
-            <a:avLst/>
-          </a:prstGeom>
-        </p:spPr>
-        <p:txBody>
-          <a:bodyPr anchorCtr="0" anchor="t" bIns="91425" lIns="91425" spcFirstLastPara="1" rIns="91425" wrap="square" tIns="91425">
-            <a:normAutofit/>
-          </a:bodyPr>
-          <a:lstStyle>
-            <a:lvl1pPr lvl="0" algn="ctr">
-              <a:lnSpc>
-                <a:spcPct val="100000"/>
-              </a:lnSpc>
-              <a:spcBef>
-                <a:spcPts val="0"/>
-              </a:spcBef>
-              <a:spcAft>
-                <a:spcPts val="0"/>
-              </a:spcAft>
-              <a:buSzPts val="2800"/>
-              <a:buNone/>
-              <a:defRPr sz="2800"/>
-            </a:lvl1pPr>
-            <a:lvl2pPr lvl="1" algn="ctr">
-              <a:lnSpc>
-                <a:spcPct val="100000"/>
-              </a:lnSpc>
-              <a:spcBef>
-                <a:spcPts val="0"/>
-              </a:spcBef>
-              <a:spcAft>
-                <a:spcPts val="0"/>
-              </a:spcAft>
-              <a:buSzPts val="2800"/>
-              <a:buNone/>
-              <a:defRPr sz="2800"/>
-            </a:lvl2pPr>
-            <a:lvl3pPr lvl="2" algn="ctr">
-              <a:lnSpc>
-                <a:spcPct val="100000"/>
-              </a:lnSpc>
-              <a:spcBef>
-                <a:spcPts val="0"/>
-              </a:spcBef>
-              <a:spcAft>
-                <a:spcPts val="0"/>
-              </a:spcAft>
-              <a:buSzPts val="2800"/>
-              <a:buNone/>
-              <a:defRPr sz="2800"/>
-            </a:lvl3pPr>
-            <a:lvl4pPr lvl="3" algn="ctr">
-              <a:lnSpc>
-                <a:spcPct val="100000"/>
-              </a:lnSpc>
-              <a:spcBef>
-                <a:spcPts val="0"/>
-              </a:spcBef>
-              <a:spcAft>
-                <a:spcPts val="0"/>
-              </a:spcAft>
-              <a:buSzPts val="2800"/>
-              <a:buNone/>
-              <a:defRPr sz="2800"/>
-            </a:lvl4pPr>
-            <a:lvl5pPr lvl="4" algn="ctr">
-              <a:lnSpc>
-                <a:spcPct val="100000"/>
-              </a:lnSpc>
-              <a:spcBef>
-                <a:spcPts val="0"/>
-              </a:spcBef>
-              <a:spcAft>
-                <a:spcPts val="0"/>
-              </a:spcAft>
-              <a:buSzPts val="2800"/>
-              <a:buNone/>
-              <a:defRPr sz="2800"/>
-            </a:lvl5pPr>
-            <a:lvl6pPr lvl="5" algn="ctr">
-              <a:lnSpc>
-                <a:spcPct val="100000"/>
-              </a:lnSpc>
-              <a:spcBef>
-                <a:spcPts val="0"/>
-              </a:spcBef>
-              <a:spcAft>
-                <a:spcPts val="0"/>
-              </a:spcAft>
-              <a:buSzPts val="2800"/>
-              <a:buNone/>
-              <a:defRPr sz="2800"/>
-            </a:lvl6pPr>
-            <a:lvl7pPr lvl="6" algn="ctr">
-              <a:lnSpc>
-                <a:spcPct val="100000"/>
-              </a:lnSpc>
-              <a:spcBef>
-                <a:spcPts val="0"/>
-              </a:spcBef>
-              <a:spcAft>
-                <a:spcPts val="0"/>
-              </a:spcAft>
-              <a:buSzPts val="2800"/>
-              <a:buNone/>
-              <a:defRPr sz="2800"/>
-            </a:lvl7pPr>
-            <a:lvl8pPr lvl="7" algn="ctr">
-              <a:lnSpc>
-                <a:spcPct val="100000"/>
-              </a:lnSpc>
-              <a:spcBef>
-                <a:spcPts val="0"/>
-              </a:spcBef>
-              <a:spcAft>
-                <a:spcPts val="0"/>
-              </a:spcAft>
-              <a:buSzPts val="2800"/>
-              <a:buNone/>
-              <a:defRPr sz="2800"/>
-            </a:lvl8pPr>
-            <a:lvl9pPr lvl="8" algn="ctr">
-              <a:lnSpc>
-                <a:spcPct val="100000"/>
-              </a:lnSpc>
-              <a:spcBef>
-                <a:spcPts val="0"/>
-              </a:spcBef>
-              <a:spcAft>
-                <a:spcPts val="0"/>
-              </a:spcAft>
-              <a:buSzPts val="2800"/>
-              <a:buNone/>
-              <a:defRPr sz="2800"/>
+              <a:buSzPts val="8000"/>
+              <a:buNone/>
+              <a:defRPr sz="8000"/>
             </a:lvl9pPr>
           </a:lstStyle>
           <a:p/>
@@ -1082,6 +1794,221 @@
       <p:sp>
         <p:nvSpPr>
           <p:cNvPr id="12" name="Google Shape;12;p2"/>
+          <p:cNvSpPr txBox="1"/>
+          <p:nvPr>
+            <p:ph idx="1" type="subTitle"/>
+          </p:nvPr>
+        </p:nvSpPr>
+        <p:spPr>
+          <a:xfrm>
+            <a:off x="311700" y="3890400"/>
+            <a:ext cx="8520600" cy="706200"/>
+          </a:xfrm>
+          <a:prstGeom prst="rect">
+            <a:avLst/>
+          </a:prstGeom>
+        </p:spPr>
+        <p:txBody>
+          <a:bodyPr anchorCtr="0" anchor="ctr" bIns="91425" lIns="91425" spcFirstLastPara="1" rIns="91425" wrap="square" tIns="91425">
+            <a:normAutofit/>
+          </a:bodyPr>
+          <a:lstStyle>
+            <a:lvl1pPr lvl="0" algn="ctr">
+              <a:lnSpc>
+                <a:spcPct val="100000"/>
+              </a:lnSpc>
+              <a:spcBef>
+                <a:spcPts val="0"/>
+              </a:spcBef>
+              <a:spcAft>
+                <a:spcPts val="0"/>
+              </a:spcAft>
+              <a:buClr>
+                <a:schemeClr val="accent1"/>
+              </a:buClr>
+              <a:buSzPts val="2100"/>
+              <a:buNone/>
+              <a:defRPr b="1" sz="2100">
+                <a:solidFill>
+                  <a:schemeClr val="accent1"/>
+                </a:solidFill>
+              </a:defRPr>
+            </a:lvl1pPr>
+            <a:lvl2pPr lvl="1" algn="ctr">
+              <a:lnSpc>
+                <a:spcPct val="100000"/>
+              </a:lnSpc>
+              <a:spcBef>
+                <a:spcPts val="0"/>
+              </a:spcBef>
+              <a:spcAft>
+                <a:spcPts val="0"/>
+              </a:spcAft>
+              <a:buClr>
+                <a:schemeClr val="accent1"/>
+              </a:buClr>
+              <a:buSzPts val="2100"/>
+              <a:buNone/>
+              <a:defRPr b="1" sz="2100">
+                <a:solidFill>
+                  <a:schemeClr val="accent1"/>
+                </a:solidFill>
+              </a:defRPr>
+            </a:lvl2pPr>
+            <a:lvl3pPr lvl="2" algn="ctr">
+              <a:lnSpc>
+                <a:spcPct val="100000"/>
+              </a:lnSpc>
+              <a:spcBef>
+                <a:spcPts val="0"/>
+              </a:spcBef>
+              <a:spcAft>
+                <a:spcPts val="0"/>
+              </a:spcAft>
+              <a:buClr>
+                <a:schemeClr val="accent1"/>
+              </a:buClr>
+              <a:buSzPts val="2100"/>
+              <a:buNone/>
+              <a:defRPr b="1" sz="2100">
+                <a:solidFill>
+                  <a:schemeClr val="accent1"/>
+                </a:solidFill>
+              </a:defRPr>
+            </a:lvl3pPr>
+            <a:lvl4pPr lvl="3" algn="ctr">
+              <a:lnSpc>
+                <a:spcPct val="100000"/>
+              </a:lnSpc>
+              <a:spcBef>
+                <a:spcPts val="0"/>
+              </a:spcBef>
+              <a:spcAft>
+                <a:spcPts val="0"/>
+              </a:spcAft>
+              <a:buClr>
+                <a:schemeClr val="accent1"/>
+              </a:buClr>
+              <a:buSzPts val="2100"/>
+              <a:buNone/>
+              <a:defRPr b="1" sz="2100">
+                <a:solidFill>
+                  <a:schemeClr val="accent1"/>
+                </a:solidFill>
+              </a:defRPr>
+            </a:lvl4pPr>
+            <a:lvl5pPr lvl="4" algn="ctr">
+              <a:lnSpc>
+                <a:spcPct val="100000"/>
+              </a:lnSpc>
+              <a:spcBef>
+                <a:spcPts val="0"/>
+              </a:spcBef>
+              <a:spcAft>
+                <a:spcPts val="0"/>
+              </a:spcAft>
+              <a:buClr>
+                <a:schemeClr val="accent1"/>
+              </a:buClr>
+              <a:buSzPts val="2100"/>
+              <a:buNone/>
+              <a:defRPr b="1" sz="2100">
+                <a:solidFill>
+                  <a:schemeClr val="accent1"/>
+                </a:solidFill>
+              </a:defRPr>
+            </a:lvl5pPr>
+            <a:lvl6pPr lvl="5" algn="ctr">
+              <a:lnSpc>
+                <a:spcPct val="100000"/>
+              </a:lnSpc>
+              <a:spcBef>
+                <a:spcPts val="0"/>
+              </a:spcBef>
+              <a:spcAft>
+                <a:spcPts val="0"/>
+              </a:spcAft>
+              <a:buClr>
+                <a:schemeClr val="accent1"/>
+              </a:buClr>
+              <a:buSzPts val="2100"/>
+              <a:buNone/>
+              <a:defRPr b="1" sz="2100">
+                <a:solidFill>
+                  <a:schemeClr val="accent1"/>
+                </a:solidFill>
+              </a:defRPr>
+            </a:lvl6pPr>
+            <a:lvl7pPr lvl="6" algn="ctr">
+              <a:lnSpc>
+                <a:spcPct val="100000"/>
+              </a:lnSpc>
+              <a:spcBef>
+                <a:spcPts val="0"/>
+              </a:spcBef>
+              <a:spcAft>
+                <a:spcPts val="0"/>
+              </a:spcAft>
+              <a:buClr>
+                <a:schemeClr val="accent1"/>
+              </a:buClr>
+              <a:buSzPts val="2100"/>
+              <a:buNone/>
+              <a:defRPr b="1" sz="2100">
+                <a:solidFill>
+                  <a:schemeClr val="accent1"/>
+                </a:solidFill>
+              </a:defRPr>
+            </a:lvl7pPr>
+            <a:lvl8pPr lvl="7" algn="ctr">
+              <a:lnSpc>
+                <a:spcPct val="100000"/>
+              </a:lnSpc>
+              <a:spcBef>
+                <a:spcPts val="0"/>
+              </a:spcBef>
+              <a:spcAft>
+                <a:spcPts val="0"/>
+              </a:spcAft>
+              <a:buClr>
+                <a:schemeClr val="accent1"/>
+              </a:buClr>
+              <a:buSzPts val="2100"/>
+              <a:buNone/>
+              <a:defRPr b="1" sz="2100">
+                <a:solidFill>
+                  <a:schemeClr val="accent1"/>
+                </a:solidFill>
+              </a:defRPr>
+            </a:lvl8pPr>
+            <a:lvl9pPr lvl="8" algn="ctr">
+              <a:lnSpc>
+                <a:spcPct val="100000"/>
+              </a:lnSpc>
+              <a:spcBef>
+                <a:spcPts val="0"/>
+              </a:spcBef>
+              <a:spcAft>
+                <a:spcPts val="0"/>
+              </a:spcAft>
+              <a:buClr>
+                <a:schemeClr val="accent1"/>
+              </a:buClr>
+              <a:buSzPts val="2100"/>
+              <a:buNone/>
+              <a:defRPr b="1" sz="2100">
+                <a:solidFill>
+                  <a:schemeClr val="accent1"/>
+                </a:solidFill>
+              </a:defRPr>
+            </a:lvl9pPr>
+          </a:lstStyle>
+          <a:p/>
+        </p:txBody>
+      </p:sp>
+      <p:sp>
+        <p:nvSpPr>
+          <p:cNvPr id="13" name="Google Shape;13;p2"/>
           <p:cNvSpPr txBox="1"/>
           <p:nvPr>
             <p:ph idx="12" type="sldNum"/>
@@ -1169,7 +2096,7 @@
   <p:cSld name="BIG_NUMBER">
     <p:spTree>
       <p:nvGrpSpPr>
-        <p:cNvPr id="44" name="Shape 44"/>
+        <p:cNvPr id="46" name="Shape 46"/>
         <p:cNvGrpSpPr/>
         <p:nvPr/>
       </p:nvGrpSpPr>
@@ -1183,7 +2110,7 @@
       </p:grpSpPr>
       <p:sp>
         <p:nvSpPr>
-          <p:cNvPr id="45" name="Google Shape;45;p11"/>
+          <p:cNvPr id="47" name="Google Shape;47;p11"/>
           <p:cNvSpPr txBox="1"/>
           <p:nvPr>
             <p:ph hasCustomPrompt="1" type="title"/>
@@ -1191,8 +2118,8 @@
         </p:nvSpPr>
         <p:spPr>
           <a:xfrm>
-            <a:off x="311700" y="1106125"/>
-            <a:ext cx="8520600" cy="1963500"/>
+            <a:off x="311700" y="1240275"/>
+            <a:ext cx="8520600" cy="1981800"/>
           </a:xfrm>
           <a:prstGeom prst="rect">
             <a:avLst/>
@@ -1210,9 +2137,19 @@
               <a:spcAft>
                 <a:spcPts val="0"/>
               </a:spcAft>
+              <a:buClr>
+                <a:schemeClr val="lt1"/>
+              </a:buClr>
               <a:buSzPts val="12000"/>
               <a:buNone/>
-              <a:defRPr sz="12000"/>
+              <a:defRPr sz="12000">
+                <a:solidFill>
+                  <a:schemeClr val="lt1"/>
+                </a:solidFill>
+                <a:highlight>
+                  <a:schemeClr val="accent1"/>
+                </a:highlight>
+              </a:defRPr>
             </a:lvl1pPr>
             <a:lvl2pPr lvl="1" algn="ctr">
               <a:spcBef>
@@ -1221,9 +2158,19 @@
               <a:spcAft>
                 <a:spcPts val="0"/>
               </a:spcAft>
+              <a:buClr>
+                <a:schemeClr val="lt1"/>
+              </a:buClr>
               <a:buSzPts val="12000"/>
               <a:buNone/>
-              <a:defRPr sz="12000"/>
+              <a:defRPr sz="12000">
+                <a:solidFill>
+                  <a:schemeClr val="lt1"/>
+                </a:solidFill>
+                <a:highlight>
+                  <a:schemeClr val="accent1"/>
+                </a:highlight>
+              </a:defRPr>
             </a:lvl2pPr>
             <a:lvl3pPr lvl="2" algn="ctr">
               <a:spcBef>
@@ -1232,9 +2179,19 @@
               <a:spcAft>
                 <a:spcPts val="0"/>
               </a:spcAft>
+              <a:buClr>
+                <a:schemeClr val="lt1"/>
+              </a:buClr>
               <a:buSzPts val="12000"/>
               <a:buNone/>
-              <a:defRPr sz="12000"/>
+              <a:defRPr sz="12000">
+                <a:solidFill>
+                  <a:schemeClr val="lt1"/>
+                </a:solidFill>
+                <a:highlight>
+                  <a:schemeClr val="accent1"/>
+                </a:highlight>
+              </a:defRPr>
             </a:lvl3pPr>
             <a:lvl4pPr lvl="3" algn="ctr">
               <a:spcBef>
@@ -1243,9 +2200,19 @@
               <a:spcAft>
                 <a:spcPts val="0"/>
               </a:spcAft>
+              <a:buClr>
+                <a:schemeClr val="lt1"/>
+              </a:buClr>
               <a:buSzPts val="12000"/>
               <a:buNone/>
-              <a:defRPr sz="12000"/>
+              <a:defRPr sz="12000">
+                <a:solidFill>
+                  <a:schemeClr val="lt1"/>
+                </a:solidFill>
+                <a:highlight>
+                  <a:schemeClr val="accent1"/>
+                </a:highlight>
+              </a:defRPr>
             </a:lvl4pPr>
             <a:lvl5pPr lvl="4" algn="ctr">
               <a:spcBef>
@@ -1254,9 +2221,19 @@
               <a:spcAft>
                 <a:spcPts val="0"/>
               </a:spcAft>
+              <a:buClr>
+                <a:schemeClr val="lt1"/>
+              </a:buClr>
               <a:buSzPts val="12000"/>
               <a:buNone/>
-              <a:defRPr sz="12000"/>
+              <a:defRPr sz="12000">
+                <a:solidFill>
+                  <a:schemeClr val="lt1"/>
+                </a:solidFill>
+                <a:highlight>
+                  <a:schemeClr val="accent1"/>
+                </a:highlight>
+              </a:defRPr>
             </a:lvl5pPr>
             <a:lvl6pPr lvl="5" algn="ctr">
               <a:spcBef>
@@ -1265,9 +2242,19 @@
               <a:spcAft>
                 <a:spcPts val="0"/>
               </a:spcAft>
+              <a:buClr>
+                <a:schemeClr val="lt1"/>
+              </a:buClr>
               <a:buSzPts val="12000"/>
               <a:buNone/>
-              <a:defRPr sz="12000"/>
+              <a:defRPr sz="12000">
+                <a:solidFill>
+                  <a:schemeClr val="lt1"/>
+                </a:solidFill>
+                <a:highlight>
+                  <a:schemeClr val="accent1"/>
+                </a:highlight>
+              </a:defRPr>
             </a:lvl6pPr>
             <a:lvl7pPr lvl="6" algn="ctr">
               <a:spcBef>
@@ -1276,9 +2263,19 @@
               <a:spcAft>
                 <a:spcPts val="0"/>
               </a:spcAft>
+              <a:buClr>
+                <a:schemeClr val="lt1"/>
+              </a:buClr>
               <a:buSzPts val="12000"/>
               <a:buNone/>
-              <a:defRPr sz="12000"/>
+              <a:defRPr sz="12000">
+                <a:solidFill>
+                  <a:schemeClr val="lt1"/>
+                </a:solidFill>
+                <a:highlight>
+                  <a:schemeClr val="accent1"/>
+                </a:highlight>
+              </a:defRPr>
             </a:lvl7pPr>
             <a:lvl8pPr lvl="7" algn="ctr">
               <a:spcBef>
@@ -1287,9 +2284,19 @@
               <a:spcAft>
                 <a:spcPts val="0"/>
               </a:spcAft>
+              <a:buClr>
+                <a:schemeClr val="lt1"/>
+              </a:buClr>
               <a:buSzPts val="12000"/>
               <a:buNone/>
-              <a:defRPr sz="12000"/>
+              <a:defRPr sz="12000">
+                <a:solidFill>
+                  <a:schemeClr val="lt1"/>
+                </a:solidFill>
+                <a:highlight>
+                  <a:schemeClr val="accent1"/>
+                </a:highlight>
+              </a:defRPr>
             </a:lvl8pPr>
             <a:lvl9pPr lvl="8" algn="ctr">
               <a:spcBef>
@@ -1298,9 +2305,19 @@
               <a:spcAft>
                 <a:spcPts val="0"/>
               </a:spcAft>
+              <a:buClr>
+                <a:schemeClr val="lt1"/>
+              </a:buClr>
               <a:buSzPts val="12000"/>
               <a:buNone/>
-              <a:defRPr sz="12000"/>
+              <a:defRPr sz="12000">
+                <a:solidFill>
+                  <a:schemeClr val="lt1"/>
+                </a:solidFill>
+                <a:highlight>
+                  <a:schemeClr val="accent1"/>
+                </a:highlight>
+              </a:defRPr>
             </a:lvl9pPr>
           </a:lstStyle>
           <a:p>
@@ -1312,7 +2329,7 @@
       </p:sp>
       <p:sp>
         <p:nvSpPr>
-          <p:cNvPr id="46" name="Google Shape;46;p11"/>
+          <p:cNvPr id="48" name="Google Shape;48;p11"/>
           <p:cNvSpPr txBox="1"/>
           <p:nvPr>
             <p:ph idx="1" type="body"/>
@@ -1320,7 +2337,7 @@
         </p:nvSpPr>
         <p:spPr>
           <a:xfrm>
-            <a:off x="311700" y="3152225"/>
+            <a:off x="311700" y="3304625"/>
             <a:ext cx="8520600" cy="1300800"/>
           </a:xfrm>
           <a:prstGeom prst="rect">
@@ -1339,9 +2356,19 @@
               <a:spcAft>
                 <a:spcPts val="0"/>
               </a:spcAft>
+              <a:buClr>
+                <a:schemeClr val="accent1"/>
+              </a:buClr>
               <a:buSzPts val="1800"/>
               <a:buChar char="●"/>
-              <a:defRPr/>
+              <a:defRPr>
+                <a:solidFill>
+                  <a:schemeClr val="accent1"/>
+                </a:solidFill>
+                <a:highlight>
+                  <a:schemeClr val="dk1"/>
+                </a:highlight>
+              </a:defRPr>
             </a:lvl1pPr>
             <a:lvl2pPr indent="-317500" lvl="1" marL="914400" algn="ctr">
               <a:spcBef>
@@ -1350,9 +2377,19 @@
               <a:spcAft>
                 <a:spcPts val="0"/>
               </a:spcAft>
+              <a:buClr>
+                <a:schemeClr val="accent1"/>
+              </a:buClr>
               <a:buSzPts val="1400"/>
               <a:buChar char="○"/>
-              <a:defRPr/>
+              <a:defRPr>
+                <a:solidFill>
+                  <a:schemeClr val="accent1"/>
+                </a:solidFill>
+                <a:highlight>
+                  <a:schemeClr val="dk1"/>
+                </a:highlight>
+              </a:defRPr>
             </a:lvl2pPr>
             <a:lvl3pPr indent="-317500" lvl="2" marL="1371600" algn="ctr">
               <a:spcBef>
@@ -1361,9 +2398,19 @@
               <a:spcAft>
                 <a:spcPts val="0"/>
               </a:spcAft>
+              <a:buClr>
+                <a:schemeClr val="accent1"/>
+              </a:buClr>
               <a:buSzPts val="1400"/>
               <a:buChar char="■"/>
-              <a:defRPr/>
+              <a:defRPr>
+                <a:solidFill>
+                  <a:schemeClr val="accent1"/>
+                </a:solidFill>
+                <a:highlight>
+                  <a:schemeClr val="dk1"/>
+                </a:highlight>
+              </a:defRPr>
             </a:lvl3pPr>
             <a:lvl4pPr indent="-317500" lvl="3" marL="1828800" algn="ctr">
               <a:spcBef>
@@ -1372,9 +2419,19 @@
               <a:spcAft>
                 <a:spcPts val="0"/>
               </a:spcAft>
+              <a:buClr>
+                <a:schemeClr val="accent1"/>
+              </a:buClr>
               <a:buSzPts val="1400"/>
               <a:buChar char="●"/>
-              <a:defRPr/>
+              <a:defRPr>
+                <a:solidFill>
+                  <a:schemeClr val="accent1"/>
+                </a:solidFill>
+                <a:highlight>
+                  <a:schemeClr val="dk1"/>
+                </a:highlight>
+              </a:defRPr>
             </a:lvl4pPr>
             <a:lvl5pPr indent="-317500" lvl="4" marL="2286000" algn="ctr">
               <a:spcBef>
@@ -1383,9 +2440,19 @@
               <a:spcAft>
                 <a:spcPts val="0"/>
               </a:spcAft>
+              <a:buClr>
+                <a:schemeClr val="accent1"/>
+              </a:buClr>
               <a:buSzPts val="1400"/>
               <a:buChar char="○"/>
-              <a:defRPr/>
+              <a:defRPr>
+                <a:solidFill>
+                  <a:schemeClr val="accent1"/>
+                </a:solidFill>
+                <a:highlight>
+                  <a:schemeClr val="dk1"/>
+                </a:highlight>
+              </a:defRPr>
             </a:lvl5pPr>
             <a:lvl6pPr indent="-317500" lvl="5" marL="2743200" algn="ctr">
               <a:spcBef>
@@ -1394,9 +2461,19 @@
               <a:spcAft>
                 <a:spcPts val="0"/>
               </a:spcAft>
+              <a:buClr>
+                <a:schemeClr val="accent1"/>
+              </a:buClr>
               <a:buSzPts val="1400"/>
               <a:buChar char="■"/>
-              <a:defRPr/>
+              <a:defRPr>
+                <a:solidFill>
+                  <a:schemeClr val="accent1"/>
+                </a:solidFill>
+                <a:highlight>
+                  <a:schemeClr val="dk1"/>
+                </a:highlight>
+              </a:defRPr>
             </a:lvl6pPr>
             <a:lvl7pPr indent="-317500" lvl="6" marL="3200400" algn="ctr">
               <a:spcBef>
@@ -1405,9 +2482,19 @@
               <a:spcAft>
                 <a:spcPts val="0"/>
               </a:spcAft>
+              <a:buClr>
+                <a:schemeClr val="accent1"/>
+              </a:buClr>
               <a:buSzPts val="1400"/>
               <a:buChar char="●"/>
-              <a:defRPr/>
+              <a:defRPr>
+                <a:solidFill>
+                  <a:schemeClr val="accent1"/>
+                </a:solidFill>
+                <a:highlight>
+                  <a:schemeClr val="dk1"/>
+                </a:highlight>
+              </a:defRPr>
             </a:lvl7pPr>
             <a:lvl8pPr indent="-317500" lvl="7" marL="3657600" algn="ctr">
               <a:spcBef>
@@ -1416,9 +2503,19 @@
               <a:spcAft>
                 <a:spcPts val="0"/>
               </a:spcAft>
+              <a:buClr>
+                <a:schemeClr val="accent1"/>
+              </a:buClr>
               <a:buSzPts val="1400"/>
               <a:buChar char="○"/>
-              <a:defRPr/>
+              <a:defRPr>
+                <a:solidFill>
+                  <a:schemeClr val="accent1"/>
+                </a:solidFill>
+                <a:highlight>
+                  <a:schemeClr val="dk1"/>
+                </a:highlight>
+              </a:defRPr>
             </a:lvl8pPr>
             <a:lvl9pPr indent="-317500" lvl="8" marL="4114800" algn="ctr">
               <a:spcBef>
@@ -1427,9 +2524,19 @@
               <a:spcAft>
                 <a:spcPts val="0"/>
               </a:spcAft>
+              <a:buClr>
+                <a:schemeClr val="accent1"/>
+              </a:buClr>
               <a:buSzPts val="1400"/>
               <a:buChar char="■"/>
-              <a:defRPr/>
+              <a:defRPr>
+                <a:solidFill>
+                  <a:schemeClr val="accent1"/>
+                </a:solidFill>
+                <a:highlight>
+                  <a:schemeClr val="dk1"/>
+                </a:highlight>
+              </a:defRPr>
             </a:lvl9pPr>
           </a:lstStyle>
           <a:p/>
@@ -1437,7 +2544,7 @@
       </p:sp>
       <p:sp>
         <p:nvSpPr>
-          <p:cNvPr id="47" name="Google Shape;47;p11"/>
+          <p:cNvPr id="49" name="Google Shape;49;p11"/>
           <p:cNvSpPr txBox="1"/>
           <p:nvPr>
             <p:ph idx="12" type="sldNum"/>
@@ -1525,7 +2632,7 @@
   <p:cSld name="BLANK">
     <p:spTree>
       <p:nvGrpSpPr>
-        <p:cNvPr id="48" name="Shape 48"/>
+        <p:cNvPr id="50" name="Shape 50"/>
         <p:cNvGrpSpPr/>
         <p:nvPr/>
       </p:nvGrpSpPr>
@@ -1539,7 +2646,7 @@
       </p:grpSpPr>
       <p:sp>
         <p:nvSpPr>
-          <p:cNvPr id="49" name="Google Shape;49;p12"/>
+          <p:cNvPr id="51" name="Google Shape;51;p12"/>
           <p:cNvSpPr txBox="1"/>
           <p:nvPr>
             <p:ph idx="12" type="sldNum"/>
@@ -1625,9 +2732,16 @@
 <file path=ppt/slideLayouts/slideLayout2.xml><?xml version="1.0" encoding="utf-8"?>
 <p:sldLayout xmlns:a="http://schemas.openxmlformats.org/drawingml/2006/main" xmlns:r="http://schemas.openxmlformats.org/officeDocument/2006/relationships" xmlns:mc="http://schemas.openxmlformats.org/markup-compatibility/2006" xmlns:mv="urn:schemas-microsoft-com:mac:vml" xmlns:p="http://schemas.openxmlformats.org/presentationml/2006/main" xmlns:c="http://schemas.openxmlformats.org/drawingml/2006/chart" xmlns:dgm="http://schemas.openxmlformats.org/drawingml/2006/diagram" xmlns:o="urn:schemas-microsoft-com:office:office" xmlns:v="urn:schemas-microsoft-com:vml" xmlns:pvml="urn:schemas-microsoft-com:office:powerpoint" xmlns:com="http://schemas.openxmlformats.org/drawingml/2006/compatibility" xmlns:p14="http://schemas.microsoft.com/office/powerpoint/2010/main" xmlns:p15="http://schemas.microsoft.com/office/powerpoint/2012/main" xmlns:ahyp="http://schemas.microsoft.com/office/drawing/2018/hyperlinkcolor" matchingName="Section header" type="secHead">
   <p:cSld name="SECTION_HEADER">
+    <p:bg>
+      <p:bgPr>
+        <a:solidFill>
+          <a:schemeClr val="dk1"/>
+        </a:solidFill>
+      </p:bgPr>
+    </p:bg>
     <p:spTree>
       <p:nvGrpSpPr>
-        <p:cNvPr id="13" name="Shape 13"/>
+        <p:cNvPr id="14" name="Shape 14"/>
         <p:cNvGrpSpPr/>
         <p:nvPr/>
       </p:nvGrpSpPr>
@@ -1641,7 +2755,7 @@
       </p:grpSpPr>
       <p:sp>
         <p:nvSpPr>
-          <p:cNvPr id="14" name="Google Shape;14;p3"/>
+          <p:cNvPr id="15" name="Google Shape;15;p3"/>
           <p:cNvSpPr txBox="1"/>
           <p:nvPr>
             <p:ph type="title"/>
@@ -1649,12 +2763,15 @@
         </p:nvSpPr>
         <p:spPr>
           <a:xfrm>
-            <a:off x="311700" y="2150850"/>
-            <a:ext cx="8520600" cy="841800"/>
+            <a:off x="2802750" y="802500"/>
+            <a:ext cx="3538500" cy="3538500"/>
           </a:xfrm>
           <a:prstGeom prst="rect">
             <a:avLst/>
           </a:prstGeom>
+          <a:solidFill>
+            <a:srgbClr val="FFFFFF"/>
+          </a:solidFill>
         </p:spPr>
         <p:txBody>
           <a:bodyPr anchorCtr="0" anchor="ctr" bIns="91425" lIns="91425" spcFirstLastPara="1" rIns="91425" wrap="square" tIns="91425">
@@ -1668,9 +2785,9 @@
               <a:spcAft>
                 <a:spcPts val="0"/>
               </a:spcAft>
-              <a:buSzPts val="3600"/>
-              <a:buNone/>
-              <a:defRPr sz="3600"/>
+              <a:buSzPts val="4800"/>
+              <a:buNone/>
+              <a:defRPr sz="4800"/>
             </a:lvl1pPr>
             <a:lvl2pPr lvl="1" algn="ctr">
               <a:spcBef>
@@ -1679,9 +2796,9 @@
               <a:spcAft>
                 <a:spcPts val="0"/>
               </a:spcAft>
-              <a:buSzPts val="3600"/>
-              <a:buNone/>
-              <a:defRPr sz="3600"/>
+              <a:buSzPts val="4800"/>
+              <a:buNone/>
+              <a:defRPr sz="4800"/>
             </a:lvl2pPr>
             <a:lvl3pPr lvl="2" algn="ctr">
               <a:spcBef>
@@ -1690,9 +2807,9 @@
               <a:spcAft>
                 <a:spcPts val="0"/>
               </a:spcAft>
-              <a:buSzPts val="3600"/>
-              <a:buNone/>
-              <a:defRPr sz="3600"/>
+              <a:buSzPts val="4800"/>
+              <a:buNone/>
+              <a:defRPr sz="4800"/>
             </a:lvl3pPr>
             <a:lvl4pPr lvl="3" algn="ctr">
               <a:spcBef>
@@ -1701,9 +2818,9 @@
               <a:spcAft>
                 <a:spcPts val="0"/>
               </a:spcAft>
-              <a:buSzPts val="3600"/>
-              <a:buNone/>
-              <a:defRPr sz="3600"/>
+              <a:buSzPts val="4800"/>
+              <a:buNone/>
+              <a:defRPr sz="4800"/>
             </a:lvl4pPr>
             <a:lvl5pPr lvl="4" algn="ctr">
               <a:spcBef>
@@ -1712,9 +2829,9 @@
               <a:spcAft>
                 <a:spcPts val="0"/>
               </a:spcAft>
-              <a:buSzPts val="3600"/>
-              <a:buNone/>
-              <a:defRPr sz="3600"/>
+              <a:buSzPts val="4800"/>
+              <a:buNone/>
+              <a:defRPr sz="4800"/>
             </a:lvl5pPr>
             <a:lvl6pPr lvl="5" algn="ctr">
               <a:spcBef>
@@ -1723,9 +2840,9 @@
               <a:spcAft>
                 <a:spcPts val="0"/>
               </a:spcAft>
-              <a:buSzPts val="3600"/>
-              <a:buNone/>
-              <a:defRPr sz="3600"/>
+              <a:buSzPts val="4800"/>
+              <a:buNone/>
+              <a:defRPr sz="4800"/>
             </a:lvl6pPr>
             <a:lvl7pPr lvl="6" algn="ctr">
               <a:spcBef>
@@ -1734,9 +2851,9 @@
               <a:spcAft>
                 <a:spcPts val="0"/>
               </a:spcAft>
-              <a:buSzPts val="3600"/>
-              <a:buNone/>
-              <a:defRPr sz="3600"/>
+              <a:buSzPts val="4800"/>
+              <a:buNone/>
+              <a:defRPr sz="4800"/>
             </a:lvl7pPr>
             <a:lvl8pPr lvl="7" algn="ctr">
               <a:spcBef>
@@ -1745,9 +2862,9 @@
               <a:spcAft>
                 <a:spcPts val="0"/>
               </a:spcAft>
-              <a:buSzPts val="3600"/>
-              <a:buNone/>
-              <a:defRPr sz="3600"/>
+              <a:buSzPts val="4800"/>
+              <a:buNone/>
+              <a:defRPr sz="4800"/>
             </a:lvl8pPr>
             <a:lvl9pPr lvl="8" algn="ctr">
               <a:spcBef>
@@ -1756,9 +2873,9 @@
               <a:spcAft>
                 <a:spcPts val="0"/>
               </a:spcAft>
-              <a:buSzPts val="3600"/>
-              <a:buNone/>
-              <a:defRPr sz="3600"/>
+              <a:buSzPts val="4800"/>
+              <a:buNone/>
+              <a:defRPr sz="4800"/>
             </a:lvl9pPr>
           </a:lstStyle>
           <a:p/>
@@ -1766,7 +2883,7 @@
       </p:sp>
       <p:sp>
         <p:nvSpPr>
-          <p:cNvPr id="15" name="Google Shape;15;p3"/>
+          <p:cNvPr id="16" name="Google Shape;16;p3"/>
           <p:cNvSpPr txBox="1"/>
           <p:nvPr>
             <p:ph idx="12" type="sldNum"/>
@@ -1854,7 +2971,7 @@
   <p:cSld name="TITLE_AND_BODY">
     <p:spTree>
       <p:nvGrpSpPr>
-        <p:cNvPr id="16" name="Shape 16"/>
+        <p:cNvPr id="17" name="Shape 17"/>
         <p:cNvGrpSpPr/>
         <p:nvPr/>
       </p:nvGrpSpPr>
@@ -1868,7 +2985,7 @@
       </p:grpSpPr>
       <p:sp>
         <p:nvSpPr>
-          <p:cNvPr id="17" name="Google Shape;17;p4"/>
+          <p:cNvPr id="18" name="Google Shape;18;p4"/>
           <p:cNvSpPr txBox="1"/>
           <p:nvPr>
             <p:ph type="title"/>
@@ -1876,8 +2993,8 @@
         </p:nvSpPr>
         <p:spPr>
           <a:xfrm>
-            <a:off x="311700" y="445025"/>
-            <a:ext cx="8520600" cy="572700"/>
+            <a:off x="311700" y="292850"/>
+            <a:ext cx="8520600" cy="801000"/>
           </a:xfrm>
           <a:prstGeom prst="rect">
             <a:avLst/>
@@ -1895,7 +3012,7 @@
               <a:spcAft>
                 <a:spcPts val="0"/>
               </a:spcAft>
-              <a:buSzPts val="2800"/>
+              <a:buSzPts val="4200"/>
               <a:buNone/>
               <a:defRPr/>
             </a:lvl1pPr>
@@ -1906,7 +3023,7 @@
               <a:spcAft>
                 <a:spcPts val="0"/>
               </a:spcAft>
-              <a:buSzPts val="2800"/>
+              <a:buSzPts val="4200"/>
               <a:buNone/>
               <a:defRPr/>
             </a:lvl2pPr>
@@ -1917,7 +3034,7 @@
               <a:spcAft>
                 <a:spcPts val="0"/>
               </a:spcAft>
-              <a:buSzPts val="2800"/>
+              <a:buSzPts val="4200"/>
               <a:buNone/>
               <a:defRPr/>
             </a:lvl3pPr>
@@ -1928,7 +3045,7 @@
               <a:spcAft>
                 <a:spcPts val="0"/>
               </a:spcAft>
-              <a:buSzPts val="2800"/>
+              <a:buSzPts val="4200"/>
               <a:buNone/>
               <a:defRPr/>
             </a:lvl4pPr>
@@ -1939,7 +3056,7 @@
               <a:spcAft>
                 <a:spcPts val="0"/>
               </a:spcAft>
-              <a:buSzPts val="2800"/>
+              <a:buSzPts val="4200"/>
               <a:buNone/>
               <a:defRPr/>
             </a:lvl5pPr>
@@ -1950,7 +3067,7 @@
               <a:spcAft>
                 <a:spcPts val="0"/>
               </a:spcAft>
-              <a:buSzPts val="2800"/>
+              <a:buSzPts val="4200"/>
               <a:buNone/>
               <a:defRPr/>
             </a:lvl6pPr>
@@ -1961,7 +3078,7 @@
               <a:spcAft>
                 <a:spcPts val="0"/>
               </a:spcAft>
-              <a:buSzPts val="2800"/>
+              <a:buSzPts val="4200"/>
               <a:buNone/>
               <a:defRPr/>
             </a:lvl7pPr>
@@ -1972,7 +3089,7 @@
               <a:spcAft>
                 <a:spcPts val="0"/>
               </a:spcAft>
-              <a:buSzPts val="2800"/>
+              <a:buSzPts val="4200"/>
               <a:buNone/>
               <a:defRPr/>
             </a:lvl8pPr>
@@ -1983,7 +3100,7 @@
               <a:spcAft>
                 <a:spcPts val="0"/>
               </a:spcAft>
-              <a:buSzPts val="2800"/>
+              <a:buSzPts val="4200"/>
               <a:buNone/>
               <a:defRPr/>
             </a:lvl9pPr>
@@ -1993,7 +3110,7 @@
       </p:sp>
       <p:sp>
         <p:nvSpPr>
-          <p:cNvPr id="18" name="Google Shape;18;p4"/>
+          <p:cNvPr id="19" name="Google Shape;19;p4"/>
           <p:cNvSpPr txBox="1"/>
           <p:nvPr>
             <p:ph idx="1" type="body"/>
@@ -2001,8 +3118,8 @@
         </p:nvSpPr>
         <p:spPr>
           <a:xfrm>
-            <a:off x="311700" y="1152475"/>
-            <a:ext cx="8520600" cy="3416400"/>
+            <a:off x="311700" y="1228675"/>
+            <a:ext cx="8520600" cy="3340200"/>
           </a:xfrm>
           <a:prstGeom prst="rect">
             <a:avLst/>
@@ -2118,7 +3235,7 @@
       </p:sp>
       <p:sp>
         <p:nvSpPr>
-          <p:cNvPr id="19" name="Google Shape;19;p4"/>
+          <p:cNvPr id="20" name="Google Shape;20;p4"/>
           <p:cNvSpPr txBox="1"/>
           <p:nvPr>
             <p:ph idx="12" type="sldNum"/>
@@ -2206,7 +3323,7 @@
   <p:cSld name="TITLE_AND_TWO_COLUMNS">
     <p:spTree>
       <p:nvGrpSpPr>
-        <p:cNvPr id="20" name="Shape 20"/>
+        <p:cNvPr id="21" name="Shape 21"/>
         <p:cNvGrpSpPr/>
         <p:nvPr/>
       </p:nvGrpSpPr>
@@ -2220,7 +3337,7 @@
       </p:grpSpPr>
       <p:sp>
         <p:nvSpPr>
-          <p:cNvPr id="21" name="Google Shape;21;p5"/>
+          <p:cNvPr id="22" name="Google Shape;22;p5"/>
           <p:cNvSpPr txBox="1"/>
           <p:nvPr>
             <p:ph type="title"/>
@@ -2228,8 +3345,8 @@
         </p:nvSpPr>
         <p:spPr>
           <a:xfrm>
-            <a:off x="311700" y="445025"/>
-            <a:ext cx="8520600" cy="572700"/>
+            <a:off x="311700" y="292850"/>
+            <a:ext cx="8520600" cy="801000"/>
           </a:xfrm>
           <a:prstGeom prst="rect">
             <a:avLst/>
@@ -2247,7 +3364,7 @@
               <a:spcAft>
                 <a:spcPts val="0"/>
               </a:spcAft>
-              <a:buSzPts val="2800"/>
+              <a:buSzPts val="4200"/>
               <a:buNone/>
               <a:defRPr/>
             </a:lvl1pPr>
@@ -2258,7 +3375,7 @@
               <a:spcAft>
                 <a:spcPts val="0"/>
               </a:spcAft>
-              <a:buSzPts val="2800"/>
+              <a:buSzPts val="4200"/>
               <a:buNone/>
               <a:defRPr/>
             </a:lvl2pPr>
@@ -2269,7 +3386,7 @@
               <a:spcAft>
                 <a:spcPts val="0"/>
               </a:spcAft>
-              <a:buSzPts val="2800"/>
+              <a:buSzPts val="4200"/>
               <a:buNone/>
               <a:defRPr/>
             </a:lvl3pPr>
@@ -2280,7 +3397,7 @@
               <a:spcAft>
                 <a:spcPts val="0"/>
               </a:spcAft>
-              <a:buSzPts val="2800"/>
+              <a:buSzPts val="4200"/>
               <a:buNone/>
               <a:defRPr/>
             </a:lvl4pPr>
@@ -2291,7 +3408,7 @@
               <a:spcAft>
                 <a:spcPts val="0"/>
               </a:spcAft>
-              <a:buSzPts val="2800"/>
+              <a:buSzPts val="4200"/>
               <a:buNone/>
               <a:defRPr/>
             </a:lvl5pPr>
@@ -2302,7 +3419,7 @@
               <a:spcAft>
                 <a:spcPts val="0"/>
               </a:spcAft>
-              <a:buSzPts val="2800"/>
+              <a:buSzPts val="4200"/>
               <a:buNone/>
               <a:defRPr/>
             </a:lvl6pPr>
@@ -2313,7 +3430,7 @@
               <a:spcAft>
                 <a:spcPts val="0"/>
               </a:spcAft>
-              <a:buSzPts val="2800"/>
+              <a:buSzPts val="4200"/>
               <a:buNone/>
               <a:defRPr/>
             </a:lvl7pPr>
@@ -2324,7 +3441,7 @@
               <a:spcAft>
                 <a:spcPts val="0"/>
               </a:spcAft>
-              <a:buSzPts val="2800"/>
+              <a:buSzPts val="4200"/>
               <a:buNone/>
               <a:defRPr/>
             </a:lvl8pPr>
@@ -2335,7 +3452,7 @@
               <a:spcAft>
                 <a:spcPts val="0"/>
               </a:spcAft>
-              <a:buSzPts val="2800"/>
+              <a:buSzPts val="4200"/>
               <a:buNone/>
               <a:defRPr/>
             </a:lvl9pPr>
@@ -2345,7 +3462,7 @@
       </p:sp>
       <p:sp>
         <p:nvSpPr>
-          <p:cNvPr id="22" name="Google Shape;22;p5"/>
+          <p:cNvPr id="23" name="Google Shape;23;p5"/>
           <p:cNvSpPr txBox="1"/>
           <p:nvPr>
             <p:ph idx="1" type="body"/>
@@ -2353,8 +3470,8 @@
         </p:nvSpPr>
         <p:spPr>
           <a:xfrm>
-            <a:off x="311700" y="1152475"/>
-            <a:ext cx="3999900" cy="3416400"/>
+            <a:off x="311700" y="1228675"/>
+            <a:ext cx="3999900" cy="3340200"/>
           </a:xfrm>
           <a:prstGeom prst="rect">
             <a:avLst/>
@@ -2470,7 +3587,7 @@
       </p:sp>
       <p:sp>
         <p:nvSpPr>
-          <p:cNvPr id="23" name="Google Shape;23;p5"/>
+          <p:cNvPr id="24" name="Google Shape;24;p5"/>
           <p:cNvSpPr txBox="1"/>
           <p:nvPr>
             <p:ph idx="2" type="body"/>
@@ -2478,8 +3595,8 @@
         </p:nvSpPr>
         <p:spPr>
           <a:xfrm>
-            <a:off x="4832400" y="1152475"/>
-            <a:ext cx="3999900" cy="3416400"/>
+            <a:off x="4832400" y="1228675"/>
+            <a:ext cx="3999900" cy="3340200"/>
           </a:xfrm>
           <a:prstGeom prst="rect">
             <a:avLst/>
@@ -2595,7 +3712,7 @@
       </p:sp>
       <p:sp>
         <p:nvSpPr>
-          <p:cNvPr id="24" name="Google Shape;24;p5"/>
+          <p:cNvPr id="25" name="Google Shape;25;p5"/>
           <p:cNvSpPr txBox="1"/>
           <p:nvPr>
             <p:ph idx="12" type="sldNum"/>
@@ -2683,7 +3800,7 @@
   <p:cSld name="TITLE_ONLY">
     <p:spTree>
       <p:nvGrpSpPr>
-        <p:cNvPr id="25" name="Shape 25"/>
+        <p:cNvPr id="26" name="Shape 26"/>
         <p:cNvGrpSpPr/>
         <p:nvPr/>
       </p:nvGrpSpPr>
@@ -2697,7 +3814,7 @@
       </p:grpSpPr>
       <p:sp>
         <p:nvSpPr>
-          <p:cNvPr id="26" name="Google Shape;26;p6"/>
+          <p:cNvPr id="27" name="Google Shape;27;p6"/>
           <p:cNvSpPr txBox="1"/>
           <p:nvPr>
             <p:ph type="title"/>
@@ -2705,8 +3822,8 @@
         </p:nvSpPr>
         <p:spPr>
           <a:xfrm>
-            <a:off x="311700" y="445025"/>
-            <a:ext cx="8520600" cy="572700"/>
+            <a:off x="304800" y="309350"/>
+            <a:ext cx="8537700" cy="748200"/>
           </a:xfrm>
           <a:prstGeom prst="rect">
             <a:avLst/>
@@ -2724,9 +3841,9 @@
               <a:spcAft>
                 <a:spcPts val="0"/>
               </a:spcAft>
-              <a:buSzPts val="2800"/>
-              <a:buNone/>
-              <a:defRPr/>
+              <a:buSzPts val="4000"/>
+              <a:buNone/>
+              <a:defRPr sz="4000"/>
             </a:lvl1pPr>
             <a:lvl2pPr lvl="1">
               <a:spcBef>
@@ -2735,9 +3852,9 @@
               <a:spcAft>
                 <a:spcPts val="0"/>
               </a:spcAft>
-              <a:buSzPts val="2800"/>
-              <a:buNone/>
-              <a:defRPr/>
+              <a:buSzPts val="4000"/>
+              <a:buNone/>
+              <a:defRPr sz="4000"/>
             </a:lvl2pPr>
             <a:lvl3pPr lvl="2">
               <a:spcBef>
@@ -2746,9 +3863,9 @@
               <a:spcAft>
                 <a:spcPts val="0"/>
               </a:spcAft>
-              <a:buSzPts val="2800"/>
-              <a:buNone/>
-              <a:defRPr/>
+              <a:buSzPts val="4000"/>
+              <a:buNone/>
+              <a:defRPr sz="4000"/>
             </a:lvl3pPr>
             <a:lvl4pPr lvl="3">
               <a:spcBef>
@@ -2757,9 +3874,9 @@
               <a:spcAft>
                 <a:spcPts val="0"/>
               </a:spcAft>
-              <a:buSzPts val="2800"/>
-              <a:buNone/>
-              <a:defRPr/>
+              <a:buSzPts val="4000"/>
+              <a:buNone/>
+              <a:defRPr sz="4000"/>
             </a:lvl4pPr>
             <a:lvl5pPr lvl="4">
               <a:spcBef>
@@ -2768,9 +3885,9 @@
               <a:spcAft>
                 <a:spcPts val="0"/>
               </a:spcAft>
-              <a:buSzPts val="2800"/>
-              <a:buNone/>
-              <a:defRPr/>
+              <a:buSzPts val="4000"/>
+              <a:buNone/>
+              <a:defRPr sz="4000"/>
             </a:lvl5pPr>
             <a:lvl6pPr lvl="5">
               <a:spcBef>
@@ -2779,9 +3896,9 @@
               <a:spcAft>
                 <a:spcPts val="0"/>
               </a:spcAft>
-              <a:buSzPts val="2800"/>
-              <a:buNone/>
-              <a:defRPr/>
+              <a:buSzPts val="4000"/>
+              <a:buNone/>
+              <a:defRPr sz="4000"/>
             </a:lvl6pPr>
             <a:lvl7pPr lvl="6">
               <a:spcBef>
@@ -2790,9 +3907,9 @@
               <a:spcAft>
                 <a:spcPts val="0"/>
               </a:spcAft>
-              <a:buSzPts val="2800"/>
-              <a:buNone/>
-              <a:defRPr/>
+              <a:buSzPts val="4000"/>
+              <a:buNone/>
+              <a:defRPr sz="4000"/>
             </a:lvl7pPr>
             <a:lvl8pPr lvl="7">
               <a:spcBef>
@@ -2801,9 +3918,9 @@
               <a:spcAft>
                 <a:spcPts val="0"/>
               </a:spcAft>
-              <a:buSzPts val="2800"/>
-              <a:buNone/>
-              <a:defRPr/>
+              <a:buSzPts val="4000"/>
+              <a:buNone/>
+              <a:defRPr sz="4000"/>
             </a:lvl8pPr>
             <a:lvl9pPr lvl="8">
               <a:spcBef>
@@ -2812,9 +3929,9 @@
               <a:spcAft>
                 <a:spcPts val="0"/>
               </a:spcAft>
-              <a:buSzPts val="2800"/>
-              <a:buNone/>
-              <a:defRPr/>
+              <a:buSzPts val="4000"/>
+              <a:buNone/>
+              <a:defRPr sz="4000"/>
             </a:lvl9pPr>
           </a:lstStyle>
           <a:p/>
@@ -2822,7 +3939,7 @@
       </p:sp>
       <p:sp>
         <p:nvSpPr>
-          <p:cNvPr id="27" name="Google Shape;27;p6"/>
+          <p:cNvPr id="28" name="Google Shape;28;p6"/>
           <p:cNvSpPr txBox="1"/>
           <p:nvPr>
             <p:ph idx="12" type="sldNum"/>
@@ -2910,7 +4027,7 @@
   <p:cSld name="ONE_COLUMN_TEXT">
     <p:spTree>
       <p:nvGrpSpPr>
-        <p:cNvPr id="28" name="Shape 28"/>
+        <p:cNvPr id="29" name="Shape 29"/>
         <p:cNvGrpSpPr/>
         <p:nvPr/>
       </p:nvGrpSpPr>
@@ -2924,7 +4041,7 @@
       </p:grpSpPr>
       <p:sp>
         <p:nvSpPr>
-          <p:cNvPr id="29" name="Google Shape;29;p7"/>
+          <p:cNvPr id="30" name="Google Shape;30;p7"/>
           <p:cNvSpPr txBox="1"/>
           <p:nvPr>
             <p:ph type="title"/>
@@ -2951,9 +4068,13 @@
               <a:spcAft>
                 <a:spcPts val="0"/>
               </a:spcAft>
-              <a:buSzPts val="2400"/>
-              <a:buNone/>
-              <a:defRPr sz="2400"/>
+              <a:buSzPts val="3000"/>
+              <a:buNone/>
+              <a:defRPr sz="3000">
+                <a:highlight>
+                  <a:schemeClr val="dk1"/>
+                </a:highlight>
+              </a:defRPr>
             </a:lvl1pPr>
             <a:lvl2pPr lvl="1">
               <a:spcBef>
@@ -2962,9 +4083,13 @@
               <a:spcAft>
                 <a:spcPts val="0"/>
               </a:spcAft>
-              <a:buSzPts val="2400"/>
-              <a:buNone/>
-              <a:defRPr sz="2400"/>
+              <a:buSzPts val="3000"/>
+              <a:buNone/>
+              <a:defRPr sz="3000">
+                <a:highlight>
+                  <a:schemeClr val="dk1"/>
+                </a:highlight>
+              </a:defRPr>
             </a:lvl2pPr>
             <a:lvl3pPr lvl="2">
               <a:spcBef>
@@ -2973,9 +4098,13 @@
               <a:spcAft>
                 <a:spcPts val="0"/>
               </a:spcAft>
-              <a:buSzPts val="2400"/>
-              <a:buNone/>
-              <a:defRPr sz="2400"/>
+              <a:buSzPts val="3000"/>
+              <a:buNone/>
+              <a:defRPr sz="3000">
+                <a:highlight>
+                  <a:schemeClr val="dk1"/>
+                </a:highlight>
+              </a:defRPr>
             </a:lvl3pPr>
             <a:lvl4pPr lvl="3">
               <a:spcBef>
@@ -2984,9 +4113,13 @@
               <a:spcAft>
                 <a:spcPts val="0"/>
               </a:spcAft>
-              <a:buSzPts val="2400"/>
-              <a:buNone/>
-              <a:defRPr sz="2400"/>
+              <a:buSzPts val="3000"/>
+              <a:buNone/>
+              <a:defRPr sz="3000">
+                <a:highlight>
+                  <a:schemeClr val="dk1"/>
+                </a:highlight>
+              </a:defRPr>
             </a:lvl4pPr>
             <a:lvl5pPr lvl="4">
               <a:spcBef>
@@ -2995,9 +4128,13 @@
               <a:spcAft>
                 <a:spcPts val="0"/>
               </a:spcAft>
-              <a:buSzPts val="2400"/>
-              <a:buNone/>
-              <a:defRPr sz="2400"/>
+              <a:buSzPts val="3000"/>
+              <a:buNone/>
+              <a:defRPr sz="3000">
+                <a:highlight>
+                  <a:schemeClr val="dk1"/>
+                </a:highlight>
+              </a:defRPr>
             </a:lvl5pPr>
             <a:lvl6pPr lvl="5">
               <a:spcBef>
@@ -3006,9 +4143,13 @@
               <a:spcAft>
                 <a:spcPts val="0"/>
               </a:spcAft>
-              <a:buSzPts val="2400"/>
-              <a:buNone/>
-              <a:defRPr sz="2400"/>
+              <a:buSzPts val="3000"/>
+              <a:buNone/>
+              <a:defRPr sz="3000">
+                <a:highlight>
+                  <a:schemeClr val="dk1"/>
+                </a:highlight>
+              </a:defRPr>
             </a:lvl6pPr>
             <a:lvl7pPr lvl="6">
               <a:spcBef>
@@ -3017,9 +4158,13 @@
               <a:spcAft>
                 <a:spcPts val="0"/>
               </a:spcAft>
-              <a:buSzPts val="2400"/>
-              <a:buNone/>
-              <a:defRPr sz="2400"/>
+              <a:buSzPts val="3000"/>
+              <a:buNone/>
+              <a:defRPr sz="3000">
+                <a:highlight>
+                  <a:schemeClr val="dk1"/>
+                </a:highlight>
+              </a:defRPr>
             </a:lvl7pPr>
             <a:lvl8pPr lvl="7">
               <a:spcBef>
@@ -3028,9 +4173,13 @@
               <a:spcAft>
                 <a:spcPts val="0"/>
               </a:spcAft>
-              <a:buSzPts val="2400"/>
-              <a:buNone/>
-              <a:defRPr sz="2400"/>
+              <a:buSzPts val="3000"/>
+              <a:buNone/>
+              <a:defRPr sz="3000">
+                <a:highlight>
+                  <a:schemeClr val="dk1"/>
+                </a:highlight>
+              </a:defRPr>
             </a:lvl8pPr>
             <a:lvl9pPr lvl="8">
               <a:spcBef>
@@ -3039,9 +4188,13 @@
               <a:spcAft>
                 <a:spcPts val="0"/>
               </a:spcAft>
-              <a:buSzPts val="2400"/>
-              <a:buNone/>
-              <a:defRPr sz="2400"/>
+              <a:buSzPts val="3000"/>
+              <a:buNone/>
+              <a:defRPr sz="3000">
+                <a:highlight>
+                  <a:schemeClr val="dk1"/>
+                </a:highlight>
+              </a:defRPr>
             </a:lvl9pPr>
           </a:lstStyle>
           <a:p/>
@@ -3049,7 +4202,7 @@
       </p:sp>
       <p:sp>
         <p:nvSpPr>
-          <p:cNvPr id="30" name="Google Shape;30;p7"/>
+          <p:cNvPr id="31" name="Google Shape;31;p7"/>
           <p:cNvSpPr txBox="1"/>
           <p:nvPr>
             <p:ph idx="1" type="body"/>
@@ -3174,7 +4327,7 @@
       </p:sp>
       <p:sp>
         <p:nvSpPr>
-          <p:cNvPr id="31" name="Google Shape;31;p7"/>
+          <p:cNvPr id="32" name="Google Shape;32;p7"/>
           <p:cNvSpPr txBox="1"/>
           <p:nvPr>
             <p:ph idx="12" type="sldNum"/>
@@ -3260,9 +4413,16 @@
 <file path=ppt/slideLayouts/slideLayout7.xml><?xml version="1.0" encoding="utf-8"?>
 <p:sldLayout xmlns:a="http://schemas.openxmlformats.org/drawingml/2006/main" xmlns:r="http://schemas.openxmlformats.org/officeDocument/2006/relationships" xmlns:mc="http://schemas.openxmlformats.org/markup-compatibility/2006" xmlns:mv="urn:schemas-microsoft-com:mac:vml" xmlns:p="http://schemas.openxmlformats.org/presentationml/2006/main" xmlns:c="http://schemas.openxmlformats.org/drawingml/2006/chart" xmlns:dgm="http://schemas.openxmlformats.org/drawingml/2006/diagram" xmlns:o="urn:schemas-microsoft-com:office:office" xmlns:v="urn:schemas-microsoft-com:vml" xmlns:pvml="urn:schemas-microsoft-com:office:powerpoint" xmlns:com="http://schemas.openxmlformats.org/drawingml/2006/compatibility" xmlns:p14="http://schemas.microsoft.com/office/powerpoint/2010/main" xmlns:p15="http://schemas.microsoft.com/office/powerpoint/2012/main" xmlns:ahyp="http://schemas.microsoft.com/office/drawing/2018/hyperlinkcolor" matchingName="Main point">
   <p:cSld name="MAIN_POINT">
+    <p:bg>
+      <p:bgPr>
+        <a:solidFill>
+          <a:schemeClr val="accent4"/>
+        </a:solidFill>
+      </p:bgPr>
+    </p:bg>
     <p:spTree>
       <p:nvGrpSpPr>
-        <p:cNvPr id="32" name="Shape 32"/>
+        <p:cNvPr id="33" name="Shape 33"/>
         <p:cNvGrpSpPr/>
         <p:nvPr/>
       </p:nvGrpSpPr>
@@ -3276,7 +4436,7 @@
       </p:grpSpPr>
       <p:sp>
         <p:nvSpPr>
-          <p:cNvPr id="33" name="Google Shape;33;p8"/>
+          <p:cNvPr id="34" name="Google Shape;34;p8"/>
           <p:cNvSpPr txBox="1"/>
           <p:nvPr>
             <p:ph type="title"/>
@@ -3284,8 +4444,8 @@
         </p:nvSpPr>
         <p:spPr>
           <a:xfrm>
-            <a:off x="490250" y="450150"/>
-            <a:ext cx="6367800" cy="4090800"/>
+            <a:off x="490250" y="526350"/>
+            <a:ext cx="5618700" cy="4090800"/>
           </a:xfrm>
           <a:prstGeom prst="rect">
             <a:avLst/>
@@ -3303,9 +4463,16 @@
               <a:spcAft>
                 <a:spcPts val="0"/>
               </a:spcAft>
-              <a:buSzPts val="4800"/>
-              <a:buNone/>
-              <a:defRPr sz="4800"/>
+              <a:buClr>
+                <a:schemeClr val="lt1"/>
+              </a:buClr>
+              <a:buSzPts val="6000"/>
+              <a:buNone/>
+              <a:defRPr sz="6000">
+                <a:solidFill>
+                  <a:schemeClr val="lt1"/>
+                </a:solidFill>
+              </a:defRPr>
             </a:lvl1pPr>
             <a:lvl2pPr lvl="1">
               <a:spcBef>
@@ -3314,9 +4481,16 @@
               <a:spcAft>
                 <a:spcPts val="0"/>
               </a:spcAft>
-              <a:buSzPts val="4800"/>
-              <a:buNone/>
-              <a:defRPr sz="4800"/>
+              <a:buClr>
+                <a:schemeClr val="lt1"/>
+              </a:buClr>
+              <a:buSzPts val="6000"/>
+              <a:buNone/>
+              <a:defRPr sz="6000">
+                <a:solidFill>
+                  <a:schemeClr val="lt1"/>
+                </a:solidFill>
+              </a:defRPr>
             </a:lvl2pPr>
             <a:lvl3pPr lvl="2">
               <a:spcBef>
@@ -3325,9 +4499,16 @@
               <a:spcAft>
                 <a:spcPts val="0"/>
               </a:spcAft>
-              <a:buSzPts val="4800"/>
-              <a:buNone/>
-              <a:defRPr sz="4800"/>
+              <a:buClr>
+                <a:schemeClr val="lt1"/>
+              </a:buClr>
+              <a:buSzPts val="6000"/>
+              <a:buNone/>
+              <a:defRPr sz="6000">
+                <a:solidFill>
+                  <a:schemeClr val="lt1"/>
+                </a:solidFill>
+              </a:defRPr>
             </a:lvl3pPr>
             <a:lvl4pPr lvl="3">
               <a:spcBef>
@@ -3336,9 +4517,16 @@
               <a:spcAft>
                 <a:spcPts val="0"/>
               </a:spcAft>
-              <a:buSzPts val="4800"/>
-              <a:buNone/>
-              <a:defRPr sz="4800"/>
+              <a:buClr>
+                <a:schemeClr val="lt1"/>
+              </a:buClr>
+              <a:buSzPts val="6000"/>
+              <a:buNone/>
+              <a:defRPr sz="6000">
+                <a:solidFill>
+                  <a:schemeClr val="lt1"/>
+                </a:solidFill>
+              </a:defRPr>
             </a:lvl4pPr>
             <a:lvl5pPr lvl="4">
               <a:spcBef>
@@ -3347,9 +4535,16 @@
               <a:spcAft>
                 <a:spcPts val="0"/>
               </a:spcAft>
-              <a:buSzPts val="4800"/>
-              <a:buNone/>
-              <a:defRPr sz="4800"/>
+              <a:buClr>
+                <a:schemeClr val="lt1"/>
+              </a:buClr>
+              <a:buSzPts val="6000"/>
+              <a:buNone/>
+              <a:defRPr sz="6000">
+                <a:solidFill>
+                  <a:schemeClr val="lt1"/>
+                </a:solidFill>
+              </a:defRPr>
             </a:lvl5pPr>
             <a:lvl6pPr lvl="5">
               <a:spcBef>
@@ -3358,9 +4553,16 @@
               <a:spcAft>
                 <a:spcPts val="0"/>
               </a:spcAft>
-              <a:buSzPts val="4800"/>
-              <a:buNone/>
-              <a:defRPr sz="4800"/>
+              <a:buClr>
+                <a:schemeClr val="lt1"/>
+              </a:buClr>
+              <a:buSzPts val="6000"/>
+              <a:buNone/>
+              <a:defRPr sz="6000">
+                <a:solidFill>
+                  <a:schemeClr val="lt1"/>
+                </a:solidFill>
+              </a:defRPr>
             </a:lvl6pPr>
             <a:lvl7pPr lvl="6">
               <a:spcBef>
@@ -3369,9 +4571,16 @@
               <a:spcAft>
                 <a:spcPts val="0"/>
               </a:spcAft>
-              <a:buSzPts val="4800"/>
-              <a:buNone/>
-              <a:defRPr sz="4800"/>
+              <a:buClr>
+                <a:schemeClr val="lt1"/>
+              </a:buClr>
+              <a:buSzPts val="6000"/>
+              <a:buNone/>
+              <a:defRPr sz="6000">
+                <a:solidFill>
+                  <a:schemeClr val="lt1"/>
+                </a:solidFill>
+              </a:defRPr>
             </a:lvl7pPr>
             <a:lvl8pPr lvl="7">
               <a:spcBef>
@@ -3380,9 +4589,16 @@
               <a:spcAft>
                 <a:spcPts val="0"/>
               </a:spcAft>
-              <a:buSzPts val="4800"/>
-              <a:buNone/>
-              <a:defRPr sz="4800"/>
+              <a:buClr>
+                <a:schemeClr val="lt1"/>
+              </a:buClr>
+              <a:buSzPts val="6000"/>
+              <a:buNone/>
+              <a:defRPr sz="6000">
+                <a:solidFill>
+                  <a:schemeClr val="lt1"/>
+                </a:solidFill>
+              </a:defRPr>
             </a:lvl8pPr>
             <a:lvl9pPr lvl="8">
               <a:spcBef>
@@ -3391,9 +4607,16 @@
               <a:spcAft>
                 <a:spcPts val="0"/>
               </a:spcAft>
-              <a:buSzPts val="4800"/>
-              <a:buNone/>
-              <a:defRPr sz="4800"/>
+              <a:buClr>
+                <a:schemeClr val="lt1"/>
+              </a:buClr>
+              <a:buSzPts val="6000"/>
+              <a:buNone/>
+              <a:defRPr sz="6000">
+                <a:solidFill>
+                  <a:schemeClr val="lt1"/>
+                </a:solidFill>
+              </a:defRPr>
             </a:lvl9pPr>
           </a:lstStyle>
           <a:p/>
@@ -3401,7 +4624,7 @@
       </p:sp>
       <p:sp>
         <p:nvSpPr>
-          <p:cNvPr id="34" name="Google Shape;34;p8"/>
+          <p:cNvPr id="35" name="Google Shape;35;p8"/>
           <p:cNvSpPr txBox="1"/>
           <p:nvPr>
             <p:ph idx="12" type="sldNum"/>
@@ -3423,39 +4646,75 @@
           <a:lstStyle>
             <a:lvl1pPr lvl="0">
               <a:buNone/>
-              <a:defRPr/>
+              <a:defRPr>
+                <a:solidFill>
+                  <a:schemeClr val="lt1"/>
+                </a:solidFill>
+              </a:defRPr>
             </a:lvl1pPr>
             <a:lvl2pPr lvl="1">
               <a:buNone/>
-              <a:defRPr/>
+              <a:defRPr>
+                <a:solidFill>
+                  <a:schemeClr val="lt1"/>
+                </a:solidFill>
+              </a:defRPr>
             </a:lvl2pPr>
             <a:lvl3pPr lvl="2">
               <a:buNone/>
-              <a:defRPr/>
+              <a:defRPr>
+                <a:solidFill>
+                  <a:schemeClr val="lt1"/>
+                </a:solidFill>
+              </a:defRPr>
             </a:lvl3pPr>
             <a:lvl4pPr lvl="3">
               <a:buNone/>
-              <a:defRPr/>
+              <a:defRPr>
+                <a:solidFill>
+                  <a:schemeClr val="lt1"/>
+                </a:solidFill>
+              </a:defRPr>
             </a:lvl4pPr>
             <a:lvl5pPr lvl="4">
               <a:buNone/>
-              <a:defRPr/>
+              <a:defRPr>
+                <a:solidFill>
+                  <a:schemeClr val="lt1"/>
+                </a:solidFill>
+              </a:defRPr>
             </a:lvl5pPr>
             <a:lvl6pPr lvl="5">
               <a:buNone/>
-              <a:defRPr/>
+              <a:defRPr>
+                <a:solidFill>
+                  <a:schemeClr val="lt1"/>
+                </a:solidFill>
+              </a:defRPr>
             </a:lvl6pPr>
             <a:lvl7pPr lvl="6">
               <a:buNone/>
-              <a:defRPr/>
+              <a:defRPr>
+                <a:solidFill>
+                  <a:schemeClr val="lt1"/>
+                </a:solidFill>
+              </a:defRPr>
             </a:lvl7pPr>
             <a:lvl8pPr lvl="7">
               <a:buNone/>
-              <a:defRPr/>
+              <a:defRPr>
+                <a:solidFill>
+                  <a:schemeClr val="lt1"/>
+                </a:solidFill>
+              </a:defRPr>
             </a:lvl8pPr>
             <a:lvl9pPr lvl="8">
               <a:buNone/>
-              <a:defRPr/>
+              <a:defRPr>
+                <a:solidFill>
+                  <a:schemeClr val="lt1"/>
+                </a:solidFill>
+              </a:defRPr>
             </a:lvl9pPr>
           </a:lstStyle>
           <a:p>
@@ -3489,7 +4748,7 @@
   <p:cSld name="SECTION_TITLE_AND_DESCRIPTION">
     <p:spTree>
       <p:nvGrpSpPr>
-        <p:cNvPr id="35" name="Shape 35"/>
+        <p:cNvPr id="36" name="Shape 36"/>
         <p:cNvGrpSpPr/>
         <p:nvPr/>
       </p:nvGrpSpPr>
@@ -3503,20 +4762,20 @@
       </p:grpSpPr>
       <p:sp>
         <p:nvSpPr>
-          <p:cNvPr id="36" name="Google Shape;36;p9"/>
+          <p:cNvPr id="37" name="Google Shape;37;p9"/>
           <p:cNvSpPr/>
           <p:nvPr/>
         </p:nvSpPr>
         <p:spPr>
           <a:xfrm>
-            <a:off x="4572000" y="-125"/>
+            <a:off x="4572000" y="-25"/>
             <a:ext cx="4572000" cy="5143500"/>
           </a:xfrm>
           <a:prstGeom prst="rect">
             <a:avLst/>
           </a:prstGeom>
           <a:solidFill>
-            <a:schemeClr val="lt2"/>
+            <a:schemeClr val="dk1"/>
           </a:solidFill>
           <a:ln>
             <a:noFill/>
@@ -3544,9 +4803,35 @@
           </a:p>
         </p:txBody>
       </p:sp>
+      <p:cxnSp>
+        <p:nvCxnSpPr>
+          <p:cNvPr id="38" name="Google Shape;38;p9"/>
+          <p:cNvCxnSpPr/>
+          <p:nvPr/>
+        </p:nvCxnSpPr>
+        <p:spPr>
+          <a:xfrm>
+            <a:off x="5029675" y="4495500"/>
+            <a:ext cx="468300" cy="0"/>
+          </a:xfrm>
+          <a:prstGeom prst="straightConnector1">
+            <a:avLst/>
+          </a:prstGeom>
+          <a:noFill/>
+          <a:ln cap="flat" cmpd="sng" w="28575">
+            <a:solidFill>
+              <a:schemeClr val="lt1"/>
+            </a:solidFill>
+            <a:prstDash val="solid"/>
+            <a:round/>
+            <a:headEnd len="sm" w="sm" type="none"/>
+            <a:tailEnd len="sm" w="sm" type="none"/>
+          </a:ln>
+        </p:spPr>
+      </p:cxnSp>
       <p:sp>
         <p:nvSpPr>
-          <p:cNvPr id="37" name="Google Shape;37;p9"/>
+          <p:cNvPr id="39" name="Google Shape;39;p9"/>
           <p:cNvSpPr txBox="1"/>
           <p:nvPr>
             <p:ph type="title"/>
@@ -3554,8 +4839,8 @@
         </p:nvSpPr>
         <p:spPr>
           <a:xfrm>
-            <a:off x="265500" y="1233175"/>
-            <a:ext cx="4045200" cy="1482300"/>
+            <a:off x="265500" y="1081400"/>
+            <a:ext cx="4045200" cy="1710300"/>
           </a:xfrm>
           <a:prstGeom prst="rect">
             <a:avLst/>
@@ -3573,9 +4858,9 @@
               <a:spcAft>
                 <a:spcPts val="0"/>
               </a:spcAft>
-              <a:buSzPts val="4200"/>
-              <a:buNone/>
-              <a:defRPr sz="4200"/>
+              <a:buSzPts val="5400"/>
+              <a:buNone/>
+              <a:defRPr sz="5400"/>
             </a:lvl1pPr>
             <a:lvl2pPr lvl="1" algn="ctr">
               <a:spcBef>
@@ -3584,9 +4869,9 @@
               <a:spcAft>
                 <a:spcPts val="0"/>
               </a:spcAft>
-              <a:buSzPts val="4200"/>
-              <a:buNone/>
-              <a:defRPr sz="4200"/>
+              <a:buSzPts val="5400"/>
+              <a:buNone/>
+              <a:defRPr sz="5400"/>
             </a:lvl2pPr>
             <a:lvl3pPr lvl="2" algn="ctr">
               <a:spcBef>
@@ -3595,9 +4880,9 @@
               <a:spcAft>
                 <a:spcPts val="0"/>
               </a:spcAft>
-              <a:buSzPts val="4200"/>
-              <a:buNone/>
-              <a:defRPr sz="4200"/>
+              <a:buSzPts val="5400"/>
+              <a:buNone/>
+              <a:defRPr sz="5400"/>
             </a:lvl3pPr>
             <a:lvl4pPr lvl="3" algn="ctr">
               <a:spcBef>
@@ -3606,9 +4891,9 @@
               <a:spcAft>
                 <a:spcPts val="0"/>
               </a:spcAft>
-              <a:buSzPts val="4200"/>
-              <a:buNone/>
-              <a:defRPr sz="4200"/>
+              <a:buSzPts val="5400"/>
+              <a:buNone/>
+              <a:defRPr sz="5400"/>
             </a:lvl4pPr>
             <a:lvl5pPr lvl="4" algn="ctr">
               <a:spcBef>
@@ -3617,9 +4902,9 @@
               <a:spcAft>
                 <a:spcPts val="0"/>
               </a:spcAft>
-              <a:buSzPts val="4200"/>
-              <a:buNone/>
-              <a:defRPr sz="4200"/>
+              <a:buSzPts val="5400"/>
+              <a:buNone/>
+              <a:defRPr sz="5400"/>
             </a:lvl5pPr>
             <a:lvl6pPr lvl="5" algn="ctr">
               <a:spcBef>
@@ -3628,9 +4913,9 @@
               <a:spcAft>
                 <a:spcPts val="0"/>
               </a:spcAft>
-              <a:buSzPts val="4200"/>
-              <a:buNone/>
-              <a:defRPr sz="4200"/>
+              <a:buSzPts val="5400"/>
+              <a:buNone/>
+              <a:defRPr sz="5400"/>
             </a:lvl6pPr>
             <a:lvl7pPr lvl="6" algn="ctr">
               <a:spcBef>
@@ -3639,9 +4924,9 @@
               <a:spcAft>
                 <a:spcPts val="0"/>
               </a:spcAft>
-              <a:buSzPts val="4200"/>
-              <a:buNone/>
-              <a:defRPr sz="4200"/>
+              <a:buSzPts val="5400"/>
+              <a:buNone/>
+              <a:defRPr sz="5400"/>
             </a:lvl7pPr>
             <a:lvl8pPr lvl="7" algn="ctr">
               <a:spcBef>
@@ -3650,9 +4935,9 @@
               <a:spcAft>
                 <a:spcPts val="0"/>
               </a:spcAft>
-              <a:buSzPts val="4200"/>
-              <a:buNone/>
-              <a:defRPr sz="4200"/>
+              <a:buSzPts val="5400"/>
+              <a:buNone/>
+              <a:defRPr sz="5400"/>
             </a:lvl8pPr>
             <a:lvl9pPr lvl="8" algn="ctr">
               <a:spcBef>
@@ -3661,9 +4946,9 @@
               <a:spcAft>
                 <a:spcPts val="0"/>
               </a:spcAft>
-              <a:buSzPts val="4200"/>
-              <a:buNone/>
-              <a:defRPr sz="4200"/>
+              <a:buSzPts val="5400"/>
+              <a:buNone/>
+              <a:defRPr sz="5400"/>
             </a:lvl9pPr>
           </a:lstStyle>
           <a:p/>
@@ -3671,7 +4956,7 @@
       </p:sp>
       <p:sp>
         <p:nvSpPr>
-          <p:cNvPr id="38" name="Google Shape;38;p9"/>
+          <p:cNvPr id="40" name="Google Shape;40;p9"/>
           <p:cNvSpPr txBox="1"/>
           <p:nvPr>
             <p:ph idx="1" type="subTitle"/>
@@ -3679,8 +4964,8 @@
         </p:nvSpPr>
         <p:spPr>
           <a:xfrm>
-            <a:off x="265500" y="2803075"/>
-            <a:ext cx="4045200" cy="1235100"/>
+            <a:off x="265500" y="2845223"/>
+            <a:ext cx="4045200" cy="1345500"/>
           </a:xfrm>
           <a:prstGeom prst="rect">
             <a:avLst/>
@@ -3701,9 +4986,9 @@
               <a:spcAft>
                 <a:spcPts val="0"/>
               </a:spcAft>
-              <a:buSzPts val="2100"/>
-              <a:buNone/>
-              <a:defRPr sz="2100"/>
+              <a:buSzPts val="1800"/>
+              <a:buNone/>
+              <a:defRPr/>
             </a:lvl1pPr>
             <a:lvl2pPr lvl="1" algn="ctr">
               <a:lnSpc>
@@ -3715,9 +5000,9 @@
               <a:spcAft>
                 <a:spcPts val="0"/>
               </a:spcAft>
-              <a:buSzPts val="2100"/>
-              <a:buNone/>
-              <a:defRPr sz="2100"/>
+              <a:buSzPts val="1800"/>
+              <a:buNone/>
+              <a:defRPr sz="1800"/>
             </a:lvl2pPr>
             <a:lvl3pPr lvl="2" algn="ctr">
               <a:lnSpc>
@@ -3729,9 +5014,9 @@
               <a:spcAft>
                 <a:spcPts val="0"/>
               </a:spcAft>
-              <a:buSzPts val="2100"/>
-              <a:buNone/>
-              <a:defRPr sz="2100"/>
+              <a:buSzPts val="1800"/>
+              <a:buNone/>
+              <a:defRPr sz="1800"/>
             </a:lvl3pPr>
             <a:lvl4pPr lvl="3" algn="ctr">
               <a:lnSpc>
@@ -3743,9 +5028,9 @@
               <a:spcAft>
                 <a:spcPts val="0"/>
               </a:spcAft>
-              <a:buSzPts val="2100"/>
-              <a:buNone/>
-              <a:defRPr sz="2100"/>
+              <a:buSzPts val="1800"/>
+              <a:buNone/>
+              <a:defRPr sz="1800"/>
             </a:lvl4pPr>
             <a:lvl5pPr lvl="4" algn="ctr">
               <a:lnSpc>
@@ -3757,9 +5042,9 @@
               <a:spcAft>
                 <a:spcPts val="0"/>
               </a:spcAft>
-              <a:buSzPts val="2100"/>
-              <a:buNone/>
-              <a:defRPr sz="2100"/>
+              <a:buSzPts val="1800"/>
+              <a:buNone/>
+              <a:defRPr sz="1800"/>
             </a:lvl5pPr>
             <a:lvl6pPr lvl="5" algn="ctr">
               <a:lnSpc>
@@ -3771,9 +5056,9 @@
               <a:spcAft>
                 <a:spcPts val="0"/>
               </a:spcAft>
-              <a:buSzPts val="2100"/>
-              <a:buNone/>
-              <a:defRPr sz="2100"/>
+              <a:buSzPts val="1800"/>
+              <a:buNone/>
+              <a:defRPr sz="1800"/>
             </a:lvl6pPr>
             <a:lvl7pPr lvl="6" algn="ctr">
               <a:lnSpc>
@@ -3785,9 +5070,9 @@
               <a:spcAft>
                 <a:spcPts val="0"/>
               </a:spcAft>
-              <a:buSzPts val="2100"/>
-              <a:buNone/>
-              <a:defRPr sz="2100"/>
+              <a:buSzPts val="1800"/>
+              <a:buNone/>
+              <a:defRPr sz="1800"/>
             </a:lvl7pPr>
             <a:lvl8pPr lvl="7" algn="ctr">
               <a:lnSpc>
@@ -3799,9 +5084,9 @@
               <a:spcAft>
                 <a:spcPts val="0"/>
               </a:spcAft>
-              <a:buSzPts val="2100"/>
-              <a:buNone/>
-              <a:defRPr sz="2100"/>
+              <a:buSzPts val="1800"/>
+              <a:buNone/>
+              <a:defRPr sz="1800"/>
             </a:lvl8pPr>
             <a:lvl9pPr lvl="8" algn="ctr">
               <a:lnSpc>
@@ -3813,9 +5098,9 @@
               <a:spcAft>
                 <a:spcPts val="0"/>
               </a:spcAft>
-              <a:buSzPts val="2100"/>
-              <a:buNone/>
-              <a:defRPr sz="2100"/>
+              <a:buSzPts val="1800"/>
+              <a:buNone/>
+              <a:defRPr sz="1800"/>
             </a:lvl9pPr>
           </a:lstStyle>
           <a:p/>
@@ -3823,7 +5108,7 @@
       </p:sp>
       <p:sp>
         <p:nvSpPr>
-          <p:cNvPr id="39" name="Google Shape;39;p9"/>
+          <p:cNvPr id="41" name="Google Shape;41;p9"/>
           <p:cNvSpPr txBox="1"/>
           <p:nvPr>
             <p:ph idx="2" type="body"/>
@@ -3831,7 +5116,7 @@
         </p:nvSpPr>
         <p:spPr>
           <a:xfrm>
-            <a:off x="4939500" y="724075"/>
+            <a:off x="4939500" y="724200"/>
             <a:ext cx="3837000" cy="3695100"/>
           </a:xfrm>
           <a:prstGeom prst="rect">
@@ -3850,9 +5135,19 @@
               <a:spcAft>
                 <a:spcPts val="0"/>
               </a:spcAft>
+              <a:buClr>
+                <a:schemeClr val="accent1"/>
+              </a:buClr>
               <a:buSzPts val="1800"/>
               <a:buChar char="●"/>
-              <a:defRPr/>
+              <a:defRPr>
+                <a:solidFill>
+                  <a:schemeClr val="accent1"/>
+                </a:solidFill>
+                <a:highlight>
+                  <a:schemeClr val="lt1"/>
+                </a:highlight>
+              </a:defRPr>
             </a:lvl1pPr>
             <a:lvl2pPr indent="-317500" lvl="1" marL="914400">
               <a:spcBef>
@@ -3861,9 +5156,19 @@
               <a:spcAft>
                 <a:spcPts val="0"/>
               </a:spcAft>
+              <a:buClr>
+                <a:schemeClr val="accent1"/>
+              </a:buClr>
               <a:buSzPts val="1400"/>
               <a:buChar char="○"/>
-              <a:defRPr/>
+              <a:defRPr>
+                <a:solidFill>
+                  <a:schemeClr val="accent1"/>
+                </a:solidFill>
+                <a:highlight>
+                  <a:schemeClr val="lt1"/>
+                </a:highlight>
+              </a:defRPr>
             </a:lvl2pPr>
             <a:lvl3pPr indent="-317500" lvl="2" marL="1371600">
               <a:spcBef>
@@ -3872,9 +5177,19 @@
               <a:spcAft>
                 <a:spcPts val="0"/>
               </a:spcAft>
+              <a:buClr>
+                <a:schemeClr val="accent1"/>
+              </a:buClr>
               <a:buSzPts val="1400"/>
               <a:buChar char="■"/>
-              <a:defRPr/>
+              <a:defRPr>
+                <a:solidFill>
+                  <a:schemeClr val="accent1"/>
+                </a:solidFill>
+                <a:highlight>
+                  <a:schemeClr val="lt1"/>
+                </a:highlight>
+              </a:defRPr>
             </a:lvl3pPr>
             <a:lvl4pPr indent="-317500" lvl="3" marL="1828800">
               <a:spcBef>
@@ -3883,9 +5198,19 @@
               <a:spcAft>
                 <a:spcPts val="0"/>
               </a:spcAft>
+              <a:buClr>
+                <a:schemeClr val="accent1"/>
+              </a:buClr>
               <a:buSzPts val="1400"/>
               <a:buChar char="●"/>
-              <a:defRPr/>
+              <a:defRPr>
+                <a:solidFill>
+                  <a:schemeClr val="accent1"/>
+                </a:solidFill>
+                <a:highlight>
+                  <a:schemeClr val="lt1"/>
+                </a:highlight>
+              </a:defRPr>
             </a:lvl4pPr>
             <a:lvl5pPr indent="-317500" lvl="4" marL="2286000">
               <a:spcBef>
@@ -3894,9 +5219,19 @@
               <a:spcAft>
                 <a:spcPts val="0"/>
               </a:spcAft>
+              <a:buClr>
+                <a:schemeClr val="accent1"/>
+              </a:buClr>
               <a:buSzPts val="1400"/>
               <a:buChar char="○"/>
-              <a:defRPr/>
+              <a:defRPr>
+                <a:solidFill>
+                  <a:schemeClr val="accent1"/>
+                </a:solidFill>
+                <a:highlight>
+                  <a:schemeClr val="lt1"/>
+                </a:highlight>
+              </a:defRPr>
             </a:lvl5pPr>
             <a:lvl6pPr indent="-317500" lvl="5" marL="2743200">
               <a:spcBef>
@@ -3905,9 +5240,19 @@
               <a:spcAft>
                 <a:spcPts val="0"/>
               </a:spcAft>
+              <a:buClr>
+                <a:schemeClr val="accent1"/>
+              </a:buClr>
               <a:buSzPts val="1400"/>
               <a:buChar char="■"/>
-              <a:defRPr/>
+              <a:defRPr>
+                <a:solidFill>
+                  <a:schemeClr val="accent1"/>
+                </a:solidFill>
+                <a:highlight>
+                  <a:schemeClr val="lt1"/>
+                </a:highlight>
+              </a:defRPr>
             </a:lvl6pPr>
             <a:lvl7pPr indent="-317500" lvl="6" marL="3200400">
               <a:spcBef>
@@ -3916,9 +5261,19 @@
               <a:spcAft>
                 <a:spcPts val="0"/>
               </a:spcAft>
+              <a:buClr>
+                <a:schemeClr val="accent1"/>
+              </a:buClr>
               <a:buSzPts val="1400"/>
               <a:buChar char="●"/>
-              <a:defRPr/>
+              <a:defRPr>
+                <a:solidFill>
+                  <a:schemeClr val="accent1"/>
+                </a:solidFill>
+                <a:highlight>
+                  <a:schemeClr val="lt1"/>
+                </a:highlight>
+              </a:defRPr>
             </a:lvl7pPr>
             <a:lvl8pPr indent="-317500" lvl="7" marL="3657600">
               <a:spcBef>
@@ -3927,9 +5282,19 @@
               <a:spcAft>
                 <a:spcPts val="0"/>
               </a:spcAft>
+              <a:buClr>
+                <a:schemeClr val="accent1"/>
+              </a:buClr>
               <a:buSzPts val="1400"/>
               <a:buChar char="○"/>
-              <a:defRPr/>
+              <a:defRPr>
+                <a:solidFill>
+                  <a:schemeClr val="accent1"/>
+                </a:solidFill>
+                <a:highlight>
+                  <a:schemeClr val="lt1"/>
+                </a:highlight>
+              </a:defRPr>
             </a:lvl8pPr>
             <a:lvl9pPr indent="-317500" lvl="8" marL="4114800">
               <a:spcBef>
@@ -3938,9 +5303,19 @@
               <a:spcAft>
                 <a:spcPts val="0"/>
               </a:spcAft>
+              <a:buClr>
+                <a:schemeClr val="accent1"/>
+              </a:buClr>
               <a:buSzPts val="1400"/>
               <a:buChar char="■"/>
-              <a:defRPr/>
+              <a:defRPr>
+                <a:solidFill>
+                  <a:schemeClr val="accent1"/>
+                </a:solidFill>
+                <a:highlight>
+                  <a:schemeClr val="lt1"/>
+                </a:highlight>
+              </a:defRPr>
             </a:lvl9pPr>
           </a:lstStyle>
           <a:p/>
@@ -3948,7 +5323,7 @@
       </p:sp>
       <p:sp>
         <p:nvSpPr>
-          <p:cNvPr id="40" name="Google Shape;40;p9"/>
+          <p:cNvPr id="42" name="Google Shape;42;p9"/>
           <p:cNvSpPr txBox="1"/>
           <p:nvPr>
             <p:ph idx="12" type="sldNum"/>
@@ -4036,7 +5411,7 @@
   <p:cSld name="CAPTION_ONLY">
     <p:spTree>
       <p:nvGrpSpPr>
-        <p:cNvPr id="41" name="Shape 41"/>
+        <p:cNvPr id="43" name="Shape 43"/>
         <p:cNvGrpSpPr/>
         <p:nvPr/>
       </p:nvGrpSpPr>
@@ -4050,7 +5425,7 @@
       </p:grpSpPr>
       <p:sp>
         <p:nvSpPr>
-          <p:cNvPr id="42" name="Google Shape;42;p10"/>
+          <p:cNvPr id="44" name="Google Shape;44;p10"/>
           <p:cNvSpPr txBox="1"/>
           <p:nvPr>
             <p:ph idx="1" type="body"/>
@@ -4058,8 +5433,8 @@
         </p:nvSpPr>
         <p:spPr>
           <a:xfrm>
-            <a:off x="311700" y="4230575"/>
-            <a:ext cx="5998800" cy="605100"/>
+            <a:off x="319500" y="4230575"/>
+            <a:ext cx="5998800" cy="598800"/>
           </a:xfrm>
           <a:prstGeom prst="rect">
             <a:avLst/>
@@ -4080,9 +5455,21 @@
               <a:spcAft>
                 <a:spcPts val="0"/>
               </a:spcAft>
-              <a:buSzPts val="1800"/>
-              <a:buNone/>
-              <a:defRPr/>
+              <a:buClr>
+                <a:schemeClr val="accent1"/>
+              </a:buClr>
+              <a:buSzPts val="2400"/>
+              <a:buFont typeface="Amatic SC"/>
+              <a:buNone/>
+              <a:defRPr b="1" sz="2400">
+                <a:solidFill>
+                  <a:schemeClr val="accent1"/>
+                </a:solidFill>
+                <a:latin typeface="Amatic SC"/>
+                <a:ea typeface="Amatic SC"/>
+                <a:cs typeface="Amatic SC"/>
+                <a:sym typeface="Amatic SC"/>
+              </a:defRPr>
             </a:lvl1pPr>
           </a:lstStyle>
           <a:p/>
@@ -4090,7 +5477,7 @@
       </p:sp>
       <p:sp>
         <p:nvSpPr>
-          <p:cNvPr id="43" name="Google Shape;43;p10"/>
+          <p:cNvPr id="45" name="Google Shape;45;p10"/>
           <p:cNvSpPr txBox="1"/>
           <p:nvPr>
             <p:ph idx="12" type="sldNum"/>
@@ -4175,7 +5562,7 @@
 
 <file path=ppt/slideMasters/slideMaster1.xml><?xml version="1.0" encoding="utf-8"?>
 <p:sldMaster xmlns:a="http://schemas.openxmlformats.org/drawingml/2006/main" xmlns:r="http://schemas.openxmlformats.org/officeDocument/2006/relationships" xmlns:mc="http://schemas.openxmlformats.org/markup-compatibility/2006" xmlns:mv="urn:schemas-microsoft-com:mac:vml" xmlns:p="http://schemas.openxmlformats.org/presentationml/2006/main" xmlns:c="http://schemas.openxmlformats.org/drawingml/2006/chart" xmlns:dgm="http://schemas.openxmlformats.org/drawingml/2006/diagram" xmlns:o="urn:schemas-microsoft-com:office:office" xmlns:v="urn:schemas-microsoft-com:vml" xmlns:pvml="urn:schemas-microsoft-com:office:powerpoint" xmlns:com="http://schemas.openxmlformats.org/drawingml/2006/compatibility" xmlns:p14="http://schemas.microsoft.com/office/powerpoint/2010/main" xmlns:p15="http://schemas.microsoft.com/office/powerpoint/2012/main" xmlns:ahyp="http://schemas.microsoft.com/office/drawing/2018/hyperlinkcolor">
-  <p:cSld name="simple-light-2">
+  <p:cSld name="beach-day">
     <p:bg>
       <p:bgPr>
         <a:solidFill>
@@ -4207,8 +5594,8 @@
         </p:nvSpPr>
         <p:spPr>
           <a:xfrm>
-            <a:off x="311700" y="445025"/>
-            <a:ext cx="8520600" cy="572700"/>
+            <a:off x="311700" y="292850"/>
+            <a:ext cx="8520600" cy="801000"/>
           </a:xfrm>
           <a:prstGeom prst="rect">
             <a:avLst/>
@@ -4231,14 +5618,19 @@
                 <a:spcPts val="0"/>
               </a:spcAft>
               <a:buClr>
-                <a:schemeClr val="dk1"/>
+                <a:schemeClr val="accent1"/>
               </a:buClr>
-              <a:buSzPts val="2800"/>
-              <a:buNone/>
-              <a:defRPr sz="2800">
+              <a:buSzPts val="4200"/>
+              <a:buFont typeface="Amatic SC"/>
+              <a:buNone/>
+              <a:defRPr b="1" sz="4200">
                 <a:solidFill>
-                  <a:schemeClr val="dk1"/>
+                  <a:schemeClr val="accent1"/>
                 </a:solidFill>
+                <a:latin typeface="Amatic SC"/>
+                <a:ea typeface="Amatic SC"/>
+                <a:cs typeface="Amatic SC"/>
+                <a:sym typeface="Amatic SC"/>
               </a:defRPr>
             </a:lvl1pPr>
             <a:lvl2pPr lvl="1">
@@ -4249,14 +5641,19 @@
                 <a:spcPts val="0"/>
               </a:spcAft>
               <a:buClr>
-                <a:schemeClr val="dk1"/>
+                <a:schemeClr val="accent1"/>
               </a:buClr>
-              <a:buSzPts val="2800"/>
-              <a:buNone/>
-              <a:defRPr sz="2800">
+              <a:buSzPts val="4200"/>
+              <a:buFont typeface="Amatic SC"/>
+              <a:buNone/>
+              <a:defRPr b="1" sz="4200">
                 <a:solidFill>
-                  <a:schemeClr val="dk1"/>
+                  <a:schemeClr val="accent1"/>
                 </a:solidFill>
+                <a:latin typeface="Amatic SC"/>
+                <a:ea typeface="Amatic SC"/>
+                <a:cs typeface="Amatic SC"/>
+                <a:sym typeface="Amatic SC"/>
               </a:defRPr>
             </a:lvl2pPr>
             <a:lvl3pPr lvl="2">
@@ -4267,14 +5664,19 @@
                 <a:spcPts val="0"/>
               </a:spcAft>
               <a:buClr>
-                <a:schemeClr val="dk1"/>
+                <a:schemeClr val="accent1"/>
               </a:buClr>
-              <a:buSzPts val="2800"/>
-              <a:buNone/>
-              <a:defRPr sz="2800">
+              <a:buSzPts val="4200"/>
+              <a:buFont typeface="Amatic SC"/>
+              <a:buNone/>
+              <a:defRPr b="1" sz="4200">
                 <a:solidFill>
-                  <a:schemeClr val="dk1"/>
+                  <a:schemeClr val="accent1"/>
                 </a:solidFill>
+                <a:latin typeface="Amatic SC"/>
+                <a:ea typeface="Amatic SC"/>
+                <a:cs typeface="Amatic SC"/>
+                <a:sym typeface="Amatic SC"/>
               </a:defRPr>
             </a:lvl3pPr>
             <a:lvl4pPr lvl="3">
@@ -4285,14 +5687,19 @@
                 <a:spcPts val="0"/>
               </a:spcAft>
               <a:buClr>
-                <a:schemeClr val="dk1"/>
+                <a:schemeClr val="accent1"/>
               </a:buClr>
-              <a:buSzPts val="2800"/>
-              <a:buNone/>
-              <a:defRPr sz="2800">
+              <a:buSzPts val="4200"/>
+              <a:buFont typeface="Amatic SC"/>
+              <a:buNone/>
+              <a:defRPr b="1" sz="4200">
                 <a:solidFill>
-                  <a:schemeClr val="dk1"/>
+                  <a:schemeClr val="accent1"/>
                 </a:solidFill>
+                <a:latin typeface="Amatic SC"/>
+                <a:ea typeface="Amatic SC"/>
+                <a:cs typeface="Amatic SC"/>
+                <a:sym typeface="Amatic SC"/>
               </a:defRPr>
             </a:lvl4pPr>
             <a:lvl5pPr lvl="4">
@@ -4303,14 +5710,19 @@
                 <a:spcPts val="0"/>
               </a:spcAft>
               <a:buClr>
-                <a:schemeClr val="dk1"/>
+                <a:schemeClr val="accent1"/>
               </a:buClr>
-              <a:buSzPts val="2800"/>
-              <a:buNone/>
-              <a:defRPr sz="2800">
+              <a:buSzPts val="4200"/>
+              <a:buFont typeface="Amatic SC"/>
+              <a:buNone/>
+              <a:defRPr b="1" sz="4200">
                 <a:solidFill>
-                  <a:schemeClr val="dk1"/>
+                  <a:schemeClr val="accent1"/>
                 </a:solidFill>
+                <a:latin typeface="Amatic SC"/>
+                <a:ea typeface="Amatic SC"/>
+                <a:cs typeface="Amatic SC"/>
+                <a:sym typeface="Amatic SC"/>
               </a:defRPr>
             </a:lvl5pPr>
             <a:lvl6pPr lvl="5">
@@ -4321,14 +5733,19 @@
                 <a:spcPts val="0"/>
               </a:spcAft>
               <a:buClr>
-                <a:schemeClr val="dk1"/>
+                <a:schemeClr val="accent1"/>
               </a:buClr>
-              <a:buSzPts val="2800"/>
-              <a:buNone/>
-              <a:defRPr sz="2800">
+              <a:buSzPts val="4200"/>
+              <a:buFont typeface="Amatic SC"/>
+              <a:buNone/>
+              <a:defRPr b="1" sz="4200">
                 <a:solidFill>
-                  <a:schemeClr val="dk1"/>
+                  <a:schemeClr val="accent1"/>
                 </a:solidFill>
+                <a:latin typeface="Amatic SC"/>
+                <a:ea typeface="Amatic SC"/>
+                <a:cs typeface="Amatic SC"/>
+                <a:sym typeface="Amatic SC"/>
               </a:defRPr>
             </a:lvl6pPr>
             <a:lvl7pPr lvl="6">
@@ -4339,14 +5756,19 @@
                 <a:spcPts val="0"/>
               </a:spcAft>
               <a:buClr>
-                <a:schemeClr val="dk1"/>
+                <a:schemeClr val="accent1"/>
               </a:buClr>
-              <a:buSzPts val="2800"/>
-              <a:buNone/>
-              <a:defRPr sz="2800">
+              <a:buSzPts val="4200"/>
+              <a:buFont typeface="Amatic SC"/>
+              <a:buNone/>
+              <a:defRPr b="1" sz="4200">
                 <a:solidFill>
-                  <a:schemeClr val="dk1"/>
+                  <a:schemeClr val="accent1"/>
                 </a:solidFill>
+                <a:latin typeface="Amatic SC"/>
+                <a:ea typeface="Amatic SC"/>
+                <a:cs typeface="Amatic SC"/>
+                <a:sym typeface="Amatic SC"/>
               </a:defRPr>
             </a:lvl7pPr>
             <a:lvl8pPr lvl="7">
@@ -4357,14 +5779,19 @@
                 <a:spcPts val="0"/>
               </a:spcAft>
               <a:buClr>
-                <a:schemeClr val="dk1"/>
+                <a:schemeClr val="accent1"/>
               </a:buClr>
-              <a:buSzPts val="2800"/>
-              <a:buNone/>
-              <a:defRPr sz="2800">
+              <a:buSzPts val="4200"/>
+              <a:buFont typeface="Amatic SC"/>
+              <a:buNone/>
+              <a:defRPr b="1" sz="4200">
                 <a:solidFill>
-                  <a:schemeClr val="dk1"/>
+                  <a:schemeClr val="accent1"/>
                 </a:solidFill>
+                <a:latin typeface="Amatic SC"/>
+                <a:ea typeface="Amatic SC"/>
+                <a:cs typeface="Amatic SC"/>
+                <a:sym typeface="Amatic SC"/>
               </a:defRPr>
             </a:lvl8pPr>
             <a:lvl9pPr lvl="8">
@@ -4375,14 +5802,19 @@
                 <a:spcPts val="0"/>
               </a:spcAft>
               <a:buClr>
-                <a:schemeClr val="dk1"/>
+                <a:schemeClr val="accent1"/>
               </a:buClr>
-              <a:buSzPts val="2800"/>
-              <a:buNone/>
-              <a:defRPr sz="2800">
+              <a:buSzPts val="4200"/>
+              <a:buFont typeface="Amatic SC"/>
+              <a:buNone/>
+              <a:defRPr b="1" sz="4200">
                 <a:solidFill>
-                  <a:schemeClr val="dk1"/>
+                  <a:schemeClr val="accent1"/>
                 </a:solidFill>
+                <a:latin typeface="Amatic SC"/>
+                <a:ea typeface="Amatic SC"/>
+                <a:cs typeface="Amatic SC"/>
+                <a:sym typeface="Amatic SC"/>
               </a:defRPr>
             </a:lvl9pPr>
           </a:lstStyle>
@@ -4399,8 +5831,8 @@
         </p:nvSpPr>
         <p:spPr>
           <a:xfrm>
-            <a:off x="311700" y="1152475"/>
-            <a:ext cx="8520600" cy="3416400"/>
+            <a:off x="311700" y="1228675"/>
+            <a:ext cx="8520600" cy="3340200"/>
           </a:xfrm>
           <a:prstGeom prst="rect">
             <a:avLst/>
@@ -4429,11 +5861,16 @@
                 <a:schemeClr val="dk2"/>
               </a:buClr>
               <a:buSzPts val="1800"/>
+              <a:buFont typeface="Source Code Pro"/>
               <a:buChar char="●"/>
               <a:defRPr sz="1800">
                 <a:solidFill>
                   <a:schemeClr val="dk2"/>
                 </a:solidFill>
+                <a:latin typeface="Source Code Pro"/>
+                <a:ea typeface="Source Code Pro"/>
+                <a:cs typeface="Source Code Pro"/>
+                <a:sym typeface="Source Code Pro"/>
               </a:defRPr>
             </a:lvl1pPr>
             <a:lvl2pPr indent="-317500" lvl="1" marL="914400">
@@ -4450,11 +5887,16 @@
                 <a:schemeClr val="dk2"/>
               </a:buClr>
               <a:buSzPts val="1400"/>
+              <a:buFont typeface="Source Code Pro"/>
               <a:buChar char="○"/>
               <a:defRPr>
                 <a:solidFill>
                   <a:schemeClr val="dk2"/>
                 </a:solidFill>
+                <a:latin typeface="Source Code Pro"/>
+                <a:ea typeface="Source Code Pro"/>
+                <a:cs typeface="Source Code Pro"/>
+                <a:sym typeface="Source Code Pro"/>
               </a:defRPr>
             </a:lvl2pPr>
             <a:lvl3pPr indent="-317500" lvl="2" marL="1371600">
@@ -4471,11 +5913,16 @@
                 <a:schemeClr val="dk2"/>
               </a:buClr>
               <a:buSzPts val="1400"/>
+              <a:buFont typeface="Source Code Pro"/>
               <a:buChar char="■"/>
               <a:defRPr>
                 <a:solidFill>
                   <a:schemeClr val="dk2"/>
                 </a:solidFill>
+                <a:latin typeface="Source Code Pro"/>
+                <a:ea typeface="Source Code Pro"/>
+                <a:cs typeface="Source Code Pro"/>
+                <a:sym typeface="Source Code Pro"/>
               </a:defRPr>
             </a:lvl3pPr>
             <a:lvl4pPr indent="-317500" lvl="3" marL="1828800">
@@ -4492,11 +5939,16 @@
                 <a:schemeClr val="dk2"/>
               </a:buClr>
               <a:buSzPts val="1400"/>
+              <a:buFont typeface="Source Code Pro"/>
               <a:buChar char="●"/>
               <a:defRPr>
                 <a:solidFill>
                   <a:schemeClr val="dk2"/>
                 </a:solidFill>
+                <a:latin typeface="Source Code Pro"/>
+                <a:ea typeface="Source Code Pro"/>
+                <a:cs typeface="Source Code Pro"/>
+                <a:sym typeface="Source Code Pro"/>
               </a:defRPr>
             </a:lvl4pPr>
             <a:lvl5pPr indent="-317500" lvl="4" marL="2286000">
@@ -4513,11 +5965,16 @@
                 <a:schemeClr val="dk2"/>
               </a:buClr>
               <a:buSzPts val="1400"/>
+              <a:buFont typeface="Source Code Pro"/>
               <a:buChar char="○"/>
               <a:defRPr>
                 <a:solidFill>
                   <a:schemeClr val="dk2"/>
                 </a:solidFill>
+                <a:latin typeface="Source Code Pro"/>
+                <a:ea typeface="Source Code Pro"/>
+                <a:cs typeface="Source Code Pro"/>
+                <a:sym typeface="Source Code Pro"/>
               </a:defRPr>
             </a:lvl5pPr>
             <a:lvl6pPr indent="-317500" lvl="5" marL="2743200">
@@ -4534,11 +5991,16 @@
                 <a:schemeClr val="dk2"/>
               </a:buClr>
               <a:buSzPts val="1400"/>
+              <a:buFont typeface="Source Code Pro"/>
               <a:buChar char="■"/>
               <a:defRPr>
                 <a:solidFill>
                   <a:schemeClr val="dk2"/>
                 </a:solidFill>
+                <a:latin typeface="Source Code Pro"/>
+                <a:ea typeface="Source Code Pro"/>
+                <a:cs typeface="Source Code Pro"/>
+                <a:sym typeface="Source Code Pro"/>
               </a:defRPr>
             </a:lvl6pPr>
             <a:lvl7pPr indent="-317500" lvl="6" marL="3200400">
@@ -4555,11 +6017,16 @@
                 <a:schemeClr val="dk2"/>
               </a:buClr>
               <a:buSzPts val="1400"/>
+              <a:buFont typeface="Source Code Pro"/>
               <a:buChar char="●"/>
               <a:defRPr>
                 <a:solidFill>
                   <a:schemeClr val="dk2"/>
                 </a:solidFill>
+                <a:latin typeface="Source Code Pro"/>
+                <a:ea typeface="Source Code Pro"/>
+                <a:cs typeface="Source Code Pro"/>
+                <a:sym typeface="Source Code Pro"/>
               </a:defRPr>
             </a:lvl7pPr>
             <a:lvl8pPr indent="-317500" lvl="7" marL="3657600">
@@ -4576,11 +6043,16 @@
                 <a:schemeClr val="dk2"/>
               </a:buClr>
               <a:buSzPts val="1400"/>
+              <a:buFont typeface="Source Code Pro"/>
               <a:buChar char="○"/>
               <a:defRPr>
                 <a:solidFill>
                   <a:schemeClr val="dk2"/>
                 </a:solidFill>
+                <a:latin typeface="Source Code Pro"/>
+                <a:ea typeface="Source Code Pro"/>
+                <a:cs typeface="Source Code Pro"/>
+                <a:sym typeface="Source Code Pro"/>
               </a:defRPr>
             </a:lvl8pPr>
             <a:lvl9pPr indent="-317500" lvl="8" marL="4114800">
@@ -4597,11 +6069,16 @@
                 <a:schemeClr val="dk2"/>
               </a:buClr>
               <a:buSzPts val="1400"/>
+              <a:buFont typeface="Source Code Pro"/>
               <a:buChar char="■"/>
               <a:defRPr>
                 <a:solidFill>
                   <a:schemeClr val="dk2"/>
                 </a:solidFill>
+                <a:latin typeface="Source Code Pro"/>
+                <a:ea typeface="Source Code Pro"/>
+                <a:cs typeface="Source Code Pro"/>
+                <a:sym typeface="Source Code Pro"/>
               </a:defRPr>
             </a:lvl9pPr>
           </a:lstStyle>
@@ -4638,72 +6115,108 @@
               <a:buNone/>
               <a:defRPr sz="1000">
                 <a:solidFill>
-                  <a:schemeClr val="dk2"/>
+                  <a:schemeClr val="accent1"/>
                 </a:solidFill>
+                <a:latin typeface="Source Code Pro"/>
+                <a:ea typeface="Source Code Pro"/>
+                <a:cs typeface="Source Code Pro"/>
+                <a:sym typeface="Source Code Pro"/>
               </a:defRPr>
             </a:lvl1pPr>
             <a:lvl2pPr lvl="1" algn="r">
               <a:buNone/>
               <a:defRPr sz="1000">
                 <a:solidFill>
-                  <a:schemeClr val="dk2"/>
+                  <a:schemeClr val="accent1"/>
                 </a:solidFill>
+                <a:latin typeface="Source Code Pro"/>
+                <a:ea typeface="Source Code Pro"/>
+                <a:cs typeface="Source Code Pro"/>
+                <a:sym typeface="Source Code Pro"/>
               </a:defRPr>
             </a:lvl2pPr>
             <a:lvl3pPr lvl="2" algn="r">
               <a:buNone/>
               <a:defRPr sz="1000">
                 <a:solidFill>
-                  <a:schemeClr val="dk2"/>
+                  <a:schemeClr val="accent1"/>
                 </a:solidFill>
+                <a:latin typeface="Source Code Pro"/>
+                <a:ea typeface="Source Code Pro"/>
+                <a:cs typeface="Source Code Pro"/>
+                <a:sym typeface="Source Code Pro"/>
               </a:defRPr>
             </a:lvl3pPr>
             <a:lvl4pPr lvl="3" algn="r">
               <a:buNone/>
               <a:defRPr sz="1000">
                 <a:solidFill>
-                  <a:schemeClr val="dk2"/>
+                  <a:schemeClr val="accent1"/>
                 </a:solidFill>
+                <a:latin typeface="Source Code Pro"/>
+                <a:ea typeface="Source Code Pro"/>
+                <a:cs typeface="Source Code Pro"/>
+                <a:sym typeface="Source Code Pro"/>
               </a:defRPr>
             </a:lvl4pPr>
             <a:lvl5pPr lvl="4" algn="r">
               <a:buNone/>
               <a:defRPr sz="1000">
                 <a:solidFill>
-                  <a:schemeClr val="dk2"/>
+                  <a:schemeClr val="accent1"/>
                 </a:solidFill>
+                <a:latin typeface="Source Code Pro"/>
+                <a:ea typeface="Source Code Pro"/>
+                <a:cs typeface="Source Code Pro"/>
+                <a:sym typeface="Source Code Pro"/>
               </a:defRPr>
             </a:lvl5pPr>
             <a:lvl6pPr lvl="5" algn="r">
               <a:buNone/>
               <a:defRPr sz="1000">
                 <a:solidFill>
-                  <a:schemeClr val="dk2"/>
+                  <a:schemeClr val="accent1"/>
                 </a:solidFill>
+                <a:latin typeface="Source Code Pro"/>
+                <a:ea typeface="Source Code Pro"/>
+                <a:cs typeface="Source Code Pro"/>
+                <a:sym typeface="Source Code Pro"/>
               </a:defRPr>
             </a:lvl6pPr>
             <a:lvl7pPr lvl="6" algn="r">
               <a:buNone/>
               <a:defRPr sz="1000">
                 <a:solidFill>
-                  <a:schemeClr val="dk2"/>
+                  <a:schemeClr val="accent1"/>
                 </a:solidFill>
+                <a:latin typeface="Source Code Pro"/>
+                <a:ea typeface="Source Code Pro"/>
+                <a:cs typeface="Source Code Pro"/>
+                <a:sym typeface="Source Code Pro"/>
               </a:defRPr>
             </a:lvl7pPr>
             <a:lvl8pPr lvl="7" algn="r">
               <a:buNone/>
               <a:defRPr sz="1000">
                 <a:solidFill>
-                  <a:schemeClr val="dk2"/>
+                  <a:schemeClr val="accent1"/>
                 </a:solidFill>
+                <a:latin typeface="Source Code Pro"/>
+                <a:ea typeface="Source Code Pro"/>
+                <a:cs typeface="Source Code Pro"/>
+                <a:sym typeface="Source Code Pro"/>
               </a:defRPr>
             </a:lvl8pPr>
             <a:lvl9pPr lvl="8" algn="r">
               <a:buNone/>
               <a:defRPr sz="1000">
                 <a:solidFill>
-                  <a:schemeClr val="dk2"/>
+                  <a:schemeClr val="accent1"/>
                 </a:solidFill>
+                <a:latin typeface="Source Code Pro"/>
+                <a:ea typeface="Source Code Pro"/>
+                <a:cs typeface="Source Code Pro"/>
+                <a:sym typeface="Source Code Pro"/>
               </a:defRPr>
             </a:lvl9pPr>
           </a:lstStyle>
@@ -5439,7 +6952,7 @@
   <p:cSld>
     <p:spTree>
       <p:nvGrpSpPr>
-        <p:cNvPr id="53" name="Shape 53"/>
+        <p:cNvPr id="55" name="Shape 55"/>
         <p:cNvGrpSpPr/>
         <p:nvPr/>
       </p:nvGrpSpPr>
@@ -5453,7 +6966,7 @@
       </p:grpSpPr>
       <p:sp>
         <p:nvSpPr>
-          <p:cNvPr id="54" name="Google Shape;54;p13"/>
+          <p:cNvPr id="56" name="Google Shape;56;p13"/>
           <p:cNvSpPr txBox="1"/>
           <p:nvPr>
             <p:ph type="ctrTitle"/>
@@ -5461,15 +6974,15 @@
         </p:nvSpPr>
         <p:spPr>
           <a:xfrm>
-            <a:off x="311708" y="744575"/>
-            <a:ext cx="8520600" cy="2052600"/>
+            <a:off x="311700" y="392150"/>
+            <a:ext cx="8520600" cy="2690400"/>
           </a:xfrm>
           <a:prstGeom prst="rect">
             <a:avLst/>
           </a:prstGeom>
         </p:spPr>
         <p:txBody>
-          <a:bodyPr anchorCtr="0" anchor="b" bIns="91425" lIns="91425" spcFirstLastPara="1" rIns="91425" wrap="square" tIns="91425">
+          <a:bodyPr anchorCtr="0" anchor="ctr" bIns="91425" lIns="91425" spcFirstLastPara="1" rIns="91425" wrap="square" tIns="91425">
             <a:normAutofit/>
           </a:bodyPr>
           <a:lstStyle/>
@@ -5484,7 +6997,217 @@
               <a:buNone/>
             </a:pPr>
             <a:r>
+              <a:rPr lang="es-419"/>
+              <a:t>Proyecto </a:t>
+            </a:r>
+            <a:r>
+              <a:rPr lang="es-419"/>
+              <a:t>capstone</a:t>
+            </a:r>
+            <a:r>
+              <a:rPr lang="es-419"/>
+              <a:t> </a:t>
+            </a:r>
+            <a:br>
+              <a:rPr lang="es-419"/>
+            </a:br>
+            <a:r>
+              <a:rPr lang="es-419"/>
+              <a:t>‘</a:t>
+            </a:r>
+            <a:r>
+              <a:rPr lang="es-419" sz="4000"/>
+              <a:t>Seguro A casa’</a:t>
+            </a:r>
+            <a:endParaRPr sz="4000"/>
+          </a:p>
+        </p:txBody>
+      </p:sp>
+      <p:sp>
+        <p:nvSpPr>
+          <p:cNvPr id="57" name="Google Shape;57;p13"/>
+          <p:cNvSpPr txBox="1"/>
+          <p:nvPr>
+            <p:ph idx="1" type="subTitle"/>
+          </p:nvPr>
+        </p:nvSpPr>
+        <p:spPr>
+          <a:xfrm>
+            <a:off x="311700" y="2797175"/>
+            <a:ext cx="5186700" cy="792600"/>
+          </a:xfrm>
+          <a:prstGeom prst="rect">
+            <a:avLst/>
+          </a:prstGeom>
+        </p:spPr>
+        <p:txBody>
+          <a:bodyPr anchorCtr="0" anchor="ctr" bIns="91425" lIns="91425" spcFirstLastPara="1" rIns="91425" wrap="square" tIns="91425">
+            <a:normAutofit fontScale="77500" lnSpcReduction="10000"/>
+          </a:bodyPr>
+          <a:lstStyle/>
+          <a:p>
+            <a:pPr indent="0" lvl="0" marL="0" rtl="0" algn="just">
+              <a:lnSpc>
+                <a:spcPct val="80000"/>
+              </a:lnSpc>
+              <a:spcBef>
+                <a:spcPts val="0"/>
+              </a:spcBef>
+              <a:spcAft>
+                <a:spcPts val="0"/>
+              </a:spcAft>
+              <a:buSzPct val="66785"/>
+              <a:buNone/>
+            </a:pPr>
+            <a:r>
+              <a:rPr lang="es-419" sz="1400"/>
+              <a:t>Integrantes: Diego Abarca, Francisco Reyes y Guillermo </a:t>
+            </a:r>
+            <a:r>
+              <a:rPr lang="es-419" sz="1400"/>
+              <a:t>Marín</a:t>
+            </a:r>
+            <a:endParaRPr sz="1400"/>
+          </a:p>
+          <a:p>
+            <a:pPr indent="0" lvl="0" marL="0" rtl="0" algn="just">
+              <a:lnSpc>
+                <a:spcPct val="80000"/>
+              </a:lnSpc>
+              <a:spcBef>
+                <a:spcPts val="0"/>
+              </a:spcBef>
+              <a:spcAft>
+                <a:spcPts val="0"/>
+              </a:spcAft>
+              <a:buSzPct val="66785"/>
+              <a:buNone/>
+            </a:pPr>
+            <a:r>
               <a:t/>
+            </a:r>
+            <a:endParaRPr sz="1400"/>
+          </a:p>
+          <a:p>
+            <a:pPr indent="0" lvl="0" marL="0" rtl="0" algn="just">
+              <a:lnSpc>
+                <a:spcPct val="80000"/>
+              </a:lnSpc>
+              <a:spcBef>
+                <a:spcPts val="0"/>
+              </a:spcBef>
+              <a:spcAft>
+                <a:spcPts val="0"/>
+              </a:spcAft>
+              <a:buSzPct val="66785"/>
+              <a:buNone/>
+            </a:pPr>
+            <a:r>
+              <a:rPr lang="es-419" sz="1400"/>
+              <a:t>Fecha: 01/09/2024</a:t>
+            </a:r>
+            <a:endParaRPr sz="1400"/>
+          </a:p>
+          <a:p>
+            <a:pPr indent="0" lvl="0" marL="0" rtl="0" algn="l">
+              <a:lnSpc>
+                <a:spcPct val="80000"/>
+              </a:lnSpc>
+              <a:spcBef>
+                <a:spcPts val="0"/>
+              </a:spcBef>
+              <a:spcAft>
+                <a:spcPts val="0"/>
+              </a:spcAft>
+              <a:buSzPct val="66785"/>
+              <a:buNone/>
+            </a:pPr>
+            <a:r>
+              <a:t/>
+            </a:r>
+            <a:endParaRPr sz="1400"/>
+          </a:p>
+          <a:p>
+            <a:pPr indent="0" lvl="0" marL="0" rtl="0" algn="l">
+              <a:lnSpc>
+                <a:spcPct val="80000"/>
+              </a:lnSpc>
+              <a:spcBef>
+                <a:spcPts val="0"/>
+              </a:spcBef>
+              <a:spcAft>
+                <a:spcPts val="0"/>
+              </a:spcAft>
+              <a:buSzPct val="66785"/>
+              <a:buNone/>
+            </a:pPr>
+            <a:r>
+              <a:t/>
+            </a:r>
+            <a:endParaRPr sz="1400"/>
+          </a:p>
+        </p:txBody>
+      </p:sp>
+    </p:spTree>
+  </p:cSld>
+  <p:clrMapOvr>
+    <a:masterClrMapping/>
+  </p:clrMapOvr>
+</p:sld>
+</file>
+
+<file path=ppt/slides/slide2.xml><?xml version="1.0" encoding="utf-8"?>
+<p:sld xmlns:a="http://schemas.openxmlformats.org/drawingml/2006/main" xmlns:r="http://schemas.openxmlformats.org/officeDocument/2006/relationships" xmlns:mc="http://schemas.openxmlformats.org/markup-compatibility/2006" xmlns:mv="urn:schemas-microsoft-com:mac:vml" xmlns:p="http://schemas.openxmlformats.org/presentationml/2006/main" xmlns:c="http://schemas.openxmlformats.org/drawingml/2006/chart" xmlns:dgm="http://schemas.openxmlformats.org/drawingml/2006/diagram" xmlns:o="urn:schemas-microsoft-com:office:office" xmlns:v="urn:schemas-microsoft-com:vml" xmlns:pvml="urn:schemas-microsoft-com:office:powerpoint" xmlns:com="http://schemas.openxmlformats.org/drawingml/2006/compatibility" xmlns:p14="http://schemas.microsoft.com/office/powerpoint/2010/main" xmlns:p15="http://schemas.microsoft.com/office/powerpoint/2012/main" xmlns:ahyp="http://schemas.microsoft.com/office/drawing/2018/hyperlinkcolor">
+  <p:cSld>
+    <p:spTree>
+      <p:nvGrpSpPr>
+        <p:cNvPr id="61" name="Shape 61"/>
+        <p:cNvGrpSpPr/>
+        <p:nvPr/>
+      </p:nvGrpSpPr>
+      <p:grpSpPr>
+        <a:xfrm>
+          <a:off x="0" y="0"/>
+          <a:ext cx="0" cy="0"/>
+          <a:chOff x="0" y="0"/>
+          <a:chExt cx="0" cy="0"/>
+        </a:xfrm>
+      </p:grpSpPr>
+      <p:sp>
+        <p:nvSpPr>
+          <p:cNvPr id="62" name="Google Shape;62;p14"/>
+          <p:cNvSpPr txBox="1"/>
+          <p:nvPr>
+            <p:ph type="title"/>
+          </p:nvPr>
+        </p:nvSpPr>
+        <p:spPr>
+          <a:xfrm>
+            <a:off x="311700" y="292850"/>
+            <a:ext cx="8520600" cy="801000"/>
+          </a:xfrm>
+          <a:prstGeom prst="rect">
+            <a:avLst/>
+          </a:prstGeom>
+        </p:spPr>
+        <p:txBody>
+          <a:bodyPr anchorCtr="0" anchor="t" bIns="91425" lIns="91425" spcFirstLastPara="1" rIns="91425" wrap="square" tIns="91425">
+            <a:normAutofit fontScale="90000"/>
+          </a:bodyPr>
+          <a:lstStyle/>
+          <a:p>
+            <a:pPr indent="0" lvl="0" marL="0" rtl="0" algn="l">
+              <a:spcBef>
+                <a:spcPts val="0"/>
+              </a:spcBef>
+              <a:spcAft>
+                <a:spcPts val="0"/>
+              </a:spcAft>
+              <a:buNone/>
+            </a:pPr>
+            <a:r>
+              <a:rPr lang="es-419"/>
+              <a:t>Problemática.</a:t>
             </a:r>
             <a:endParaRPr/>
           </a:p>
@@ -5492,16 +7215,16 @@
       </p:sp>
       <p:sp>
         <p:nvSpPr>
-          <p:cNvPr id="55" name="Google Shape;55;p13"/>
+          <p:cNvPr id="63" name="Google Shape;63;p14"/>
           <p:cNvSpPr txBox="1"/>
           <p:nvPr>
-            <p:ph idx="1" type="subTitle"/>
+            <p:ph idx="1" type="body"/>
           </p:nvPr>
         </p:nvSpPr>
         <p:spPr>
           <a:xfrm>
-            <a:off x="311700" y="2834125"/>
-            <a:ext cx="8520600" cy="792600"/>
+            <a:off x="311700" y="1093850"/>
+            <a:ext cx="8520600" cy="3340200"/>
           </a:xfrm>
           <a:prstGeom prst="rect">
             <a:avLst/>
@@ -5513,12 +7236,896 @@
           </a:bodyPr>
           <a:lstStyle/>
           <a:p>
-            <a:pPr indent="0" lvl="0" marL="0" rtl="0" algn="ctr">
-              <a:spcBef>
-                <a:spcPts val="0"/>
-              </a:spcBef>
-              <a:spcAft>
-                <a:spcPts val="0"/>
+            <a:pPr indent="0" lvl="0" marL="0" rtl="0" algn="l">
+              <a:spcBef>
+                <a:spcPts val="0"/>
+              </a:spcBef>
+              <a:spcAft>
+                <a:spcPts val="1200"/>
+              </a:spcAft>
+              <a:buNone/>
+            </a:pPr>
+            <a:r>
+              <a:rPr lang="es-419"/>
+              <a:t>La problemática que </a:t>
+            </a:r>
+            <a:r>
+              <a:rPr lang="es-419"/>
+              <a:t>nosotros</a:t>
+            </a:r>
+            <a:r>
+              <a:rPr lang="es-419"/>
+              <a:t> intentamos resolver con nuestro proyecto de React Native con Expo es la falta de seguimiento y control en tiempo real de los vehículos escolares. Actualmente, muchos padres y administradores carecen de una forma eficiente de monitorear la ubicación de los buses escolares, lo que puede generar incertidumbre y preocupaciones sobre la seguridad de los estudiantes.</a:t>
+            </a:r>
+            <a:endParaRPr/>
+          </a:p>
+        </p:txBody>
+      </p:sp>
+    </p:spTree>
+  </p:cSld>
+  <p:clrMapOvr>
+    <a:masterClrMapping/>
+  </p:clrMapOvr>
+</p:sld>
+</file>
+
+<file path=ppt/slides/slide3.xml><?xml version="1.0" encoding="utf-8"?>
+<p:sld xmlns:a="http://schemas.openxmlformats.org/drawingml/2006/main" xmlns:r="http://schemas.openxmlformats.org/officeDocument/2006/relationships" xmlns:mc="http://schemas.openxmlformats.org/markup-compatibility/2006" xmlns:mv="urn:schemas-microsoft-com:mac:vml" xmlns:p="http://schemas.openxmlformats.org/presentationml/2006/main" xmlns:c="http://schemas.openxmlformats.org/drawingml/2006/chart" xmlns:dgm="http://schemas.openxmlformats.org/drawingml/2006/diagram" xmlns:o="urn:schemas-microsoft-com:office:office" xmlns:v="urn:schemas-microsoft-com:vml" xmlns:pvml="urn:schemas-microsoft-com:office:powerpoint" xmlns:com="http://schemas.openxmlformats.org/drawingml/2006/compatibility" xmlns:p14="http://schemas.microsoft.com/office/powerpoint/2010/main" xmlns:p15="http://schemas.microsoft.com/office/powerpoint/2012/main" xmlns:ahyp="http://schemas.microsoft.com/office/drawing/2018/hyperlinkcolor">
+  <p:cSld>
+    <p:spTree>
+      <p:nvGrpSpPr>
+        <p:cNvPr id="67" name="Shape 67"/>
+        <p:cNvGrpSpPr/>
+        <p:nvPr/>
+      </p:nvGrpSpPr>
+      <p:grpSpPr>
+        <a:xfrm>
+          <a:off x="0" y="0"/>
+          <a:ext cx="0" cy="0"/>
+          <a:chOff x="0" y="0"/>
+          <a:chExt cx="0" cy="0"/>
+        </a:xfrm>
+      </p:grpSpPr>
+      <p:sp>
+        <p:nvSpPr>
+          <p:cNvPr id="68" name="Google Shape;68;p15"/>
+          <p:cNvSpPr txBox="1"/>
+          <p:nvPr>
+            <p:ph type="title"/>
+          </p:nvPr>
+        </p:nvSpPr>
+        <p:spPr>
+          <a:xfrm>
+            <a:off x="311700" y="292850"/>
+            <a:ext cx="8520600" cy="801000"/>
+          </a:xfrm>
+          <a:prstGeom prst="rect">
+            <a:avLst/>
+          </a:prstGeom>
+        </p:spPr>
+        <p:txBody>
+          <a:bodyPr anchorCtr="0" anchor="t" bIns="91425" lIns="91425" spcFirstLastPara="1" rIns="91425" wrap="square" tIns="91425">
+            <a:normAutofit fontScale="90000"/>
+          </a:bodyPr>
+          <a:lstStyle/>
+          <a:p>
+            <a:pPr indent="0" lvl="0" marL="0" rtl="0" algn="l">
+              <a:spcBef>
+                <a:spcPts val="0"/>
+              </a:spcBef>
+              <a:spcAft>
+                <a:spcPts val="0"/>
+              </a:spcAft>
+              <a:buNone/>
+            </a:pPr>
+            <a:r>
+              <a:rPr lang="es-419"/>
+              <a:t>Solución.</a:t>
+            </a:r>
+            <a:endParaRPr/>
+          </a:p>
+        </p:txBody>
+      </p:sp>
+      <p:sp>
+        <p:nvSpPr>
+          <p:cNvPr id="69" name="Google Shape;69;p15"/>
+          <p:cNvSpPr txBox="1"/>
+          <p:nvPr>
+            <p:ph idx="1" type="body"/>
+          </p:nvPr>
+        </p:nvSpPr>
+        <p:spPr>
+          <a:xfrm>
+            <a:off x="311700" y="1228675"/>
+            <a:ext cx="8520600" cy="3340200"/>
+          </a:xfrm>
+          <a:prstGeom prst="rect">
+            <a:avLst/>
+          </a:prstGeom>
+        </p:spPr>
+        <p:txBody>
+          <a:bodyPr anchorCtr="0" anchor="t" bIns="91425" lIns="91425" spcFirstLastPara="1" rIns="91425" wrap="square" tIns="91425">
+            <a:normAutofit/>
+          </a:bodyPr>
+          <a:lstStyle/>
+          <a:p>
+            <a:pPr indent="0" lvl="0" marL="0" rtl="0" algn="l">
+              <a:spcBef>
+                <a:spcPts val="0"/>
+              </a:spcBef>
+              <a:spcAft>
+                <a:spcPts val="1200"/>
+              </a:spcAft>
+              <a:buNone/>
+            </a:pPr>
+            <a:r>
+              <a:rPr lang="es-419"/>
+              <a:t>Tu aplicación proporciona una solución al ofrecer un sistema centralizado donde los administradores pueden registrar a los conductores y realizar un seguimiento en tiempo real de los vehículos, mejorando así la seguridad y la eficiencia del servicio de transporte escolar.</a:t>
+            </a:r>
+            <a:endParaRPr/>
+          </a:p>
+        </p:txBody>
+      </p:sp>
+    </p:spTree>
+  </p:cSld>
+  <p:clrMapOvr>
+    <a:masterClrMapping/>
+  </p:clrMapOvr>
+</p:sld>
+</file>
+
+<file path=ppt/slides/slide4.xml><?xml version="1.0" encoding="utf-8"?>
+<p:sld xmlns:a="http://schemas.openxmlformats.org/drawingml/2006/main" xmlns:r="http://schemas.openxmlformats.org/officeDocument/2006/relationships" xmlns:mc="http://schemas.openxmlformats.org/markup-compatibility/2006" xmlns:mv="urn:schemas-microsoft-com:mac:vml" xmlns:p="http://schemas.openxmlformats.org/presentationml/2006/main" xmlns:c="http://schemas.openxmlformats.org/drawingml/2006/chart" xmlns:dgm="http://schemas.openxmlformats.org/drawingml/2006/diagram" xmlns:o="urn:schemas-microsoft-com:office:office" xmlns:v="urn:schemas-microsoft-com:vml" xmlns:pvml="urn:schemas-microsoft-com:office:powerpoint" xmlns:com="http://schemas.openxmlformats.org/drawingml/2006/compatibility" xmlns:p14="http://schemas.microsoft.com/office/powerpoint/2010/main" xmlns:p15="http://schemas.microsoft.com/office/powerpoint/2012/main" xmlns:ahyp="http://schemas.microsoft.com/office/drawing/2018/hyperlinkcolor">
+  <p:cSld>
+    <p:spTree>
+      <p:nvGrpSpPr>
+        <p:cNvPr id="73" name="Shape 73"/>
+        <p:cNvGrpSpPr/>
+        <p:nvPr/>
+      </p:nvGrpSpPr>
+      <p:grpSpPr>
+        <a:xfrm>
+          <a:off x="0" y="0"/>
+          <a:ext cx="0" cy="0"/>
+          <a:chOff x="0" y="0"/>
+          <a:chExt cx="0" cy="0"/>
+        </a:xfrm>
+      </p:grpSpPr>
+      <p:sp>
+        <p:nvSpPr>
+          <p:cNvPr id="74" name="Google Shape;74;p16"/>
+          <p:cNvSpPr txBox="1"/>
+          <p:nvPr>
+            <p:ph type="title"/>
+          </p:nvPr>
+        </p:nvSpPr>
+        <p:spPr>
+          <a:xfrm>
+            <a:off x="311700" y="292850"/>
+            <a:ext cx="8520600" cy="801000"/>
+          </a:xfrm>
+          <a:prstGeom prst="rect">
+            <a:avLst/>
+          </a:prstGeom>
+        </p:spPr>
+        <p:txBody>
+          <a:bodyPr anchorCtr="0" anchor="t" bIns="91425" lIns="91425" spcFirstLastPara="1" rIns="91425" wrap="square" tIns="91425">
+            <a:normAutofit fontScale="90000"/>
+          </a:bodyPr>
+          <a:lstStyle/>
+          <a:p>
+            <a:pPr indent="0" lvl="0" marL="0" rtl="0" algn="l">
+              <a:spcBef>
+                <a:spcPts val="0"/>
+              </a:spcBef>
+              <a:spcAft>
+                <a:spcPts val="0"/>
+              </a:spcAft>
+              <a:buNone/>
+            </a:pPr>
+            <a:r>
+              <a:rPr lang="es-419"/>
+              <a:t>Mock-Up</a:t>
+            </a:r>
+            <a:endParaRPr/>
+          </a:p>
+        </p:txBody>
+      </p:sp>
+      <p:sp>
+        <p:nvSpPr>
+          <p:cNvPr id="75" name="Google Shape;75;p16"/>
+          <p:cNvSpPr txBox="1"/>
+          <p:nvPr>
+            <p:ph idx="1" type="body"/>
+          </p:nvPr>
+        </p:nvSpPr>
+        <p:spPr>
+          <a:xfrm>
+            <a:off x="536250" y="972050"/>
+            <a:ext cx="8520600" cy="3340200"/>
+          </a:xfrm>
+          <a:prstGeom prst="rect">
+            <a:avLst/>
+          </a:prstGeom>
+        </p:spPr>
+        <p:txBody>
+          <a:bodyPr anchorCtr="0" anchor="t" bIns="91425" lIns="91425" spcFirstLastPara="1" rIns="91425" wrap="square" tIns="91425">
+            <a:normAutofit/>
+          </a:bodyPr>
+          <a:lstStyle/>
+          <a:p>
+            <a:pPr indent="0" lvl="0" marL="0" rtl="0" algn="l">
+              <a:spcBef>
+                <a:spcPts val="0"/>
+              </a:spcBef>
+              <a:spcAft>
+                <a:spcPts val="1200"/>
+              </a:spcAft>
+              <a:buNone/>
+            </a:pPr>
+            <a:r>
+              <a:rPr b="1" lang="es-419"/>
+              <a:t>Login</a:t>
+            </a:r>
+            <a:endParaRPr b="1"/>
+          </a:p>
+        </p:txBody>
+      </p:sp>
+      <p:pic>
+        <p:nvPicPr>
+          <p:cNvPr id="76" name="Google Shape;76;p16"/>
+          <p:cNvPicPr preferRelativeResize="0"/>
+          <p:nvPr/>
+        </p:nvPicPr>
+        <p:blipFill>
+          <a:blip r:embed="rId3">
+            <a:alphaModFix/>
+          </a:blip>
+          <a:stretch>
+            <a:fillRect/>
+          </a:stretch>
+        </p:blipFill>
+        <p:spPr>
+          <a:xfrm>
+            <a:off x="3480450" y="-145425"/>
+            <a:ext cx="3546250" cy="5288926"/>
+          </a:xfrm>
+          <a:prstGeom prst="rect">
+            <a:avLst/>
+          </a:prstGeom>
+          <a:noFill/>
+          <a:ln>
+            <a:noFill/>
+          </a:ln>
+        </p:spPr>
+      </p:pic>
+    </p:spTree>
+  </p:cSld>
+  <p:clrMapOvr>
+    <a:masterClrMapping/>
+  </p:clrMapOvr>
+</p:sld>
+</file>
+
+<file path=ppt/slides/slide5.xml><?xml version="1.0" encoding="utf-8"?>
+<p:sld xmlns:a="http://schemas.openxmlformats.org/drawingml/2006/main" xmlns:r="http://schemas.openxmlformats.org/officeDocument/2006/relationships" xmlns:mc="http://schemas.openxmlformats.org/markup-compatibility/2006" xmlns:mv="urn:schemas-microsoft-com:mac:vml" xmlns:p="http://schemas.openxmlformats.org/presentationml/2006/main" xmlns:c="http://schemas.openxmlformats.org/drawingml/2006/chart" xmlns:dgm="http://schemas.openxmlformats.org/drawingml/2006/diagram" xmlns:o="urn:schemas-microsoft-com:office:office" xmlns:v="urn:schemas-microsoft-com:vml" xmlns:pvml="urn:schemas-microsoft-com:office:powerpoint" xmlns:com="http://schemas.openxmlformats.org/drawingml/2006/compatibility" xmlns:p14="http://schemas.microsoft.com/office/powerpoint/2010/main" xmlns:p15="http://schemas.microsoft.com/office/powerpoint/2012/main" xmlns:ahyp="http://schemas.microsoft.com/office/drawing/2018/hyperlinkcolor">
+  <p:cSld>
+    <p:spTree>
+      <p:nvGrpSpPr>
+        <p:cNvPr id="80" name="Shape 80"/>
+        <p:cNvGrpSpPr/>
+        <p:nvPr/>
+      </p:nvGrpSpPr>
+      <p:grpSpPr>
+        <a:xfrm>
+          <a:off x="0" y="0"/>
+          <a:ext cx="0" cy="0"/>
+          <a:chOff x="0" y="0"/>
+          <a:chExt cx="0" cy="0"/>
+        </a:xfrm>
+      </p:grpSpPr>
+      <p:sp>
+        <p:nvSpPr>
+          <p:cNvPr id="81" name="Google Shape;81;p17"/>
+          <p:cNvSpPr txBox="1"/>
+          <p:nvPr>
+            <p:ph type="title"/>
+          </p:nvPr>
+        </p:nvSpPr>
+        <p:spPr>
+          <a:xfrm>
+            <a:off x="311700" y="292850"/>
+            <a:ext cx="8520600" cy="801000"/>
+          </a:xfrm>
+          <a:prstGeom prst="rect">
+            <a:avLst/>
+          </a:prstGeom>
+        </p:spPr>
+        <p:txBody>
+          <a:bodyPr anchorCtr="0" anchor="t" bIns="91425" lIns="91425" spcFirstLastPara="1" rIns="91425" wrap="square" tIns="91425">
+            <a:normAutofit/>
+          </a:bodyPr>
+          <a:lstStyle/>
+          <a:p>
+            <a:pPr indent="0" lvl="0" marL="0" rtl="0" algn="l">
+              <a:lnSpc>
+                <a:spcPct val="115000"/>
+              </a:lnSpc>
+              <a:spcBef>
+                <a:spcPts val="0"/>
+              </a:spcBef>
+              <a:spcAft>
+                <a:spcPts val="1200"/>
+              </a:spcAft>
+              <a:buNone/>
+            </a:pPr>
+            <a:r>
+              <a:rPr lang="es-419" sz="1900">
+                <a:solidFill>
+                  <a:schemeClr val="dk2"/>
+                </a:solidFill>
+                <a:latin typeface="Source Code Pro"/>
+                <a:ea typeface="Source Code Pro"/>
+                <a:cs typeface="Source Code Pro"/>
+                <a:sym typeface="Source Code Pro"/>
+              </a:rPr>
+              <a:t>Perfil</a:t>
+            </a:r>
+            <a:endParaRPr sz="4300"/>
+          </a:p>
+        </p:txBody>
+      </p:sp>
+      <p:sp>
+        <p:nvSpPr>
+          <p:cNvPr id="82" name="Google Shape;82;p17"/>
+          <p:cNvSpPr txBox="1"/>
+          <p:nvPr>
+            <p:ph idx="1" type="body"/>
+          </p:nvPr>
+        </p:nvSpPr>
+        <p:spPr>
+          <a:xfrm>
+            <a:off x="536250" y="972050"/>
+            <a:ext cx="8520600" cy="3340200"/>
+          </a:xfrm>
+          <a:prstGeom prst="rect">
+            <a:avLst/>
+          </a:prstGeom>
+        </p:spPr>
+        <p:txBody>
+          <a:bodyPr anchorCtr="0" anchor="t" bIns="91425" lIns="91425" spcFirstLastPara="1" rIns="91425" wrap="square" tIns="91425">
+            <a:normAutofit/>
+          </a:bodyPr>
+          <a:lstStyle/>
+          <a:p>
+            <a:pPr indent="0" lvl="0" marL="0" rtl="0" algn="l">
+              <a:spcBef>
+                <a:spcPts val="0"/>
+              </a:spcBef>
+              <a:spcAft>
+                <a:spcPts val="1200"/>
+              </a:spcAft>
+              <a:buNone/>
+            </a:pPr>
+            <a:r>
+              <a:t/>
+            </a:r>
+            <a:endParaRPr/>
+          </a:p>
+        </p:txBody>
+      </p:sp>
+      <p:pic>
+        <p:nvPicPr>
+          <p:cNvPr id="83" name="Google Shape;83;p17"/>
+          <p:cNvPicPr preferRelativeResize="0"/>
+          <p:nvPr/>
+        </p:nvPicPr>
+        <p:blipFill>
+          <a:blip r:embed="rId3">
+            <a:alphaModFix/>
+          </a:blip>
+          <a:stretch>
+            <a:fillRect/>
+          </a:stretch>
+        </p:blipFill>
+        <p:spPr>
+          <a:xfrm>
+            <a:off x="2855099" y="395650"/>
+            <a:ext cx="5602937" cy="4241850"/>
+          </a:xfrm>
+          <a:prstGeom prst="rect">
+            <a:avLst/>
+          </a:prstGeom>
+          <a:noFill/>
+          <a:ln>
+            <a:noFill/>
+          </a:ln>
+        </p:spPr>
+      </p:pic>
+      <p:pic>
+        <p:nvPicPr>
+          <p:cNvPr id="84" name="Google Shape;84;p17"/>
+          <p:cNvPicPr preferRelativeResize="0"/>
+          <p:nvPr/>
+        </p:nvPicPr>
+        <p:blipFill>
+          <a:blip r:embed="rId3">
+            <a:alphaModFix/>
+          </a:blip>
+          <a:stretch>
+            <a:fillRect/>
+          </a:stretch>
+        </p:blipFill>
+        <p:spPr>
+          <a:xfrm>
+            <a:off x="2281850" y="76500"/>
+            <a:ext cx="6446051" cy="4880150"/>
+          </a:xfrm>
+          <a:prstGeom prst="rect">
+            <a:avLst/>
+          </a:prstGeom>
+          <a:noFill/>
+          <a:ln>
+            <a:noFill/>
+          </a:ln>
+        </p:spPr>
+      </p:pic>
+    </p:spTree>
+  </p:cSld>
+  <p:clrMapOvr>
+    <a:masterClrMapping/>
+  </p:clrMapOvr>
+</p:sld>
+</file>
+
+<file path=ppt/slides/slide6.xml><?xml version="1.0" encoding="utf-8"?>
+<p:sld xmlns:a="http://schemas.openxmlformats.org/drawingml/2006/main" xmlns:r="http://schemas.openxmlformats.org/officeDocument/2006/relationships" xmlns:mc="http://schemas.openxmlformats.org/markup-compatibility/2006" xmlns:mv="urn:schemas-microsoft-com:mac:vml" xmlns:p="http://schemas.openxmlformats.org/presentationml/2006/main" xmlns:c="http://schemas.openxmlformats.org/drawingml/2006/chart" xmlns:dgm="http://schemas.openxmlformats.org/drawingml/2006/diagram" xmlns:o="urn:schemas-microsoft-com:office:office" xmlns:v="urn:schemas-microsoft-com:vml" xmlns:pvml="urn:schemas-microsoft-com:office:powerpoint" xmlns:com="http://schemas.openxmlformats.org/drawingml/2006/compatibility" xmlns:p14="http://schemas.microsoft.com/office/powerpoint/2010/main" xmlns:p15="http://schemas.microsoft.com/office/powerpoint/2012/main" xmlns:ahyp="http://schemas.microsoft.com/office/drawing/2018/hyperlinkcolor">
+  <p:cSld>
+    <p:spTree>
+      <p:nvGrpSpPr>
+        <p:cNvPr id="88" name="Shape 88"/>
+        <p:cNvGrpSpPr/>
+        <p:nvPr/>
+      </p:nvGrpSpPr>
+      <p:grpSpPr>
+        <a:xfrm>
+          <a:off x="0" y="0"/>
+          <a:ext cx="0" cy="0"/>
+          <a:chOff x="0" y="0"/>
+          <a:chExt cx="0" cy="0"/>
+        </a:xfrm>
+      </p:grpSpPr>
+      <p:sp>
+        <p:nvSpPr>
+          <p:cNvPr id="89" name="Google Shape;89;p18"/>
+          <p:cNvSpPr txBox="1"/>
+          <p:nvPr>
+            <p:ph type="title"/>
+          </p:nvPr>
+        </p:nvSpPr>
+        <p:spPr>
+          <a:xfrm>
+            <a:off x="172700" y="260775"/>
+            <a:ext cx="8520600" cy="801000"/>
+          </a:xfrm>
+          <a:prstGeom prst="rect">
+            <a:avLst/>
+          </a:prstGeom>
+        </p:spPr>
+        <p:txBody>
+          <a:bodyPr anchorCtr="0" anchor="t" bIns="91425" lIns="91425" spcFirstLastPara="1" rIns="91425" wrap="square" tIns="91425">
+            <a:normAutofit/>
+          </a:bodyPr>
+          <a:lstStyle/>
+          <a:p>
+            <a:pPr indent="0" lvl="0" marL="0" rtl="0" algn="l">
+              <a:lnSpc>
+                <a:spcPct val="115000"/>
+              </a:lnSpc>
+              <a:spcBef>
+                <a:spcPts val="0"/>
+              </a:spcBef>
+              <a:spcAft>
+                <a:spcPts val="1200"/>
+              </a:spcAft>
+              <a:buNone/>
+            </a:pPr>
+            <a:r>
+              <a:rPr lang="es-419" sz="2300">
+                <a:solidFill>
+                  <a:schemeClr val="dk2"/>
+                </a:solidFill>
+                <a:latin typeface="Source Code Pro"/>
+                <a:ea typeface="Source Code Pro"/>
+                <a:cs typeface="Source Code Pro"/>
+                <a:sym typeface="Source Code Pro"/>
+              </a:rPr>
+              <a:t>Mensualidad </a:t>
+            </a:r>
+            <a:endParaRPr sz="4700"/>
+          </a:p>
+        </p:txBody>
+      </p:sp>
+      <p:pic>
+        <p:nvPicPr>
+          <p:cNvPr id="90" name="Google Shape;90;p18"/>
+          <p:cNvPicPr preferRelativeResize="0"/>
+          <p:nvPr/>
+        </p:nvPicPr>
+        <p:blipFill>
+          <a:blip r:embed="rId3">
+            <a:alphaModFix/>
+          </a:blip>
+          <a:stretch>
+            <a:fillRect/>
+          </a:stretch>
+        </p:blipFill>
+        <p:spPr>
+          <a:xfrm>
+            <a:off x="2387300" y="91350"/>
+            <a:ext cx="6526550" cy="4842550"/>
+          </a:xfrm>
+          <a:prstGeom prst="rect">
+            <a:avLst/>
+          </a:prstGeom>
+          <a:noFill/>
+          <a:ln>
+            <a:noFill/>
+          </a:ln>
+        </p:spPr>
+      </p:pic>
+    </p:spTree>
+  </p:cSld>
+  <p:clrMapOvr>
+    <a:masterClrMapping/>
+  </p:clrMapOvr>
+</p:sld>
+</file>
+
+<file path=ppt/slides/slide7.xml><?xml version="1.0" encoding="utf-8"?>
+<p:sld xmlns:a="http://schemas.openxmlformats.org/drawingml/2006/main" xmlns:r="http://schemas.openxmlformats.org/officeDocument/2006/relationships" xmlns:mc="http://schemas.openxmlformats.org/markup-compatibility/2006" xmlns:mv="urn:schemas-microsoft-com:mac:vml" xmlns:p="http://schemas.openxmlformats.org/presentationml/2006/main" xmlns:c="http://schemas.openxmlformats.org/drawingml/2006/chart" xmlns:dgm="http://schemas.openxmlformats.org/drawingml/2006/diagram" xmlns:o="urn:schemas-microsoft-com:office:office" xmlns:v="urn:schemas-microsoft-com:vml" xmlns:pvml="urn:schemas-microsoft-com:office:powerpoint" xmlns:com="http://schemas.openxmlformats.org/drawingml/2006/compatibility" xmlns:p14="http://schemas.microsoft.com/office/powerpoint/2010/main" xmlns:p15="http://schemas.microsoft.com/office/powerpoint/2012/main" xmlns:ahyp="http://schemas.microsoft.com/office/drawing/2018/hyperlinkcolor">
+  <p:cSld>
+    <p:spTree>
+      <p:nvGrpSpPr>
+        <p:cNvPr id="94" name="Shape 94"/>
+        <p:cNvGrpSpPr/>
+        <p:nvPr/>
+      </p:nvGrpSpPr>
+      <p:grpSpPr>
+        <a:xfrm>
+          <a:off x="0" y="0"/>
+          <a:ext cx="0" cy="0"/>
+          <a:chOff x="0" y="0"/>
+          <a:chExt cx="0" cy="0"/>
+        </a:xfrm>
+      </p:grpSpPr>
+      <p:sp>
+        <p:nvSpPr>
+          <p:cNvPr id="95" name="Google Shape;95;p19"/>
+          <p:cNvSpPr txBox="1"/>
+          <p:nvPr>
+            <p:ph type="title"/>
+          </p:nvPr>
+        </p:nvSpPr>
+        <p:spPr>
+          <a:xfrm>
+            <a:off x="311700" y="292850"/>
+            <a:ext cx="8520600" cy="801000"/>
+          </a:xfrm>
+          <a:prstGeom prst="rect">
+            <a:avLst/>
+          </a:prstGeom>
+        </p:spPr>
+        <p:txBody>
+          <a:bodyPr anchorCtr="0" anchor="t" bIns="91425" lIns="91425" spcFirstLastPara="1" rIns="91425" wrap="square" tIns="91425">
+            <a:normAutofit fontScale="90000"/>
+          </a:bodyPr>
+          <a:lstStyle/>
+          <a:p>
+            <a:pPr indent="0" lvl="0" marL="0" rtl="0" algn="l">
+              <a:lnSpc>
+                <a:spcPct val="115000"/>
+              </a:lnSpc>
+              <a:spcBef>
+                <a:spcPts val="0"/>
+              </a:spcBef>
+              <a:spcAft>
+                <a:spcPts val="1200"/>
+              </a:spcAft>
+              <a:buNone/>
+            </a:pPr>
+            <a:r>
+              <a:rPr lang="es-419" sz="2300">
+                <a:solidFill>
+                  <a:schemeClr val="dk2"/>
+                </a:solidFill>
+                <a:latin typeface="Source Code Pro"/>
+                <a:ea typeface="Source Code Pro"/>
+                <a:cs typeface="Source Code Pro"/>
+                <a:sym typeface="Source Code Pro"/>
+              </a:rPr>
+              <a:t>Home</a:t>
+            </a:r>
+            <a:endParaRPr sz="4700"/>
+          </a:p>
+        </p:txBody>
+      </p:sp>
+      <p:pic>
+        <p:nvPicPr>
+          <p:cNvPr id="96" name="Google Shape;96;p19"/>
+          <p:cNvPicPr preferRelativeResize="0"/>
+          <p:nvPr/>
+        </p:nvPicPr>
+        <p:blipFill>
+          <a:blip r:embed="rId3">
+            <a:alphaModFix/>
+          </a:blip>
+          <a:stretch>
+            <a:fillRect/>
+          </a:stretch>
+        </p:blipFill>
+        <p:spPr>
+          <a:xfrm>
+            <a:off x="3114425" y="-128925"/>
+            <a:ext cx="3891850" cy="5401350"/>
+          </a:xfrm>
+          <a:prstGeom prst="rect">
+            <a:avLst/>
+          </a:prstGeom>
+          <a:noFill/>
+          <a:ln>
+            <a:noFill/>
+          </a:ln>
+        </p:spPr>
+      </p:pic>
+    </p:spTree>
+  </p:cSld>
+  <p:clrMapOvr>
+    <a:masterClrMapping/>
+  </p:clrMapOvr>
+</p:sld>
+</file>
+
+<file path=ppt/slides/slide8.xml><?xml version="1.0" encoding="utf-8"?>
+<p:sld xmlns:a="http://schemas.openxmlformats.org/drawingml/2006/main" xmlns:r="http://schemas.openxmlformats.org/officeDocument/2006/relationships" xmlns:mc="http://schemas.openxmlformats.org/markup-compatibility/2006" xmlns:mv="urn:schemas-microsoft-com:mac:vml" xmlns:p="http://schemas.openxmlformats.org/presentationml/2006/main" xmlns:c="http://schemas.openxmlformats.org/drawingml/2006/chart" xmlns:dgm="http://schemas.openxmlformats.org/drawingml/2006/diagram" xmlns:o="urn:schemas-microsoft-com:office:office" xmlns:v="urn:schemas-microsoft-com:vml" xmlns:pvml="urn:schemas-microsoft-com:office:powerpoint" xmlns:com="http://schemas.openxmlformats.org/drawingml/2006/compatibility" xmlns:p14="http://schemas.microsoft.com/office/powerpoint/2010/main" xmlns:p15="http://schemas.microsoft.com/office/powerpoint/2012/main" xmlns:ahyp="http://schemas.microsoft.com/office/drawing/2018/hyperlinkcolor">
+  <p:cSld>
+    <p:spTree>
+      <p:nvGrpSpPr>
+        <p:cNvPr id="100" name="Shape 100"/>
+        <p:cNvGrpSpPr/>
+        <p:nvPr/>
+      </p:nvGrpSpPr>
+      <p:grpSpPr>
+        <a:xfrm>
+          <a:off x="0" y="0"/>
+          <a:ext cx="0" cy="0"/>
+          <a:chOff x="0" y="0"/>
+          <a:chExt cx="0" cy="0"/>
+        </a:xfrm>
+      </p:grpSpPr>
+      <p:sp>
+        <p:nvSpPr>
+          <p:cNvPr id="101" name="Google Shape;101;p20"/>
+          <p:cNvSpPr txBox="1"/>
+          <p:nvPr>
+            <p:ph type="title"/>
+          </p:nvPr>
+        </p:nvSpPr>
+        <p:spPr>
+          <a:xfrm>
+            <a:off x="311700" y="292850"/>
+            <a:ext cx="8520600" cy="801000"/>
+          </a:xfrm>
+          <a:prstGeom prst="rect">
+            <a:avLst/>
+          </a:prstGeom>
+        </p:spPr>
+        <p:txBody>
+          <a:bodyPr anchorCtr="0" anchor="t" bIns="91425" lIns="91425" spcFirstLastPara="1" rIns="91425" wrap="square" tIns="91425">
+            <a:normAutofit/>
+          </a:bodyPr>
+          <a:lstStyle/>
+          <a:p>
+            <a:pPr indent="0" lvl="0" marL="0" rtl="0" algn="l">
+              <a:lnSpc>
+                <a:spcPct val="115000"/>
+              </a:lnSpc>
+              <a:spcBef>
+                <a:spcPts val="0"/>
+              </a:spcBef>
+              <a:spcAft>
+                <a:spcPts val="1200"/>
+              </a:spcAft>
+              <a:buNone/>
+            </a:pPr>
+            <a:r>
+              <a:rPr lang="es-419" sz="2300">
+                <a:solidFill>
+                  <a:schemeClr val="dk2"/>
+                </a:solidFill>
+                <a:latin typeface="Source Code Pro"/>
+                <a:ea typeface="Source Code Pro"/>
+                <a:cs typeface="Source Code Pro"/>
+                <a:sym typeface="Source Code Pro"/>
+              </a:rPr>
+              <a:t>Ruta</a:t>
+            </a:r>
+            <a:endParaRPr sz="4700"/>
+          </a:p>
+        </p:txBody>
+      </p:sp>
+      <p:pic>
+        <p:nvPicPr>
+          <p:cNvPr id="102" name="Google Shape;102;p20"/>
+          <p:cNvPicPr preferRelativeResize="0"/>
+          <p:nvPr/>
+        </p:nvPicPr>
+        <p:blipFill>
+          <a:blip r:embed="rId3">
+            <a:alphaModFix/>
+          </a:blip>
+          <a:stretch>
+            <a:fillRect/>
+          </a:stretch>
+        </p:blipFill>
+        <p:spPr>
+          <a:xfrm>
+            <a:off x="3392500" y="-39825"/>
+            <a:ext cx="3485450" cy="5223150"/>
+          </a:xfrm>
+          <a:prstGeom prst="rect">
+            <a:avLst/>
+          </a:prstGeom>
+          <a:noFill/>
+          <a:ln>
+            <a:noFill/>
+          </a:ln>
+        </p:spPr>
+      </p:pic>
+    </p:spTree>
+  </p:cSld>
+  <p:clrMapOvr>
+    <a:masterClrMapping/>
+  </p:clrMapOvr>
+</p:sld>
+</file>
+
+<file path=ppt/slides/slide9.xml><?xml version="1.0" encoding="utf-8"?>
+<p:sld xmlns:a="http://schemas.openxmlformats.org/drawingml/2006/main" xmlns:r="http://schemas.openxmlformats.org/officeDocument/2006/relationships" xmlns:mc="http://schemas.openxmlformats.org/markup-compatibility/2006" xmlns:mv="urn:schemas-microsoft-com:mac:vml" xmlns:p="http://schemas.openxmlformats.org/presentationml/2006/main" xmlns:c="http://schemas.openxmlformats.org/drawingml/2006/chart" xmlns:dgm="http://schemas.openxmlformats.org/drawingml/2006/diagram" xmlns:o="urn:schemas-microsoft-com:office:office" xmlns:v="urn:schemas-microsoft-com:vml" xmlns:pvml="urn:schemas-microsoft-com:office:powerpoint" xmlns:com="http://schemas.openxmlformats.org/drawingml/2006/compatibility" xmlns:p14="http://schemas.microsoft.com/office/powerpoint/2010/main" xmlns:p15="http://schemas.microsoft.com/office/powerpoint/2012/main" xmlns:ahyp="http://schemas.microsoft.com/office/drawing/2018/hyperlinkcolor">
+  <p:cSld>
+    <p:spTree>
+      <p:nvGrpSpPr>
+        <p:cNvPr id="106" name="Shape 106"/>
+        <p:cNvGrpSpPr/>
+        <p:nvPr/>
+      </p:nvGrpSpPr>
+      <p:grpSpPr>
+        <a:xfrm>
+          <a:off x="0" y="0"/>
+          <a:ext cx="0" cy="0"/>
+          <a:chOff x="0" y="0"/>
+          <a:chExt cx="0" cy="0"/>
+        </a:xfrm>
+      </p:grpSpPr>
+      <p:sp>
+        <p:nvSpPr>
+          <p:cNvPr id="107" name="Google Shape;107;p21"/>
+          <p:cNvSpPr txBox="1"/>
+          <p:nvPr>
+            <p:ph type="title"/>
+          </p:nvPr>
+        </p:nvSpPr>
+        <p:spPr>
+          <a:xfrm>
+            <a:off x="311700" y="292850"/>
+            <a:ext cx="8520600" cy="801000"/>
+          </a:xfrm>
+          <a:prstGeom prst="rect">
+            <a:avLst/>
+          </a:prstGeom>
+        </p:spPr>
+        <p:txBody>
+          <a:bodyPr anchorCtr="0" anchor="t" bIns="91425" lIns="91425" spcFirstLastPara="1" rIns="91425" wrap="square" tIns="91425">
+            <a:normAutofit fontScale="90000"/>
+          </a:bodyPr>
+          <a:lstStyle/>
+          <a:p>
+            <a:pPr indent="0" lvl="0" marL="0" rtl="0" algn="l">
+              <a:spcBef>
+                <a:spcPts val="0"/>
+              </a:spcBef>
+              <a:spcAft>
+                <a:spcPts val="0"/>
+              </a:spcAft>
+              <a:buNone/>
+            </a:pPr>
+            <a:r>
+              <a:rPr lang="es-419"/>
+              <a:t>Conclusión</a:t>
+            </a:r>
+            <a:r>
+              <a:rPr lang="es-419"/>
+              <a:t>.</a:t>
+            </a:r>
+            <a:endParaRPr/>
+          </a:p>
+        </p:txBody>
+      </p:sp>
+      <p:sp>
+        <p:nvSpPr>
+          <p:cNvPr id="108" name="Google Shape;108;p21"/>
+          <p:cNvSpPr txBox="1"/>
+          <p:nvPr>
+            <p:ph idx="1" type="body"/>
+          </p:nvPr>
+        </p:nvSpPr>
+        <p:spPr>
+          <a:xfrm>
+            <a:off x="311700" y="1228675"/>
+            <a:ext cx="8520600" cy="3340200"/>
+          </a:xfrm>
+          <a:prstGeom prst="rect">
+            <a:avLst/>
+          </a:prstGeom>
+        </p:spPr>
+        <p:txBody>
+          <a:bodyPr anchorCtr="0" anchor="t" bIns="91425" lIns="91425" spcFirstLastPara="1" rIns="91425" wrap="square" tIns="91425">
+            <a:noAutofit/>
+          </a:bodyPr>
+          <a:lstStyle/>
+          <a:p>
+            <a:pPr indent="0" lvl="0" marL="0" rtl="0" algn="l">
+              <a:spcBef>
+                <a:spcPts val="1200"/>
+              </a:spcBef>
+              <a:spcAft>
+                <a:spcPts val="0"/>
+              </a:spcAft>
+              <a:buNone/>
+            </a:pPr>
+            <a:r>
+              <a:rPr lang="es-419">
+                <a:solidFill>
+                  <a:srgbClr val="1F3864"/>
+                </a:solidFill>
+              </a:rPr>
+              <a:t>En conclusión, este sistema optimiza la gestión del transporte escolar al permitir un registro eficiente de la información de los usuarios y facilitar la consulta de horarios. Además, centraliza la administración de métodos de pago, simplificando la planificación y la gestión financiera. Así, mejora tanto la eficiencia como la accesibilidad del servicio, ofreciendo una solución integral para satisfacer las necesidades de los usuarios de manera efectiva.</a:t>
+            </a:r>
+            <a:endParaRPr>
+              <a:solidFill>
+                <a:srgbClr val="1F3864"/>
+              </a:solidFill>
+            </a:endParaRPr>
+          </a:p>
+          <a:p>
+            <a:pPr indent="0" lvl="0" marL="0" rtl="0" algn="l">
+              <a:lnSpc>
+                <a:spcPct val="100000"/>
+              </a:lnSpc>
+              <a:spcBef>
+                <a:spcPts val="1200"/>
+              </a:spcBef>
+              <a:spcAft>
+                <a:spcPts val="0"/>
+              </a:spcAft>
+              <a:buNone/>
+            </a:pPr>
+            <a:r>
+              <a:t/>
+            </a:r>
+            <a:endParaRPr>
+              <a:solidFill>
+                <a:srgbClr val="1F3864"/>
+              </a:solidFill>
+            </a:endParaRPr>
+          </a:p>
+          <a:p>
+            <a:pPr indent="0" lvl="0" marL="0" rtl="0" algn="l">
+              <a:spcBef>
+                <a:spcPts val="0"/>
+              </a:spcBef>
+              <a:spcAft>
+                <a:spcPts val="1200"/>
               </a:spcAft>
               <a:buNone/>
             </a:pPr>
@@ -5538,6 +8145,285 @@
 </file>
 
 <file path=ppt/theme/theme1.xml><?xml version="1.0" encoding="utf-8"?>
+<a:theme xmlns:a="http://schemas.openxmlformats.org/drawingml/2006/main" xmlns:r="http://schemas.openxmlformats.org/officeDocument/2006/relationships" name="Beach Day">
+  <a:themeElements>
+    <a:clrScheme name="Beach Day">
+      <a:dk1>
+        <a:srgbClr val="00FDC8"/>
+      </a:dk1>
+      <a:lt1>
+        <a:srgbClr val="FFFFFF"/>
+      </a:lt1>
+      <a:dk2>
+        <a:srgbClr val="666666"/>
+      </a:dk2>
+      <a:lt2>
+        <a:srgbClr val="EEEEEE"/>
+      </a:lt2>
+      <a:accent1>
+        <a:srgbClr val="212121"/>
+      </a:accent1>
+      <a:accent2>
+        <a:srgbClr val="455A64"/>
+      </a:accent2>
+      <a:accent3>
+        <a:srgbClr val="78909C"/>
+      </a:accent3>
+      <a:accent4>
+        <a:srgbClr val="7C7CE0"/>
+      </a:accent4>
+      <a:accent5>
+        <a:srgbClr val="DB4437"/>
+      </a:accent5>
+      <a:accent6>
+        <a:srgbClr val="F6CD4C"/>
+      </a:accent6>
+      <a:hlink>
+        <a:srgbClr val="DB4437"/>
+      </a:hlink>
+      <a:folHlink>
+        <a:srgbClr val="DB4437"/>
+      </a:folHlink>
+    </a:clrScheme>
+    <a:fontScheme name="Office">
+      <a:majorFont>
+        <a:latin typeface="Arial"/>
+        <a:ea typeface=""/>
+        <a:cs typeface=""/>
+        <a:font script="Jpan" typeface="ＭＳ Ｐゴシック"/>
+        <a:font script="Hang" typeface="맑은 고딕"/>
+        <a:font script="Hans" typeface="宋体"/>
+        <a:font script="Hant" typeface="新細明體"/>
+        <a:font script="Arab" typeface="Times New Roman"/>
+        <a:font script="Hebr" typeface="Times New Roman"/>
+        <a:font script="Thai" typeface="Angsana New"/>
+        <a:font script="Ethi" typeface="Nyala"/>
+        <a:font script="Beng" typeface="Vrinda"/>
+        <a:font script="Gujr" typeface="Shruti"/>
+        <a:font script="Khmr" typeface="MoolBoran"/>
+        <a:font script="Knda" typeface="Tunga"/>
+        <a:font script="Guru" typeface="Raavi"/>
+        <a:font script="Cans" typeface="Euphemia"/>
+        <a:font script="Cher" typeface="Plantagenet Cherokee"/>
+        <a:font script="Yiii" typeface="Microsoft Yi Baiti"/>
+        <a:font script="Tibt" typeface="Microsoft Himalaya"/>
+        <a:font script="Thaa" typeface="MV Boli"/>
+        <a:font script="Deva" typeface="Mangal"/>
+        <a:font script="Telu" typeface="Gautami"/>
+        <a:font script="Taml" typeface="Latha"/>
+        <a:font script="Syrc" typeface="Estrangelo Edessa"/>
+        <a:font script="Orya" typeface="Kalinga"/>
+        <a:font script="Mlym" typeface="Kartika"/>
+        <a:font script="Laoo" typeface="DokChampa"/>
+        <a:font script="Sinh" typeface="Iskoola Pota"/>
+        <a:font script="Mong" typeface="Mongolian Baiti"/>
+        <a:font script="Viet" typeface="Times New Roman"/>
+        <a:font script="Uigh" typeface="Microsoft Uighur"/>
+        <a:font script="Geor" typeface="Sylfaen"/>
+      </a:majorFont>
+      <a:minorFont>
+        <a:latin typeface="Arial"/>
+        <a:ea typeface=""/>
+        <a:cs typeface=""/>
+        <a:font script="Jpan" typeface="ＭＳ Ｐゴシック"/>
+        <a:font script="Hang" typeface="맑은 고딕"/>
+        <a:font script="Hans" typeface="宋体"/>
+        <a:font script="Hant" typeface="新細明體"/>
+        <a:font script="Arab" typeface="Arial"/>
+        <a:font script="Hebr" typeface="Arial"/>
+        <a:font script="Thai" typeface="Cordia New"/>
+        <a:font script="Ethi" typeface="Nyala"/>
+        <a:font script="Beng" typeface="Vrinda"/>
+        <a:font script="Gujr" typeface="Shruti"/>
+        <a:font script="Khmr" typeface="DaunPenh"/>
+        <a:font script="Knda" typeface="Tunga"/>
+        <a:font script="Guru" typeface="Raavi"/>
+        <a:font script="Cans" typeface="Euphemia"/>
+        <a:font script="Cher" typeface="Plantagenet Cherokee"/>
+        <a:font script="Yiii" typeface="Microsoft Yi Baiti"/>
+        <a:font script="Tibt" typeface="Microsoft Himalaya"/>
+        <a:font script="Thaa" typeface="MV Boli"/>
+        <a:font script="Deva" typeface="Mangal"/>
+        <a:font script="Telu" typeface="Gautami"/>
+        <a:font script="Taml" typeface="Latha"/>
+        <a:font script="Syrc" typeface="Estrangelo Edessa"/>
+        <a:font script="Orya" typeface="Kalinga"/>
+        <a:font script="Mlym" typeface="Kartika"/>
+        <a:font script="Laoo" typeface="DokChampa"/>
+        <a:font script="Sinh" typeface="Iskoola Pota"/>
+        <a:font script="Mong" typeface="Mongolian Baiti"/>
+        <a:font script="Viet" typeface="Arial"/>
+        <a:font script="Uigh" typeface="Microsoft Uighur"/>
+        <a:font script="Geor" typeface="Sylfaen"/>
+      </a:minorFont>
+    </a:fontScheme>
+    <a:fmtScheme name="Office">
+      <a:fillStyleLst>
+        <a:solidFill>
+          <a:schemeClr val="phClr"/>
+        </a:solidFill>
+        <a:gradFill rotWithShape="1">
+          <a:gsLst>
+            <a:gs pos="0">
+              <a:schemeClr val="phClr">
+                <a:tint val="50000"/>
+                <a:satMod val="300000"/>
+              </a:schemeClr>
+            </a:gs>
+            <a:gs pos="35000">
+              <a:schemeClr val="phClr">
+                <a:tint val="37000"/>
+                <a:satMod val="300000"/>
+              </a:schemeClr>
+            </a:gs>
+            <a:gs pos="100000">
+              <a:schemeClr val="phClr">
+                <a:tint val="15000"/>
+                <a:satMod val="350000"/>
+              </a:schemeClr>
+            </a:gs>
+          </a:gsLst>
+          <a:lin ang="16200000" scaled="1"/>
+        </a:gradFill>
+        <a:gradFill rotWithShape="1">
+          <a:gsLst>
+            <a:gs pos="0">
+              <a:schemeClr val="phClr">
+                <a:tint val="100000"/>
+                <a:shade val="100000"/>
+                <a:satMod val="130000"/>
+              </a:schemeClr>
+            </a:gs>
+            <a:gs pos="100000">
+              <a:schemeClr val="phClr">
+                <a:tint val="50000"/>
+                <a:shade val="100000"/>
+                <a:satMod val="350000"/>
+              </a:schemeClr>
+            </a:gs>
+          </a:gsLst>
+          <a:lin ang="16200000" scaled="0"/>
+        </a:gradFill>
+      </a:fillStyleLst>
+      <a:lnStyleLst>
+        <a:ln w="9525" cap="flat" cmpd="sng" algn="ctr">
+          <a:solidFill>
+            <a:schemeClr val="phClr">
+              <a:shade val="95000"/>
+              <a:satMod val="105000"/>
+            </a:schemeClr>
+          </a:solidFill>
+          <a:prstDash val="solid"/>
+        </a:ln>
+        <a:ln w="25400" cap="flat" cmpd="sng" algn="ctr">
+          <a:solidFill>
+            <a:schemeClr val="phClr"/>
+          </a:solidFill>
+          <a:prstDash val="solid"/>
+        </a:ln>
+        <a:ln w="38100" cap="flat" cmpd="sng" algn="ctr">
+          <a:solidFill>
+            <a:schemeClr val="phClr"/>
+          </a:solidFill>
+          <a:prstDash val="solid"/>
+        </a:ln>
+      </a:lnStyleLst>
+      <a:effectStyleLst>
+        <a:effectStyle>
+          <a:effectLst>
+            <a:outerShdw blurRad="40000" dist="20000" dir="5400000" rotWithShape="0">
+              <a:srgbClr val="000000">
+                <a:alpha val="38000"/>
+              </a:srgbClr>
+            </a:outerShdw>
+          </a:effectLst>
+        </a:effectStyle>
+        <a:effectStyle>
+          <a:effectLst>
+            <a:outerShdw blurRad="40000" dist="23000" dir="5400000" rotWithShape="0">
+              <a:srgbClr val="000000">
+                <a:alpha val="35000"/>
+              </a:srgbClr>
+            </a:outerShdw>
+          </a:effectLst>
+        </a:effectStyle>
+        <a:effectStyle>
+          <a:effectLst>
+            <a:outerShdw blurRad="40000" dist="23000" dir="5400000" rotWithShape="0">
+              <a:srgbClr val="000000">
+                <a:alpha val="35000"/>
+              </a:srgbClr>
+            </a:outerShdw>
+          </a:effectLst>
+          <a:scene3d>
+            <a:camera prst="orthographicFront">
+              <a:rot lat="0" lon="0" rev="0"/>
+            </a:camera>
+            <a:lightRig rig="threePt" dir="t">
+              <a:rot lat="0" lon="0" rev="1200000"/>
+            </a:lightRig>
+          </a:scene3d>
+          <a:sp3d>
+            <a:bevelT w="63500" h="25400"/>
+          </a:sp3d>
+        </a:effectStyle>
+      </a:effectStyleLst>
+      <a:bgFillStyleLst>
+        <a:solidFill>
+          <a:schemeClr val="phClr"/>
+        </a:solidFill>
+        <a:gradFill rotWithShape="1">
+          <a:gsLst>
+            <a:gs pos="0">
+              <a:schemeClr val="phClr">
+                <a:tint val="40000"/>
+                <a:satMod val="350000"/>
+              </a:schemeClr>
+            </a:gs>
+            <a:gs pos="40000">
+              <a:schemeClr val="phClr">
+                <a:tint val="45000"/>
+                <a:shade val="99000"/>
+                <a:satMod val="350000"/>
+              </a:schemeClr>
+            </a:gs>
+            <a:gs pos="100000">
+              <a:schemeClr val="phClr">
+                <a:shade val="20000"/>
+                <a:satMod val="255000"/>
+              </a:schemeClr>
+            </a:gs>
+          </a:gsLst>
+          <a:path path="circle">
+            <a:fillToRect l="50000" t="-80000" r="50000" b="180000"/>
+          </a:path>
+        </a:gradFill>
+        <a:gradFill rotWithShape="1">
+          <a:gsLst>
+            <a:gs pos="0">
+              <a:schemeClr val="phClr">
+                <a:tint val="80000"/>
+                <a:satMod val="300000"/>
+              </a:schemeClr>
+            </a:gs>
+            <a:gs pos="100000">
+              <a:schemeClr val="phClr">
+                <a:shade val="30000"/>
+                <a:satMod val="200000"/>
+              </a:schemeClr>
+            </a:gs>
+          </a:gsLst>
+          <a:path path="circle">
+            <a:fillToRect l="50000" t="50000" r="50000" b="50000"/>
+          </a:path>
+        </a:gradFill>
+      </a:bgFillStyleLst>
+    </a:fmtScheme>
+  </a:themeElements>
+</a:theme>
+</file>
+
+<file path=ppt/theme/theme2.xml><?xml version="1.0" encoding="utf-8"?>
 <a:theme xmlns:a="http://schemas.openxmlformats.org/drawingml/2006/main" xmlns:r="http://schemas.openxmlformats.org/officeDocument/2006/relationships">
   <a:themeElements>
     <a:clrScheme name="Default">
@@ -5814,283 +8700,4 @@
     </a:fmtScheme>
   </a:themeElements>
 </a:theme>
-</file>
-
-<file path=ppt/theme/theme2.xml><?xml version="1.0" encoding="utf-8"?>
-<a:theme xmlns:a="http://schemas.openxmlformats.org/drawingml/2006/main" xmlns:r="http://schemas.openxmlformats.org/officeDocument/2006/relationships" name="Simple Light">
-  <a:themeElements>
-    <a:clrScheme name="Simple Light">
-      <a:dk1>
-        <a:srgbClr val="000000"/>
-      </a:dk1>
-      <a:lt1>
-        <a:srgbClr val="FFFFFF"/>
-      </a:lt1>
-      <a:dk2>
-        <a:srgbClr val="595959"/>
-      </a:dk2>
-      <a:lt2>
-        <a:srgbClr val="EEEEEE"/>
-      </a:lt2>
-      <a:accent1>
-        <a:srgbClr val="4285F4"/>
-      </a:accent1>
-      <a:accent2>
-        <a:srgbClr val="212121"/>
-      </a:accent2>
-      <a:accent3>
-        <a:srgbClr val="78909C"/>
-      </a:accent3>
-      <a:accent4>
-        <a:srgbClr val="FFAB40"/>
-      </a:accent4>
-      <a:accent5>
-        <a:srgbClr val="0097A7"/>
-      </a:accent5>
-      <a:accent6>
-        <a:srgbClr val="EEFF41"/>
-      </a:accent6>
-      <a:hlink>
-        <a:srgbClr val="0097A7"/>
-      </a:hlink>
-      <a:folHlink>
-        <a:srgbClr val="0097A7"/>
-      </a:folHlink>
-    </a:clrScheme>
-    <a:fontScheme name="Office">
-      <a:majorFont>
-        <a:latin typeface="Arial"/>
-        <a:ea typeface=""/>
-        <a:cs typeface=""/>
-        <a:font script="Jpan" typeface="ＭＳ Ｐゴシック"/>
-        <a:font script="Hang" typeface="맑은 고딕"/>
-        <a:font script="Hans" typeface="宋体"/>
-        <a:font script="Hant" typeface="新細明體"/>
-        <a:font script="Arab" typeface="Times New Roman"/>
-        <a:font script="Hebr" typeface="Times New Roman"/>
-        <a:font script="Thai" typeface="Angsana New"/>
-        <a:font script="Ethi" typeface="Nyala"/>
-        <a:font script="Beng" typeface="Vrinda"/>
-        <a:font script="Gujr" typeface="Shruti"/>
-        <a:font script="Khmr" typeface="MoolBoran"/>
-        <a:font script="Knda" typeface="Tunga"/>
-        <a:font script="Guru" typeface="Raavi"/>
-        <a:font script="Cans" typeface="Euphemia"/>
-        <a:font script="Cher" typeface="Plantagenet Cherokee"/>
-        <a:font script="Yiii" typeface="Microsoft Yi Baiti"/>
-        <a:font script="Tibt" typeface="Microsoft Himalaya"/>
-        <a:font script="Thaa" typeface="MV Boli"/>
-        <a:font script="Deva" typeface="Mangal"/>
-        <a:font script="Telu" typeface="Gautami"/>
-        <a:font script="Taml" typeface="Latha"/>
-        <a:font script="Syrc" typeface="Estrangelo Edessa"/>
-        <a:font script="Orya" typeface="Kalinga"/>
-        <a:font script="Mlym" typeface="Kartika"/>
-        <a:font script="Laoo" typeface="DokChampa"/>
-        <a:font script="Sinh" typeface="Iskoola Pota"/>
-        <a:font script="Mong" typeface="Mongolian Baiti"/>
-        <a:font script="Viet" typeface="Times New Roman"/>
-        <a:font script="Uigh" typeface="Microsoft Uighur"/>
-        <a:font script="Geor" typeface="Sylfaen"/>
-      </a:majorFont>
-      <a:minorFont>
-        <a:latin typeface="Arial"/>
-        <a:ea typeface=""/>
-        <a:cs typeface=""/>
-        <a:font script="Jpan" typeface="ＭＳ Ｐゴシック"/>
-        <a:font script="Hang" typeface="맑은 고딕"/>
-        <a:font script="Hans" typeface="宋体"/>
-        <a:font script="Hant" typeface="新細明體"/>
-        <a:font script="Arab" typeface="Arial"/>
-        <a:font script="Hebr" typeface="Arial"/>
-        <a:font script="Thai" typeface="Cordia New"/>
-        <a:font script="Ethi" typeface="Nyala"/>
-        <a:font script="Beng" typeface="Vrinda"/>
-        <a:font script="Gujr" typeface="Shruti"/>
-        <a:font script="Khmr" typeface="DaunPenh"/>
-        <a:font script="Knda" typeface="Tunga"/>
-        <a:font script="Guru" typeface="Raavi"/>
-        <a:font script="Cans" typeface="Euphemia"/>
-        <a:font script="Cher" typeface="Plantagenet Cherokee"/>
-        <a:font script="Yiii" typeface="Microsoft Yi Baiti"/>
-        <a:font script="Tibt" typeface="Microsoft Himalaya"/>
-        <a:font script="Thaa" typeface="MV Boli"/>
-        <a:font script="Deva" typeface="Mangal"/>
-        <a:font script="Telu" typeface="Gautami"/>
-        <a:font script="Taml" typeface="Latha"/>
-        <a:font script="Syrc" typeface="Estrangelo Edessa"/>
-        <a:font script="Orya" typeface="Kalinga"/>
-        <a:font script="Mlym" typeface="Kartika"/>
-        <a:font script="Laoo" typeface="DokChampa"/>
-        <a:font script="Sinh" typeface="Iskoola Pota"/>
-        <a:font script="Mong" typeface="Mongolian Baiti"/>
-        <a:font script="Viet" typeface="Arial"/>
-        <a:font script="Uigh" typeface="Microsoft Uighur"/>
-        <a:font script="Geor" typeface="Sylfaen"/>
-      </a:minorFont>
-    </a:fontScheme>
-    <a:fmtScheme name="Office">
-      <a:fillStyleLst>
-        <a:solidFill>
-          <a:schemeClr val="phClr"/>
-        </a:solidFill>
-        <a:gradFill rotWithShape="1">
-          <a:gsLst>
-            <a:gs pos="0">
-              <a:schemeClr val="phClr">
-                <a:tint val="50000"/>
-                <a:satMod val="300000"/>
-              </a:schemeClr>
-            </a:gs>
-            <a:gs pos="35000">
-              <a:schemeClr val="phClr">
-                <a:tint val="37000"/>
-                <a:satMod val="300000"/>
-              </a:schemeClr>
-            </a:gs>
-            <a:gs pos="100000">
-              <a:schemeClr val="phClr">
-                <a:tint val="15000"/>
-                <a:satMod val="350000"/>
-              </a:schemeClr>
-            </a:gs>
-          </a:gsLst>
-          <a:lin ang="16200000" scaled="1"/>
-        </a:gradFill>
-        <a:gradFill rotWithShape="1">
-          <a:gsLst>
-            <a:gs pos="0">
-              <a:schemeClr val="phClr">
-                <a:tint val="100000"/>
-                <a:shade val="100000"/>
-                <a:satMod val="130000"/>
-              </a:schemeClr>
-            </a:gs>
-            <a:gs pos="100000">
-              <a:schemeClr val="phClr">
-                <a:tint val="50000"/>
-                <a:shade val="100000"/>
-                <a:satMod val="350000"/>
-              </a:schemeClr>
-            </a:gs>
-          </a:gsLst>
-          <a:lin ang="16200000" scaled="0"/>
-        </a:gradFill>
-      </a:fillStyleLst>
-      <a:lnStyleLst>
-        <a:ln w="9525" cap="flat" cmpd="sng" algn="ctr">
-          <a:solidFill>
-            <a:schemeClr val="phClr">
-              <a:shade val="95000"/>
-              <a:satMod val="105000"/>
-            </a:schemeClr>
-          </a:solidFill>
-          <a:prstDash val="solid"/>
-        </a:ln>
-        <a:ln w="25400" cap="flat" cmpd="sng" algn="ctr">
-          <a:solidFill>
-            <a:schemeClr val="phClr"/>
-          </a:solidFill>
-          <a:prstDash val="solid"/>
-        </a:ln>
-        <a:ln w="38100" cap="flat" cmpd="sng" algn="ctr">
-          <a:solidFill>
-            <a:schemeClr val="phClr"/>
-          </a:solidFill>
-          <a:prstDash val="solid"/>
-        </a:ln>
-      </a:lnStyleLst>
-      <a:effectStyleLst>
-        <a:effectStyle>
-          <a:effectLst>
-            <a:outerShdw blurRad="40000" dist="20000" dir="5400000" rotWithShape="0">
-              <a:srgbClr val="000000">
-                <a:alpha val="38000"/>
-              </a:srgbClr>
-            </a:outerShdw>
-          </a:effectLst>
-        </a:effectStyle>
-        <a:effectStyle>
-          <a:effectLst>
-            <a:outerShdw blurRad="40000" dist="23000" dir="5400000" rotWithShape="0">
-              <a:srgbClr val="000000">
-                <a:alpha val="35000"/>
-              </a:srgbClr>
-            </a:outerShdw>
-          </a:effectLst>
-        </a:effectStyle>
-        <a:effectStyle>
-          <a:effectLst>
-            <a:outerShdw blurRad="40000" dist="23000" dir="5400000" rotWithShape="0">
-              <a:srgbClr val="000000">
-                <a:alpha val="35000"/>
-              </a:srgbClr>
-            </a:outerShdw>
-          </a:effectLst>
-          <a:scene3d>
-            <a:camera prst="orthographicFront">
-              <a:rot lat="0" lon="0" rev="0"/>
-            </a:camera>
-            <a:lightRig rig="threePt" dir="t">
-              <a:rot lat="0" lon="0" rev="1200000"/>
-            </a:lightRig>
-          </a:scene3d>
-          <a:sp3d>
-            <a:bevelT w="63500" h="25400"/>
-          </a:sp3d>
-        </a:effectStyle>
-      </a:effectStyleLst>
-      <a:bgFillStyleLst>
-        <a:solidFill>
-          <a:schemeClr val="phClr"/>
-        </a:solidFill>
-        <a:gradFill rotWithShape="1">
-          <a:gsLst>
-            <a:gs pos="0">
-              <a:schemeClr val="phClr">
-                <a:tint val="40000"/>
-                <a:satMod val="350000"/>
-              </a:schemeClr>
-            </a:gs>
-            <a:gs pos="40000">
-              <a:schemeClr val="phClr">
-                <a:tint val="45000"/>
-                <a:shade val="99000"/>
-                <a:satMod val="350000"/>
-              </a:schemeClr>
-            </a:gs>
-            <a:gs pos="100000">
-              <a:schemeClr val="phClr">
-                <a:shade val="20000"/>
-                <a:satMod val="255000"/>
-              </a:schemeClr>
-            </a:gs>
-          </a:gsLst>
-          <a:path path="circle">
-            <a:fillToRect l="50000" t="-80000" r="50000" b="180000"/>
-          </a:path>
-        </a:gradFill>
-        <a:gradFill rotWithShape="1">
-          <a:gsLst>
-            <a:gs pos="0">
-              <a:schemeClr val="phClr">
-                <a:tint val="80000"/>
-                <a:satMod val="300000"/>
-              </a:schemeClr>
-            </a:gs>
-            <a:gs pos="100000">
-              <a:schemeClr val="phClr">
-                <a:shade val="30000"/>
-                <a:satMod val="200000"/>
-              </a:schemeClr>
-            </a:gs>
-          </a:gsLst>
-          <a:path path="circle">
-            <a:fillToRect l="50000" t="50000" r="50000" b="50000"/>
-          </a:path>
-        </a:gradFill>
-      </a:bgFillStyleLst>
-    </a:fmtScheme>
-  </a:themeElements>
-</a:theme>
 </file>